--- a/6044_FramPat/D2D/W12_Lua/Lua.C-registry.tables.lightdata.pptx
+++ b/6044_FramPat/D2D/W12_Lua/Lua.C-registry.tables.lightdata.pptx
@@ -225,7 +225,7 @@
             <a:fld id="{3D3F9196-5FBD-45F8-86BD-A3D90AC79AC7}" type="datetimeFigureOut">
               <a:rPr lang="en-CA" smtClean="0"/>
               <a:pPr/>
-              <a:t>2019-11-19</a:t>
+              <a:t>2023-11-16</a:t>
             </a:fld>
             <a:endParaRPr lang="en-CA" dirty="0"/>
           </a:p>
@@ -291,35 +291,35 @@
           <a:p>
             <a:pPr lvl="0"/>
             <a:r>
-              <a:rPr lang="en-US" smtClean="0"/>
+              <a:rPr lang="en-US"/>
               <a:t>Click to edit Master text styles</a:t>
             </a:r>
           </a:p>
           <a:p>
             <a:pPr lvl="1"/>
             <a:r>
-              <a:rPr lang="en-US" smtClean="0"/>
+              <a:rPr lang="en-US"/>
               <a:t>Second level</a:t>
             </a:r>
           </a:p>
           <a:p>
             <a:pPr lvl="2"/>
             <a:r>
-              <a:rPr lang="en-US" smtClean="0"/>
+              <a:rPr lang="en-US"/>
               <a:t>Third level</a:t>
             </a:r>
           </a:p>
           <a:p>
             <a:pPr lvl="3"/>
             <a:r>
-              <a:rPr lang="en-US" smtClean="0"/>
+              <a:rPr lang="en-US"/>
               <a:t>Fourth level</a:t>
             </a:r>
           </a:p>
           <a:p>
             <a:pPr lvl="4"/>
             <a:r>
-              <a:rPr lang="en-US" smtClean="0"/>
+              <a:rPr lang="en-US"/>
               <a:t>Fifth level</a:t>
             </a:r>
             <a:endParaRPr lang="en-CA"/>
@@ -870,7 +870,7 @@
           <a:lstStyle/>
           <a:p>
             <a:r>
-              <a:rPr lang="en-US" smtClean="0"/>
+              <a:rPr lang="en-US"/>
               <a:t>Click to edit Master title style</a:t>
             </a:r>
             <a:endParaRPr lang="en-CA"/>
@@ -989,7 +989,7 @@
           </a:lstStyle>
           <a:p>
             <a:r>
-              <a:rPr lang="en-US" smtClean="0"/>
+              <a:rPr lang="en-US"/>
               <a:t>Click to edit Master subtitle style</a:t>
             </a:r>
             <a:endParaRPr lang="en-CA"/>
@@ -1014,7 +1014,7 @@
             <a:fld id="{5B8DBE04-A610-4052-99FA-194876B9844B}" type="datetimeFigureOut">
               <a:rPr lang="en-CA" smtClean="0"/>
               <a:pPr/>
-              <a:t>2019-11-19</a:t>
+              <a:t>2023-11-16</a:t>
             </a:fld>
             <a:endParaRPr lang="en-CA" dirty="0"/>
           </a:p>
@@ -1104,7 +1104,7 @@
           <a:lstStyle/>
           <a:p>
             <a:r>
-              <a:rPr lang="en-US" smtClean="0"/>
+              <a:rPr lang="en-US"/>
               <a:t>Click to edit Master title style</a:t>
             </a:r>
             <a:endParaRPr lang="en-CA"/>
@@ -1128,35 +1128,35 @@
           <a:p>
             <a:pPr lvl="0"/>
             <a:r>
-              <a:rPr lang="en-US" smtClean="0"/>
+              <a:rPr lang="en-US"/>
               <a:t>Click to edit Master text styles</a:t>
             </a:r>
           </a:p>
           <a:p>
             <a:pPr lvl="1"/>
             <a:r>
-              <a:rPr lang="en-US" smtClean="0"/>
+              <a:rPr lang="en-US"/>
               <a:t>Second level</a:t>
             </a:r>
           </a:p>
           <a:p>
             <a:pPr lvl="2"/>
             <a:r>
-              <a:rPr lang="en-US" smtClean="0"/>
+              <a:rPr lang="en-US"/>
               <a:t>Third level</a:t>
             </a:r>
           </a:p>
           <a:p>
             <a:pPr lvl="3"/>
             <a:r>
-              <a:rPr lang="en-US" smtClean="0"/>
+              <a:rPr lang="en-US"/>
               <a:t>Fourth level</a:t>
             </a:r>
           </a:p>
           <a:p>
             <a:pPr lvl="4"/>
             <a:r>
-              <a:rPr lang="en-US" smtClean="0"/>
+              <a:rPr lang="en-US"/>
               <a:t>Fifth level</a:t>
             </a:r>
             <a:endParaRPr lang="en-CA"/>
@@ -1181,7 +1181,7 @@
             <a:fld id="{5B8DBE04-A610-4052-99FA-194876B9844B}" type="datetimeFigureOut">
               <a:rPr lang="en-CA" smtClean="0"/>
               <a:pPr/>
-              <a:t>2019-11-19</a:t>
+              <a:t>2023-11-16</a:t>
             </a:fld>
             <a:endParaRPr lang="en-CA" dirty="0"/>
           </a:p>
@@ -1276,7 +1276,7 @@
           <a:lstStyle/>
           <a:p>
             <a:r>
-              <a:rPr lang="en-US" smtClean="0"/>
+              <a:rPr lang="en-US"/>
               <a:t>Click to edit Master title style</a:t>
             </a:r>
             <a:endParaRPr lang="en-CA"/>
@@ -1305,35 +1305,35 @@
           <a:p>
             <a:pPr lvl="0"/>
             <a:r>
-              <a:rPr lang="en-US" smtClean="0"/>
+              <a:rPr lang="en-US"/>
               <a:t>Click to edit Master text styles</a:t>
             </a:r>
           </a:p>
           <a:p>
             <a:pPr lvl="1"/>
             <a:r>
-              <a:rPr lang="en-US" smtClean="0"/>
+              <a:rPr lang="en-US"/>
               <a:t>Second level</a:t>
             </a:r>
           </a:p>
           <a:p>
             <a:pPr lvl="2"/>
             <a:r>
-              <a:rPr lang="en-US" smtClean="0"/>
+              <a:rPr lang="en-US"/>
               <a:t>Third level</a:t>
             </a:r>
           </a:p>
           <a:p>
             <a:pPr lvl="3"/>
             <a:r>
-              <a:rPr lang="en-US" smtClean="0"/>
+              <a:rPr lang="en-US"/>
               <a:t>Fourth level</a:t>
             </a:r>
           </a:p>
           <a:p>
             <a:pPr lvl="4"/>
             <a:r>
-              <a:rPr lang="en-US" smtClean="0"/>
+              <a:rPr lang="en-US"/>
               <a:t>Fifth level</a:t>
             </a:r>
             <a:endParaRPr lang="en-CA"/>
@@ -1358,7 +1358,7 @@
             <a:fld id="{5B8DBE04-A610-4052-99FA-194876B9844B}" type="datetimeFigureOut">
               <a:rPr lang="en-CA" smtClean="0"/>
               <a:pPr/>
-              <a:t>2019-11-19</a:t>
+              <a:t>2023-11-16</a:t>
             </a:fld>
             <a:endParaRPr lang="en-CA" dirty="0"/>
           </a:p>
@@ -1448,7 +1448,7 @@
           <a:lstStyle/>
           <a:p>
             <a:r>
-              <a:rPr lang="en-US" smtClean="0"/>
+              <a:rPr lang="en-US"/>
               <a:t>Click to edit Master title style</a:t>
             </a:r>
             <a:endParaRPr lang="en-CA"/>
@@ -1472,35 +1472,35 @@
           <a:p>
             <a:pPr lvl="0"/>
             <a:r>
-              <a:rPr lang="en-US" smtClean="0"/>
+              <a:rPr lang="en-US"/>
               <a:t>Click to edit Master text styles</a:t>
             </a:r>
           </a:p>
           <a:p>
             <a:pPr lvl="1"/>
             <a:r>
-              <a:rPr lang="en-US" smtClean="0"/>
+              <a:rPr lang="en-US"/>
               <a:t>Second level</a:t>
             </a:r>
           </a:p>
           <a:p>
             <a:pPr lvl="2"/>
             <a:r>
-              <a:rPr lang="en-US" smtClean="0"/>
+              <a:rPr lang="en-US"/>
               <a:t>Third level</a:t>
             </a:r>
           </a:p>
           <a:p>
             <a:pPr lvl="3"/>
             <a:r>
-              <a:rPr lang="en-US" smtClean="0"/>
+              <a:rPr lang="en-US"/>
               <a:t>Fourth level</a:t>
             </a:r>
           </a:p>
           <a:p>
             <a:pPr lvl="4"/>
             <a:r>
-              <a:rPr lang="en-US" smtClean="0"/>
+              <a:rPr lang="en-US"/>
               <a:t>Fifth level</a:t>
             </a:r>
             <a:endParaRPr lang="en-CA"/>
@@ -1525,7 +1525,7 @@
             <a:fld id="{5B8DBE04-A610-4052-99FA-194876B9844B}" type="datetimeFigureOut">
               <a:rPr lang="en-CA" smtClean="0"/>
               <a:pPr/>
-              <a:t>2019-11-19</a:t>
+              <a:t>2023-11-16</a:t>
             </a:fld>
             <a:endParaRPr lang="en-CA" dirty="0"/>
           </a:p>
@@ -1624,7 +1624,7 @@
           </a:lstStyle>
           <a:p>
             <a:r>
-              <a:rPr lang="en-US" smtClean="0"/>
+              <a:rPr lang="en-US"/>
               <a:t>Click to edit Master title style</a:t>
             </a:r>
             <a:endParaRPr lang="en-CA"/>
@@ -1744,7 +1744,7 @@
           <a:p>
             <a:pPr lvl="0"/>
             <a:r>
-              <a:rPr lang="en-US" smtClean="0"/>
+              <a:rPr lang="en-US"/>
               <a:t>Click to edit Master text styles</a:t>
             </a:r>
           </a:p>
@@ -1768,7 +1768,7 @@
             <a:fld id="{5B8DBE04-A610-4052-99FA-194876B9844B}" type="datetimeFigureOut">
               <a:rPr lang="en-CA" smtClean="0"/>
               <a:pPr/>
-              <a:t>2019-11-19</a:t>
+              <a:t>2023-11-16</a:t>
             </a:fld>
             <a:endParaRPr lang="en-CA" dirty="0"/>
           </a:p>
@@ -1858,7 +1858,7 @@
           <a:lstStyle/>
           <a:p>
             <a:r>
-              <a:rPr lang="en-US" smtClean="0"/>
+              <a:rPr lang="en-US"/>
               <a:t>Click to edit Master title style</a:t>
             </a:r>
             <a:endParaRPr lang="en-CA"/>
@@ -1915,35 +1915,35 @@
           <a:p>
             <a:pPr lvl="0"/>
             <a:r>
-              <a:rPr lang="en-US" smtClean="0"/>
+              <a:rPr lang="en-US"/>
               <a:t>Click to edit Master text styles</a:t>
             </a:r>
           </a:p>
           <a:p>
             <a:pPr lvl="1"/>
             <a:r>
-              <a:rPr lang="en-US" smtClean="0"/>
+              <a:rPr lang="en-US"/>
               <a:t>Second level</a:t>
             </a:r>
           </a:p>
           <a:p>
             <a:pPr lvl="2"/>
             <a:r>
-              <a:rPr lang="en-US" smtClean="0"/>
+              <a:rPr lang="en-US"/>
               <a:t>Third level</a:t>
             </a:r>
           </a:p>
           <a:p>
             <a:pPr lvl="3"/>
             <a:r>
-              <a:rPr lang="en-US" smtClean="0"/>
+              <a:rPr lang="en-US"/>
               <a:t>Fourth level</a:t>
             </a:r>
           </a:p>
           <a:p>
             <a:pPr lvl="4"/>
             <a:r>
-              <a:rPr lang="en-US" smtClean="0"/>
+              <a:rPr lang="en-US"/>
               <a:t>Fifth level</a:t>
             </a:r>
             <a:endParaRPr lang="en-CA"/>
@@ -2000,35 +2000,35 @@
           <a:p>
             <a:pPr lvl="0"/>
             <a:r>
-              <a:rPr lang="en-US" smtClean="0"/>
+              <a:rPr lang="en-US"/>
               <a:t>Click to edit Master text styles</a:t>
             </a:r>
           </a:p>
           <a:p>
             <a:pPr lvl="1"/>
             <a:r>
-              <a:rPr lang="en-US" smtClean="0"/>
+              <a:rPr lang="en-US"/>
               <a:t>Second level</a:t>
             </a:r>
           </a:p>
           <a:p>
             <a:pPr lvl="2"/>
             <a:r>
-              <a:rPr lang="en-US" smtClean="0"/>
+              <a:rPr lang="en-US"/>
               <a:t>Third level</a:t>
             </a:r>
           </a:p>
           <a:p>
             <a:pPr lvl="3"/>
             <a:r>
-              <a:rPr lang="en-US" smtClean="0"/>
+              <a:rPr lang="en-US"/>
               <a:t>Fourth level</a:t>
             </a:r>
           </a:p>
           <a:p>
             <a:pPr lvl="4"/>
             <a:r>
-              <a:rPr lang="en-US" smtClean="0"/>
+              <a:rPr lang="en-US"/>
               <a:t>Fifth level</a:t>
             </a:r>
             <a:endParaRPr lang="en-CA"/>
@@ -2053,7 +2053,7 @@
             <a:fld id="{5B8DBE04-A610-4052-99FA-194876B9844B}" type="datetimeFigureOut">
               <a:rPr lang="en-CA" smtClean="0"/>
               <a:pPr/>
-              <a:t>2019-11-19</a:t>
+              <a:t>2023-11-16</a:t>
             </a:fld>
             <a:endParaRPr lang="en-CA" dirty="0"/>
           </a:p>
@@ -2152,7 +2152,7 @@
           </a:lstStyle>
           <a:p>
             <a:r>
-              <a:rPr lang="en-US" smtClean="0"/>
+              <a:rPr lang="en-US"/>
               <a:t>Click to edit Master title style</a:t>
             </a:r>
             <a:endParaRPr lang="en-CA"/>
@@ -2218,7 +2218,7 @@
           <a:p>
             <a:pPr lvl="0"/>
             <a:r>
-              <a:rPr lang="en-US" smtClean="0"/>
+              <a:rPr lang="en-US"/>
               <a:t>Click to edit Master text styles</a:t>
             </a:r>
           </a:p>
@@ -2274,35 +2274,35 @@
           <a:p>
             <a:pPr lvl="0"/>
             <a:r>
-              <a:rPr lang="en-US" smtClean="0"/>
+              <a:rPr lang="en-US"/>
               <a:t>Click to edit Master text styles</a:t>
             </a:r>
           </a:p>
           <a:p>
             <a:pPr lvl="1"/>
             <a:r>
-              <a:rPr lang="en-US" smtClean="0"/>
+              <a:rPr lang="en-US"/>
               <a:t>Second level</a:t>
             </a:r>
           </a:p>
           <a:p>
             <a:pPr lvl="2"/>
             <a:r>
-              <a:rPr lang="en-US" smtClean="0"/>
+              <a:rPr lang="en-US"/>
               <a:t>Third level</a:t>
             </a:r>
           </a:p>
           <a:p>
             <a:pPr lvl="3"/>
             <a:r>
-              <a:rPr lang="en-US" smtClean="0"/>
+              <a:rPr lang="en-US"/>
               <a:t>Fourth level</a:t>
             </a:r>
           </a:p>
           <a:p>
             <a:pPr lvl="4"/>
             <a:r>
-              <a:rPr lang="en-US" smtClean="0"/>
+              <a:rPr lang="en-US"/>
               <a:t>Fifth level</a:t>
             </a:r>
             <a:endParaRPr lang="en-CA"/>
@@ -2368,7 +2368,7 @@
           <a:p>
             <a:pPr lvl="0"/>
             <a:r>
-              <a:rPr lang="en-US" smtClean="0"/>
+              <a:rPr lang="en-US"/>
               <a:t>Click to edit Master text styles</a:t>
             </a:r>
           </a:p>
@@ -2424,35 +2424,35 @@
           <a:p>
             <a:pPr lvl="0"/>
             <a:r>
-              <a:rPr lang="en-US" smtClean="0"/>
+              <a:rPr lang="en-US"/>
               <a:t>Click to edit Master text styles</a:t>
             </a:r>
           </a:p>
           <a:p>
             <a:pPr lvl="1"/>
             <a:r>
-              <a:rPr lang="en-US" smtClean="0"/>
+              <a:rPr lang="en-US"/>
               <a:t>Second level</a:t>
             </a:r>
           </a:p>
           <a:p>
             <a:pPr lvl="2"/>
             <a:r>
-              <a:rPr lang="en-US" smtClean="0"/>
+              <a:rPr lang="en-US"/>
               <a:t>Third level</a:t>
             </a:r>
           </a:p>
           <a:p>
             <a:pPr lvl="3"/>
             <a:r>
-              <a:rPr lang="en-US" smtClean="0"/>
+              <a:rPr lang="en-US"/>
               <a:t>Fourth level</a:t>
             </a:r>
           </a:p>
           <a:p>
             <a:pPr lvl="4"/>
             <a:r>
-              <a:rPr lang="en-US" smtClean="0"/>
+              <a:rPr lang="en-US"/>
               <a:t>Fifth level</a:t>
             </a:r>
             <a:endParaRPr lang="en-CA"/>
@@ -2477,7 +2477,7 @@
             <a:fld id="{5B8DBE04-A610-4052-99FA-194876B9844B}" type="datetimeFigureOut">
               <a:rPr lang="en-CA" smtClean="0"/>
               <a:pPr/>
-              <a:t>2019-11-19</a:t>
+              <a:t>2023-11-16</a:t>
             </a:fld>
             <a:endParaRPr lang="en-CA" dirty="0"/>
           </a:p>
@@ -2567,7 +2567,7 @@
           <a:lstStyle/>
           <a:p>
             <a:r>
-              <a:rPr lang="en-US" smtClean="0"/>
+              <a:rPr lang="en-US"/>
               <a:t>Click to edit Master title style</a:t>
             </a:r>
             <a:endParaRPr lang="en-CA"/>
@@ -2592,7 +2592,7 @@
             <a:fld id="{5B8DBE04-A610-4052-99FA-194876B9844B}" type="datetimeFigureOut">
               <a:rPr lang="en-CA" smtClean="0"/>
               <a:pPr/>
-              <a:t>2019-11-19</a:t>
+              <a:t>2023-11-16</a:t>
             </a:fld>
             <a:endParaRPr lang="en-CA" dirty="0"/>
           </a:p>
@@ -2684,7 +2684,7 @@
             <a:fld id="{5B8DBE04-A610-4052-99FA-194876B9844B}" type="datetimeFigureOut">
               <a:rPr lang="en-CA" smtClean="0"/>
               <a:pPr/>
-              <a:t>2019-11-19</a:t>
+              <a:t>2023-11-16</a:t>
             </a:fld>
             <a:endParaRPr lang="en-CA" dirty="0"/>
           </a:p>
@@ -2783,7 +2783,7 @@
           </a:lstStyle>
           <a:p>
             <a:r>
-              <a:rPr lang="en-US" smtClean="0"/>
+              <a:rPr lang="en-US"/>
               <a:t>Click to edit Master title style</a:t>
             </a:r>
             <a:endParaRPr lang="en-CA"/>
@@ -2840,35 +2840,35 @@
           <a:p>
             <a:pPr lvl="0"/>
             <a:r>
-              <a:rPr lang="en-US" smtClean="0"/>
+              <a:rPr lang="en-US"/>
               <a:t>Click to edit Master text styles</a:t>
             </a:r>
           </a:p>
           <a:p>
             <a:pPr lvl="1"/>
             <a:r>
-              <a:rPr lang="en-US" smtClean="0"/>
+              <a:rPr lang="en-US"/>
               <a:t>Second level</a:t>
             </a:r>
           </a:p>
           <a:p>
             <a:pPr lvl="2"/>
             <a:r>
-              <a:rPr lang="en-US" smtClean="0"/>
+              <a:rPr lang="en-US"/>
               <a:t>Third level</a:t>
             </a:r>
           </a:p>
           <a:p>
             <a:pPr lvl="3"/>
             <a:r>
-              <a:rPr lang="en-US" smtClean="0"/>
+              <a:rPr lang="en-US"/>
               <a:t>Fourth level</a:t>
             </a:r>
           </a:p>
           <a:p>
             <a:pPr lvl="4"/>
             <a:r>
-              <a:rPr lang="en-US" smtClean="0"/>
+              <a:rPr lang="en-US"/>
               <a:t>Fifth level</a:t>
             </a:r>
             <a:endParaRPr lang="en-CA"/>
@@ -2934,7 +2934,7 @@
           <a:p>
             <a:pPr lvl="0"/>
             <a:r>
-              <a:rPr lang="en-US" smtClean="0"/>
+              <a:rPr lang="en-US"/>
               <a:t>Click to edit Master text styles</a:t>
             </a:r>
           </a:p>
@@ -2958,7 +2958,7 @@
             <a:fld id="{5B8DBE04-A610-4052-99FA-194876B9844B}" type="datetimeFigureOut">
               <a:rPr lang="en-CA" smtClean="0"/>
               <a:pPr/>
-              <a:t>2019-11-19</a:t>
+              <a:t>2023-11-16</a:t>
             </a:fld>
             <a:endParaRPr lang="en-CA" dirty="0"/>
           </a:p>
@@ -3057,7 +3057,7 @@
           </a:lstStyle>
           <a:p>
             <a:r>
-              <a:rPr lang="en-US" smtClean="0"/>
+              <a:rPr lang="en-US"/>
               <a:t>Click to edit Master title style</a:t>
             </a:r>
             <a:endParaRPr lang="en-CA"/>
@@ -3184,7 +3184,7 @@
           <a:p>
             <a:pPr lvl="0"/>
             <a:r>
-              <a:rPr lang="en-US" smtClean="0"/>
+              <a:rPr lang="en-US"/>
               <a:t>Click to edit Master text styles</a:t>
             </a:r>
           </a:p>
@@ -3208,7 +3208,7 @@
             <a:fld id="{5B8DBE04-A610-4052-99FA-194876B9844B}" type="datetimeFigureOut">
               <a:rPr lang="en-CA" smtClean="0"/>
               <a:pPr/>
-              <a:t>2019-11-19</a:t>
+              <a:t>2023-11-16</a:t>
             </a:fld>
             <a:endParaRPr lang="en-CA" dirty="0"/>
           </a:p>
@@ -3316,7 +3316,7 @@
           <a:lstStyle/>
           <a:p>
             <a:r>
-              <a:rPr lang="en-US" smtClean="0"/>
+              <a:rPr lang="en-US"/>
               <a:t>Click to edit Master title style</a:t>
             </a:r>
             <a:endParaRPr lang="en-CA"/>
@@ -3350,35 +3350,35 @@
           <a:p>
             <a:pPr lvl="0"/>
             <a:r>
-              <a:rPr lang="en-US" dirty="0" smtClean="0"/>
+              <a:rPr lang="en-US" dirty="0"/>
               <a:t>Click to edit Master text styles</a:t>
             </a:r>
           </a:p>
           <a:p>
             <a:pPr lvl="1"/>
             <a:r>
-              <a:rPr lang="en-US" dirty="0" smtClean="0"/>
+              <a:rPr lang="en-US" dirty="0"/>
               <a:t>Second level</a:t>
             </a:r>
           </a:p>
           <a:p>
             <a:pPr lvl="2"/>
             <a:r>
-              <a:rPr lang="en-US" dirty="0" smtClean="0"/>
+              <a:rPr lang="en-US" dirty="0"/>
               <a:t>Third level</a:t>
             </a:r>
           </a:p>
           <a:p>
             <a:pPr lvl="3"/>
             <a:r>
-              <a:rPr lang="en-US" dirty="0" smtClean="0"/>
+              <a:rPr lang="en-US" dirty="0"/>
               <a:t>Fourth level</a:t>
             </a:r>
           </a:p>
           <a:p>
             <a:pPr lvl="4"/>
             <a:r>
-              <a:rPr lang="en-US" dirty="0" smtClean="0"/>
+              <a:rPr lang="en-US" dirty="0"/>
               <a:t>Fifth level</a:t>
             </a:r>
             <a:endParaRPr lang="en-CA" dirty="0"/>
@@ -3419,7 +3419,7 @@
             <a:fld id="{5B8DBE04-A610-4052-99FA-194876B9844B}" type="datetimeFigureOut">
               <a:rPr lang="en-CA" smtClean="0"/>
               <a:pPr/>
-              <a:t>2019-11-19</a:t>
+              <a:t>2023-11-16</a:t>
             </a:fld>
             <a:endParaRPr lang="en-CA" dirty="0"/>
           </a:p>
@@ -3527,7 +3527,7 @@
               <a:buChar char="•"/>
             </a:pPr>
             <a:r>
-              <a:rPr lang="en-CA" sz="1050" baseline="0" dirty="0" smtClean="0">
+              <a:rPr lang="en-CA" sz="1050" baseline="0" dirty="0">
                 <a:solidFill>
                   <a:schemeClr val="bg1"/>
                 </a:solidFill>
@@ -3844,7 +3844,7 @@
           <a:lstStyle/>
           <a:p>
             <a:r>
-              <a:rPr lang="en-CA" dirty="0" err="1" smtClean="0"/>
+              <a:rPr lang="en-CA" dirty="0" err="1"/>
               <a:t>Lua</a:t>
             </a:r>
             <a:endParaRPr lang="en-CA" dirty="0"/>
@@ -3867,16 +3867,15 @@
           <a:lstStyle/>
           <a:p>
             <a:r>
-              <a:rPr lang="en-CA" dirty="0" smtClean="0"/>
+              <a:rPr lang="en-CA" dirty="0"/>
               <a:t>Language</a:t>
             </a:r>
           </a:p>
           <a:p>
             <a:r>
-              <a:rPr lang="en-CA" dirty="0" smtClean="0"/>
+              <a:rPr lang="en-CA" dirty="0"/>
               <a:t>Integration (C, and some suggestions)</a:t>
             </a:r>
-            <a:endParaRPr lang="en-CA" dirty="0"/>
           </a:p>
         </p:txBody>
       </p:sp>
@@ -3928,14 +3927,13 @@
           <a:lstStyle/>
           <a:p>
             <a:r>
-              <a:rPr lang="en-CA" dirty="0" err="1" smtClean="0"/>
+              <a:rPr lang="en-CA" dirty="0" err="1"/>
               <a:t>Lua</a:t>
             </a:r>
             <a:r>
-              <a:rPr lang="en-CA" dirty="0" smtClean="0"/>
+              <a:rPr lang="en-CA" dirty="0"/>
               <a:t> tables</a:t>
             </a:r>
-            <a:endParaRPr lang="en-CA" dirty="0"/>
           </a:p>
         </p:txBody>
       </p:sp>
@@ -3962,35 +3960,35 @@
           <a:lstStyle/>
           <a:p>
             <a:r>
-              <a:rPr lang="en-US" dirty="0" smtClean="0"/>
+              <a:rPr lang="en-US" dirty="0"/>
               <a:t>Tables are a separate, hidden things, that are </a:t>
             </a:r>
             <a:r>
-              <a:rPr lang="en-US" i="1" dirty="0" smtClean="0"/>
+              <a:rPr lang="en-US" i="1" dirty="0"/>
               <a:t>referenced </a:t>
             </a:r>
             <a:r>
-              <a:rPr lang="en-US" dirty="0" smtClean="0"/>
+              <a:rPr lang="en-US" dirty="0"/>
               <a:t>by other variables</a:t>
             </a:r>
           </a:p>
           <a:p>
             <a:r>
-              <a:rPr lang="en-US" dirty="0" smtClean="0"/>
+              <a:rPr lang="en-US" dirty="0"/>
               <a:t>a = {}        // creates a table and “points” to it</a:t>
             </a:r>
           </a:p>
           <a:p>
             <a:r>
-              <a:rPr lang="en-US" dirty="0" smtClean="0"/>
+              <a:rPr lang="en-US" dirty="0"/>
               <a:t>So “a” </a:t>
             </a:r>
             <a:r>
-              <a:rPr lang="en-US" i="1" dirty="0" smtClean="0"/>
+              <a:rPr lang="en-US" i="1" dirty="0"/>
               <a:t>isn’t </a:t>
             </a:r>
             <a:r>
-              <a:rPr lang="en-US" dirty="0" smtClean="0"/>
+              <a:rPr lang="en-US" dirty="0"/>
               <a:t>a table, it only refers to it</a:t>
             </a:r>
           </a:p>
@@ -3998,7 +3996,7 @@
             <a:pPr>
               <a:buNone/>
             </a:pPr>
-            <a:endParaRPr lang="en-CA" dirty="0" smtClean="0"/>
+            <a:endParaRPr lang="en-CA" dirty="0"/>
           </a:p>
           <a:p>
             <a:endParaRPr lang="en-CA" dirty="0"/>
@@ -4079,28 +4077,28 @@
           <a:p>
             <a:pPr algn="ctr"/>
             <a:r>
-              <a:rPr lang="en-US" dirty="0" smtClean="0"/>
+              <a:rPr lang="en-US" dirty="0"/>
               <a:t>a = {}</a:t>
             </a:r>
           </a:p>
           <a:p>
             <a:pPr algn="ctr"/>
             <a:r>
-              <a:rPr lang="en-US" dirty="0" smtClean="0"/>
+              <a:rPr lang="en-US" dirty="0"/>
               <a:t>K = a</a:t>
             </a:r>
           </a:p>
           <a:p>
             <a:pPr algn="ctr"/>
             <a:r>
-              <a:rPr lang="en-US" dirty="0" smtClean="0"/>
+              <a:rPr lang="en-US" dirty="0"/>
               <a:t>a = nil</a:t>
             </a:r>
           </a:p>
           <a:p>
             <a:pPr algn="ctr"/>
             <a:r>
-              <a:rPr lang="en-US" dirty="0" smtClean="0"/>
+              <a:rPr lang="en-US" dirty="0"/>
               <a:t>K = nil</a:t>
             </a:r>
             <a:endParaRPr lang="en-CA" dirty="0"/>
@@ -4144,7 +4142,7 @@
           <a:p>
             <a:pPr algn="ctr"/>
             <a:r>
-              <a:rPr lang="en-US" dirty="0" smtClean="0"/>
+              <a:rPr lang="en-US" dirty="0"/>
               <a:t>Table is still there</a:t>
             </a:r>
             <a:endParaRPr lang="en-CA" dirty="0"/>
@@ -4188,7 +4186,7 @@
           <a:p>
             <a:pPr algn="ctr"/>
             <a:r>
-              <a:rPr lang="en-US" dirty="0" smtClean="0"/>
+              <a:rPr lang="en-US" dirty="0"/>
               <a:t>NOW the table can be garbage collected </a:t>
             </a:r>
             <a:endParaRPr lang="en-CA" dirty="0"/>
@@ -4513,14 +4511,13 @@
           <a:lstStyle/>
           <a:p>
             <a:r>
-              <a:rPr lang="en-CA" dirty="0" err="1" smtClean="0"/>
+              <a:rPr lang="en-CA" dirty="0" err="1"/>
               <a:t>Lua</a:t>
             </a:r>
             <a:r>
-              <a:rPr lang="en-CA" dirty="0" smtClean="0"/>
+              <a:rPr lang="en-CA" dirty="0"/>
               <a:t> tables and the stack, C-API</a:t>
             </a:r>
-            <a:endParaRPr lang="en-CA" dirty="0"/>
           </a:p>
         </p:txBody>
       </p:sp>
@@ -4547,71 +4544,71 @@
           <a:lstStyle/>
           <a:p>
             <a:r>
-              <a:rPr lang="en-US" dirty="0" smtClean="0"/>
+              <a:rPr lang="en-US" dirty="0"/>
               <a:t>Remember that all information being passed back and forth from C and </a:t>
             </a:r>
             <a:r>
-              <a:rPr lang="en-US" dirty="0" err="1" smtClean="0"/>
+              <a:rPr lang="en-US" dirty="0" err="1"/>
               <a:t>Lua</a:t>
             </a:r>
             <a:r>
-              <a:rPr lang="en-US" dirty="0" smtClean="0"/>
+              <a:rPr lang="en-US" dirty="0"/>
               <a:t> is on the “stack”</a:t>
             </a:r>
           </a:p>
           <a:p>
             <a:r>
-              <a:rPr lang="en-US" dirty="0" smtClean="0"/>
+              <a:rPr lang="en-US" dirty="0"/>
               <a:t>So many of these calls </a:t>
             </a:r>
             <a:r>
-              <a:rPr lang="en-US" i="1" dirty="0" smtClean="0"/>
+              <a:rPr lang="en-US" i="1" dirty="0"/>
               <a:t>indirectly </a:t>
             </a:r>
             <a:r>
-              <a:rPr lang="en-US" dirty="0" smtClean="0"/>
+              <a:rPr lang="en-US" dirty="0"/>
               <a:t>refer to the stack</a:t>
             </a:r>
           </a:p>
           <a:p>
             <a:pPr lvl="1"/>
             <a:r>
-              <a:rPr lang="en-US" dirty="0" smtClean="0"/>
+              <a:rPr lang="en-US" dirty="0"/>
               <a:t>(that’s one of the usual things to get used to)</a:t>
             </a:r>
           </a:p>
           <a:p>
             <a:r>
-              <a:rPr lang="en-CA" dirty="0" err="1" smtClean="0"/>
+              <a:rPr lang="en-CA" dirty="0" err="1"/>
               <a:t>lua_istable</a:t>
             </a:r>
             <a:r>
-              <a:rPr lang="en-CA" dirty="0" smtClean="0"/>
+              <a:rPr lang="en-CA" dirty="0"/>
               <a:t>( L, -1 )	</a:t>
             </a:r>
             <a:r>
-              <a:rPr lang="en-CA" sz="2800" i="1" dirty="0" smtClean="0">
+              <a:rPr lang="en-CA" sz="2800" i="1" dirty="0">
                 <a:latin typeface="Times New Roman" pitchFamily="18" charset="0"/>
                 <a:cs typeface="Times New Roman" pitchFamily="18" charset="0"/>
               </a:rPr>
               <a:t>is thing at stack top a table?</a:t>
             </a:r>
-            <a:endParaRPr lang="en-CA" i="1" dirty="0" smtClean="0">
+            <a:endParaRPr lang="en-CA" i="1" dirty="0">
               <a:latin typeface="Times New Roman" pitchFamily="18" charset="0"/>
               <a:cs typeface="Times New Roman" pitchFamily="18" charset="0"/>
             </a:endParaRPr>
           </a:p>
           <a:p>
             <a:r>
-              <a:rPr lang="en-US" dirty="0" err="1" smtClean="0"/>
+              <a:rPr lang="en-US" dirty="0" err="1"/>
               <a:t>lua_newtable</a:t>
             </a:r>
             <a:r>
-              <a:rPr lang="en-US" dirty="0" smtClean="0"/>
+              <a:rPr lang="en-US" dirty="0"/>
               <a:t>(L)      </a:t>
             </a:r>
             <a:r>
-              <a:rPr lang="en-US" sz="2800" i="1" dirty="0" smtClean="0">
+              <a:rPr lang="en-US" sz="2800" i="1" dirty="0">
                 <a:latin typeface="Times New Roman" pitchFamily="18" charset="0"/>
                 <a:cs typeface="Times New Roman" pitchFamily="18" charset="0"/>
               </a:rPr>
@@ -4622,7 +4619,7 @@
             <a:pPr>
               <a:buNone/>
             </a:pPr>
-            <a:endParaRPr lang="en-CA" dirty="0" smtClean="0"/>
+            <a:endParaRPr lang="en-CA" dirty="0"/>
           </a:p>
           <a:p>
             <a:endParaRPr lang="en-CA" dirty="0"/>
@@ -5088,14 +5085,13 @@
           <a:lstStyle/>
           <a:p>
             <a:r>
-              <a:rPr lang="en-CA" dirty="0" err="1" smtClean="0"/>
+              <a:rPr lang="en-CA" dirty="0" err="1"/>
               <a:t>Lua</a:t>
             </a:r>
             <a:r>
-              <a:rPr lang="en-CA" dirty="0" smtClean="0"/>
+              <a:rPr lang="en-CA" dirty="0"/>
               <a:t> tables and the stack, C-API</a:t>
             </a:r>
-            <a:endParaRPr lang="en-CA" dirty="0"/>
           </a:p>
         </p:txBody>
       </p:sp>
@@ -5122,35 +5118,35 @@
           <a:lstStyle/>
           <a:p>
             <a:r>
-              <a:rPr lang="en-US" dirty="0" smtClean="0"/>
+              <a:rPr lang="en-US" dirty="0"/>
               <a:t>Most of these “table” functions manipulate “current” location in the stack (for things like </a:t>
             </a:r>
             <a:r>
-              <a:rPr lang="en-US" dirty="0" err="1" smtClean="0"/>
+              <a:rPr lang="en-US" dirty="0" err="1"/>
               <a:t>lua_pushnumber</a:t>
             </a:r>
             <a:r>
-              <a:rPr lang="en-US" dirty="0" smtClean="0"/>
+              <a:rPr lang="en-US" dirty="0"/>
               <a:t>, etc.)</a:t>
             </a:r>
           </a:p>
           <a:p>
             <a:r>
-              <a:rPr lang="en-US" dirty="0" err="1" smtClean="0"/>
+              <a:rPr lang="en-US" dirty="0" err="1"/>
               <a:t>lua_gettable</a:t>
             </a:r>
             <a:r>
-              <a:rPr lang="en-US" dirty="0" smtClean="0"/>
+              <a:rPr lang="en-US" dirty="0"/>
               <a:t>( L, x )   points to top of stack</a:t>
             </a:r>
           </a:p>
           <a:p>
             <a:r>
-              <a:rPr lang="en-US" dirty="0" err="1" smtClean="0"/>
+              <a:rPr lang="en-US" dirty="0" err="1"/>
               <a:t>lua_settable</a:t>
             </a:r>
             <a:r>
-              <a:rPr lang="en-US" dirty="0" smtClean="0"/>
+              <a:rPr lang="en-US" dirty="0"/>
               <a:t>( L, x )   Takes the two items “above” x in the stack (index and value), places them into a table (along with an entry) and pops them off the stack (i.e. eliminating them) </a:t>
             </a:r>
           </a:p>
@@ -5158,7 +5154,7 @@
             <a:pPr>
               <a:buNone/>
             </a:pPr>
-            <a:endParaRPr lang="en-CA" dirty="0" smtClean="0"/>
+            <a:endParaRPr lang="en-CA" dirty="0"/>
           </a:p>
           <a:p>
             <a:endParaRPr lang="en-CA" dirty="0"/>
@@ -5520,14 +5516,13 @@
           <a:lstStyle/>
           <a:p>
             <a:r>
-              <a:rPr lang="en-CA" dirty="0" err="1" smtClean="0"/>
+              <a:rPr lang="en-CA" dirty="0" err="1"/>
               <a:t>Lua</a:t>
             </a:r>
             <a:r>
-              <a:rPr lang="en-CA" dirty="0" smtClean="0"/>
+              <a:rPr lang="en-CA" dirty="0"/>
               <a:t> tables and the stack, C-API</a:t>
             </a:r>
-            <a:endParaRPr lang="en-CA" dirty="0"/>
           </a:p>
         </p:txBody>
       </p:sp>
@@ -5554,44 +5549,44 @@
           <a:lstStyle/>
           <a:p>
             <a:r>
-              <a:rPr lang="en-US" dirty="0" smtClean="0"/>
+              <a:rPr lang="en-US" dirty="0"/>
               <a:t>Note many functions call “</a:t>
             </a:r>
             <a:r>
-              <a:rPr lang="en-US" dirty="0" err="1" smtClean="0"/>
+              <a:rPr lang="en-US" dirty="0" err="1"/>
               <a:t>metamethods</a:t>
             </a:r>
             <a:r>
-              <a:rPr lang="en-US" dirty="0" smtClean="0"/>
+              <a:rPr lang="en-US" dirty="0"/>
               <a:t>” that manipulate the stack. </a:t>
             </a:r>
           </a:p>
           <a:p>
             <a:pPr lvl="1"/>
             <a:r>
-              <a:rPr lang="en-US" dirty="0" smtClean="0"/>
+              <a:rPr lang="en-US" dirty="0"/>
               <a:t>For example </a:t>
             </a:r>
             <a:r>
-              <a:rPr lang="en-US" dirty="0" err="1" smtClean="0"/>
+              <a:rPr lang="en-US" dirty="0" err="1"/>
               <a:t>lua_settable</a:t>
             </a:r>
             <a:r>
-              <a:rPr lang="en-US" dirty="0" smtClean="0"/>
+              <a:rPr lang="en-US" dirty="0"/>
               <a:t>, which “pops” (removes) two items (name, value) from the stack, then saves them into a new table, will alter the indices of the stack. </a:t>
             </a:r>
           </a:p>
           <a:p>
             <a:pPr lvl="1"/>
             <a:r>
-              <a:rPr lang="en-US" dirty="0" smtClean="0"/>
+              <a:rPr lang="en-US" dirty="0"/>
               <a:t>If you are pointing to the “top” of the stack, this is easily manageable, but is still somewhat annoying</a:t>
             </a:r>
           </a:p>
           <a:p>
             <a:pPr lvl="1"/>
             <a:r>
-              <a:rPr lang="en-US" dirty="0" smtClean="0"/>
+              <a:rPr lang="en-US" dirty="0"/>
               <a:t>They are also verbose and “slow”</a:t>
             </a:r>
           </a:p>
@@ -5599,7 +5594,7 @@
             <a:pPr>
               <a:buNone/>
             </a:pPr>
-            <a:endParaRPr lang="en-CA" dirty="0" smtClean="0"/>
+            <a:endParaRPr lang="en-CA" dirty="0"/>
           </a:p>
           <a:p>
             <a:endParaRPr lang="en-CA" dirty="0"/>
@@ -5968,15 +5963,15 @@
           <a:lstStyle/>
           <a:p>
             <a:r>
-              <a:rPr lang="en-US" dirty="0" err="1" smtClean="0"/>
+              <a:rPr lang="en-US" dirty="0" err="1"/>
               <a:t>lua_rawseti</a:t>
             </a:r>
             <a:r>
-              <a:rPr lang="en-US" dirty="0" smtClean="0"/>
+              <a:rPr lang="en-US" dirty="0"/>
               <a:t>, </a:t>
             </a:r>
             <a:r>
-              <a:rPr lang="en-US" dirty="0" err="1" smtClean="0"/>
+              <a:rPr lang="en-US" dirty="0" err="1"/>
               <a:t>lua_rawgeti</a:t>
             </a:r>
             <a:endParaRPr lang="en-CA" dirty="0"/>
@@ -6006,45 +6001,45 @@
           <a:lstStyle/>
           <a:p>
             <a:r>
-              <a:rPr lang="en-US" dirty="0" smtClean="0"/>
+              <a:rPr lang="en-US" dirty="0"/>
               <a:t>Since you are often doing a number of table operations at the same time…</a:t>
             </a:r>
           </a:p>
           <a:p>
             <a:pPr lvl="1"/>
             <a:r>
-              <a:rPr lang="en-US" dirty="0" err="1" smtClean="0"/>
+              <a:rPr lang="en-US" dirty="0" err="1"/>
               <a:t>lua_gettable</a:t>
             </a:r>
             <a:r>
-              <a:rPr lang="en-US" dirty="0" smtClean="0"/>
+              <a:rPr lang="en-US" dirty="0"/>
               <a:t>( L, -1 )		</a:t>
             </a:r>
             <a:r>
-              <a:rPr lang="en-CA" i="1" dirty="0" smtClean="0">
+              <a:rPr lang="en-CA" i="1" dirty="0">
                 <a:latin typeface="Times New Roman" pitchFamily="18" charset="0"/>
                 <a:cs typeface="Times New Roman" pitchFamily="18" charset="0"/>
               </a:rPr>
               <a:t> Get table at stack top</a:t>
             </a:r>
-            <a:endParaRPr lang="en-US" dirty="0" smtClean="0"/>
+            <a:endParaRPr lang="en-US" dirty="0"/>
           </a:p>
           <a:p>
             <a:pPr lvl="1"/>
             <a:r>
-              <a:rPr lang="en-US" dirty="0" smtClean="0"/>
+              <a:rPr lang="en-US" dirty="0"/>
               <a:t>x = </a:t>
             </a:r>
             <a:r>
-              <a:rPr lang="en-US" dirty="0" err="1" smtClean="0"/>
+              <a:rPr lang="en-US" dirty="0" err="1"/>
               <a:t>lua_tonumber</a:t>
             </a:r>
             <a:r>
-              <a:rPr lang="en-US" dirty="0" smtClean="0"/>
+              <a:rPr lang="en-US" dirty="0"/>
               <a:t>( L, -1)	</a:t>
             </a:r>
             <a:r>
-              <a:rPr lang="en-CA" i="1" dirty="0" smtClean="0">
+              <a:rPr lang="en-CA" i="1" dirty="0">
                 <a:latin typeface="Times New Roman" pitchFamily="18" charset="0"/>
                 <a:cs typeface="Times New Roman" pitchFamily="18" charset="0"/>
               </a:rPr>
@@ -6053,7 +6048,7 @@
           </a:p>
           <a:p>
             <a:r>
-              <a:rPr lang="en-US" dirty="0" smtClean="0"/>
+              <a:rPr lang="en-US" dirty="0"/>
               <a:t>…there are “raw” functions that do this at the same time (and are faster, too)</a:t>
             </a:r>
           </a:p>
@@ -6061,7 +6056,7 @@
             <a:pPr>
               <a:buNone/>
             </a:pPr>
-            <a:endParaRPr lang="en-CA" dirty="0" smtClean="0"/>
+            <a:endParaRPr lang="en-CA" dirty="0"/>
           </a:p>
           <a:p>
             <a:endParaRPr lang="en-CA" dirty="0"/>
@@ -6443,14 +6438,13 @@
           <a:lstStyle/>
           <a:p>
             <a:r>
-              <a:rPr lang="en-CA" dirty="0" err="1" smtClean="0"/>
+              <a:rPr lang="en-CA" dirty="0" err="1"/>
               <a:t>Lua</a:t>
             </a:r>
             <a:r>
-              <a:rPr lang="en-CA" dirty="0" smtClean="0"/>
+              <a:rPr lang="en-CA" dirty="0"/>
               <a:t> “registry”</a:t>
             </a:r>
-            <a:endParaRPr lang="en-CA" dirty="0"/>
           </a:p>
         </p:txBody>
       </p:sp>
@@ -6472,19 +6466,19 @@
           <a:lstStyle/>
           <a:p>
             <a:r>
-              <a:rPr lang="en-US" dirty="0" smtClean="0"/>
+              <a:rPr lang="en-US" dirty="0"/>
               <a:t>Used for persistent information between function calls, for C. </a:t>
             </a:r>
-            <a:endParaRPr lang="en-CA" dirty="0" smtClean="0"/>
-          </a:p>
-          <a:p>
-            <a:r>
-              <a:rPr lang="en-CA" dirty="0" smtClean="0"/>
+            <a:endParaRPr lang="en-CA" dirty="0"/>
+          </a:p>
+          <a:p>
+            <a:r>
+              <a:rPr lang="en-CA" dirty="0"/>
               <a:t>Acts like the stack, but isn’t in the stack.</a:t>
             </a:r>
           </a:p>
           <a:p>
-            <a:endParaRPr lang="en-CA" dirty="0" smtClean="0"/>
+            <a:endParaRPr lang="en-CA" dirty="0"/>
           </a:p>
           <a:p>
             <a:endParaRPr lang="en-CA" dirty="0"/>
@@ -6785,14 +6779,13 @@
           <a:lstStyle/>
           <a:p>
             <a:r>
-              <a:rPr lang="en-CA" dirty="0" err="1" smtClean="0"/>
+              <a:rPr lang="en-CA" dirty="0" err="1"/>
               <a:t>Lua</a:t>
             </a:r>
             <a:r>
-              <a:rPr lang="en-CA" dirty="0" smtClean="0"/>
+              <a:rPr lang="en-CA" dirty="0"/>
               <a:t> “registry”</a:t>
             </a:r>
-            <a:endParaRPr lang="en-CA" dirty="0"/>
           </a:p>
         </p:txBody>
       </p:sp>
@@ -6819,154 +6812,154 @@
           <a:lstStyle/>
           <a:p>
             <a:r>
-              <a:rPr lang="en-US" dirty="0" smtClean="0"/>
+              <a:rPr lang="en-US" dirty="0"/>
               <a:t> /* variable with an unique address */</a:t>
             </a:r>
           </a:p>
           <a:p>
             <a:r>
-              <a:rPr lang="en-US" dirty="0" smtClean="0"/>
+              <a:rPr lang="en-US" dirty="0"/>
               <a:t>    static const char Key = 'k';</a:t>
             </a:r>
           </a:p>
           <a:p>
             <a:r>
-              <a:rPr lang="en-US" dirty="0" smtClean="0"/>
+              <a:rPr lang="en-US" dirty="0"/>
               <a:t>    </a:t>
             </a:r>
           </a:p>
           <a:p>
             <a:r>
-              <a:rPr lang="en-US" dirty="0" smtClean="0"/>
+              <a:rPr lang="en-US" dirty="0"/>
               <a:t>    /* store a number */</a:t>
             </a:r>
           </a:p>
           <a:p>
             <a:r>
-              <a:rPr lang="en-US" dirty="0" smtClean="0"/>
+              <a:rPr lang="en-US" dirty="0"/>
               <a:t>    </a:t>
             </a:r>
             <a:r>
-              <a:rPr lang="en-US" dirty="0" err="1" smtClean="0"/>
+              <a:rPr lang="en-US" dirty="0" err="1"/>
               <a:t>lua_pushlightuserdata</a:t>
             </a:r>
             <a:r>
-              <a:rPr lang="en-US" dirty="0" smtClean="0"/>
+              <a:rPr lang="en-US" dirty="0"/>
               <a:t>(L, (void *)&amp;Key);  /* push address */</a:t>
             </a:r>
           </a:p>
           <a:p>
             <a:r>
-              <a:rPr lang="en-US" dirty="0" smtClean="0"/>
+              <a:rPr lang="en-US" dirty="0"/>
               <a:t>    </a:t>
             </a:r>
             <a:r>
-              <a:rPr lang="en-US" dirty="0" err="1" smtClean="0"/>
+              <a:rPr lang="en-US" dirty="0" err="1"/>
               <a:t>lua_pushnumber</a:t>
             </a:r>
             <a:r>
-              <a:rPr lang="en-US" dirty="0" smtClean="0"/>
+              <a:rPr lang="en-US" dirty="0"/>
               <a:t>(L, </a:t>
             </a:r>
             <a:r>
-              <a:rPr lang="en-US" dirty="0" err="1" smtClean="0"/>
+              <a:rPr lang="en-US" dirty="0" err="1"/>
               <a:t>myNumber</a:t>
             </a:r>
             <a:r>
-              <a:rPr lang="en-US" dirty="0" smtClean="0"/>
+              <a:rPr lang="en-US" dirty="0"/>
               <a:t>);  /* push value */</a:t>
             </a:r>
           </a:p>
           <a:p>
             <a:r>
-              <a:rPr lang="en-US" dirty="0" smtClean="0"/>
+              <a:rPr lang="en-US" dirty="0"/>
               <a:t>    /* registry[&amp;Key] = </a:t>
             </a:r>
             <a:r>
-              <a:rPr lang="en-US" dirty="0" err="1" smtClean="0"/>
+              <a:rPr lang="en-US" dirty="0" err="1"/>
               <a:t>myNumber</a:t>
             </a:r>
             <a:r>
-              <a:rPr lang="en-US" dirty="0" smtClean="0"/>
+              <a:rPr lang="en-US" dirty="0"/>
               <a:t> */</a:t>
             </a:r>
           </a:p>
           <a:p>
             <a:r>
-              <a:rPr lang="en-US" dirty="0" smtClean="0"/>
+              <a:rPr lang="en-US" dirty="0"/>
               <a:t>    </a:t>
             </a:r>
             <a:r>
-              <a:rPr lang="en-US" dirty="0" err="1" smtClean="0"/>
+              <a:rPr lang="en-US" dirty="0" err="1"/>
               <a:t>lua_settable</a:t>
             </a:r>
             <a:r>
-              <a:rPr lang="en-US" dirty="0" smtClean="0"/>
+              <a:rPr lang="en-US" dirty="0"/>
               <a:t>(L, LUA_REGISTRYINDEX);</a:t>
             </a:r>
           </a:p>
           <a:p>
             <a:r>
-              <a:rPr lang="en-US" dirty="0" smtClean="0"/>
+              <a:rPr lang="en-US" dirty="0"/>
               <a:t>    </a:t>
             </a:r>
           </a:p>
           <a:p>
             <a:r>
-              <a:rPr lang="en-US" dirty="0" smtClean="0"/>
+              <a:rPr lang="en-US" dirty="0"/>
               <a:t>    /* retrieve a number */</a:t>
             </a:r>
           </a:p>
           <a:p>
             <a:r>
-              <a:rPr lang="en-US" dirty="0" smtClean="0"/>
+              <a:rPr lang="en-US" dirty="0"/>
               <a:t>    </a:t>
             </a:r>
             <a:r>
-              <a:rPr lang="en-US" dirty="0" err="1" smtClean="0"/>
+              <a:rPr lang="en-US" dirty="0" err="1"/>
               <a:t>lua_pushlightuserdata</a:t>
             </a:r>
             <a:r>
-              <a:rPr lang="en-US" dirty="0" smtClean="0"/>
+              <a:rPr lang="en-US" dirty="0"/>
               <a:t>(L, (void *)&amp;Key);  /* push address */</a:t>
             </a:r>
           </a:p>
           <a:p>
             <a:r>
-              <a:rPr lang="en-US" dirty="0" smtClean="0"/>
+              <a:rPr lang="en-US" dirty="0"/>
               <a:t>    </a:t>
             </a:r>
             <a:r>
-              <a:rPr lang="en-US" dirty="0" err="1" smtClean="0"/>
+              <a:rPr lang="en-US" dirty="0" err="1"/>
               <a:t>lua_gettable</a:t>
             </a:r>
             <a:r>
-              <a:rPr lang="en-US" dirty="0" smtClean="0"/>
+              <a:rPr lang="en-US" dirty="0"/>
               <a:t>(L, LUA_REGISTRYINDEX);  /* retrieve value */</a:t>
             </a:r>
           </a:p>
           <a:p>
             <a:r>
-              <a:rPr lang="en-US" dirty="0" smtClean="0"/>
+              <a:rPr lang="en-US" dirty="0"/>
               <a:t>    </a:t>
             </a:r>
             <a:r>
-              <a:rPr lang="en-US" dirty="0" err="1" smtClean="0"/>
+              <a:rPr lang="en-US" dirty="0" err="1"/>
               <a:t>myNumber</a:t>
             </a:r>
             <a:r>
-              <a:rPr lang="en-US" dirty="0" smtClean="0"/>
+              <a:rPr lang="en-US" dirty="0"/>
               <a:t> = </a:t>
             </a:r>
             <a:r>
-              <a:rPr lang="en-US" dirty="0" err="1" smtClean="0"/>
+              <a:rPr lang="en-US" dirty="0" err="1"/>
               <a:t>lua_tonumber</a:t>
             </a:r>
             <a:r>
-              <a:rPr lang="en-US" dirty="0" smtClean="0"/>
+              <a:rPr lang="en-US" dirty="0"/>
               <a:t>(L, -1);  /* convert to number */</a:t>
             </a:r>
-            <a:endParaRPr lang="en-CA" dirty="0" smtClean="0"/>
+            <a:endParaRPr lang="en-CA" dirty="0"/>
           </a:p>
           <a:p>
             <a:endParaRPr lang="en-CA" dirty="0"/>
@@ -7144,14 +7137,13 @@
           <a:lstStyle/>
           <a:p>
             <a:r>
-              <a:rPr lang="en-CA" dirty="0" err="1" smtClean="0"/>
+              <a:rPr lang="en-CA" dirty="0" err="1"/>
               <a:t>Lua</a:t>
             </a:r>
             <a:r>
-              <a:rPr lang="en-CA" dirty="0" smtClean="0"/>
+              <a:rPr lang="en-CA" dirty="0"/>
               <a:t> “registry”</a:t>
             </a:r>
-            <a:endParaRPr lang="en-CA" dirty="0"/>
           </a:p>
         </p:txBody>
       </p:sp>
@@ -7178,154 +7170,154 @@
           <a:lstStyle/>
           <a:p>
             <a:r>
-              <a:rPr lang="en-US" dirty="0" smtClean="0"/>
+              <a:rPr lang="en-US" dirty="0"/>
               <a:t> /* variable with an unique address */</a:t>
             </a:r>
           </a:p>
           <a:p>
             <a:r>
-              <a:rPr lang="en-US" dirty="0" smtClean="0"/>
+              <a:rPr lang="en-US" dirty="0"/>
               <a:t>    static const char Key = 'k';</a:t>
             </a:r>
           </a:p>
           <a:p>
             <a:r>
-              <a:rPr lang="en-US" dirty="0" smtClean="0"/>
+              <a:rPr lang="en-US" dirty="0"/>
               <a:t>    </a:t>
             </a:r>
           </a:p>
           <a:p>
             <a:r>
-              <a:rPr lang="en-US" dirty="0" smtClean="0"/>
+              <a:rPr lang="en-US" dirty="0"/>
               <a:t>    /* store a number */</a:t>
             </a:r>
           </a:p>
           <a:p>
             <a:r>
-              <a:rPr lang="en-US" dirty="0" smtClean="0"/>
+              <a:rPr lang="en-US" dirty="0"/>
               <a:t>    </a:t>
             </a:r>
             <a:r>
-              <a:rPr lang="en-US" dirty="0" err="1" smtClean="0"/>
+              <a:rPr lang="en-US" dirty="0" err="1"/>
               <a:t>lua_pushlightuserdata</a:t>
             </a:r>
             <a:r>
-              <a:rPr lang="en-US" dirty="0" smtClean="0"/>
+              <a:rPr lang="en-US" dirty="0"/>
               <a:t>(L, (void *)&amp;Key);  /* push address */</a:t>
             </a:r>
           </a:p>
           <a:p>
             <a:r>
-              <a:rPr lang="en-US" dirty="0" smtClean="0"/>
+              <a:rPr lang="en-US" dirty="0"/>
               <a:t>    </a:t>
             </a:r>
             <a:r>
-              <a:rPr lang="en-US" dirty="0" err="1" smtClean="0"/>
+              <a:rPr lang="en-US" dirty="0" err="1"/>
               <a:t>lua_pushnumber</a:t>
             </a:r>
             <a:r>
-              <a:rPr lang="en-US" dirty="0" smtClean="0"/>
+              <a:rPr lang="en-US" dirty="0"/>
               <a:t>(L, </a:t>
             </a:r>
             <a:r>
-              <a:rPr lang="en-US" dirty="0" err="1" smtClean="0"/>
+              <a:rPr lang="en-US" dirty="0" err="1"/>
               <a:t>myNumber</a:t>
             </a:r>
             <a:r>
-              <a:rPr lang="en-US" dirty="0" smtClean="0"/>
+              <a:rPr lang="en-US" dirty="0"/>
               <a:t>);  /* push value */</a:t>
             </a:r>
           </a:p>
           <a:p>
             <a:r>
-              <a:rPr lang="en-US" dirty="0" smtClean="0"/>
+              <a:rPr lang="en-US" dirty="0"/>
               <a:t>    /* registry[&amp;Key] = </a:t>
             </a:r>
             <a:r>
-              <a:rPr lang="en-US" dirty="0" err="1" smtClean="0"/>
+              <a:rPr lang="en-US" dirty="0" err="1"/>
               <a:t>myNumber</a:t>
             </a:r>
             <a:r>
-              <a:rPr lang="en-US" dirty="0" smtClean="0"/>
+              <a:rPr lang="en-US" dirty="0"/>
               <a:t> */</a:t>
             </a:r>
           </a:p>
           <a:p>
             <a:r>
-              <a:rPr lang="en-US" dirty="0" smtClean="0"/>
+              <a:rPr lang="en-US" dirty="0"/>
               <a:t>    </a:t>
             </a:r>
             <a:r>
-              <a:rPr lang="en-US" dirty="0" err="1" smtClean="0"/>
+              <a:rPr lang="en-US" dirty="0" err="1"/>
               <a:t>lua_settable</a:t>
             </a:r>
             <a:r>
-              <a:rPr lang="en-US" dirty="0" smtClean="0"/>
+              <a:rPr lang="en-US" dirty="0"/>
               <a:t>(L, LUA_REGISTRYINDEX);</a:t>
             </a:r>
           </a:p>
           <a:p>
             <a:r>
-              <a:rPr lang="en-US" dirty="0" smtClean="0"/>
+              <a:rPr lang="en-US" dirty="0"/>
               <a:t>    </a:t>
             </a:r>
           </a:p>
           <a:p>
             <a:r>
-              <a:rPr lang="en-US" dirty="0" smtClean="0"/>
+              <a:rPr lang="en-US" dirty="0"/>
               <a:t>    /* retrieve a number */</a:t>
             </a:r>
           </a:p>
           <a:p>
             <a:r>
-              <a:rPr lang="en-US" dirty="0" smtClean="0"/>
+              <a:rPr lang="en-US" dirty="0"/>
               <a:t>    </a:t>
             </a:r>
             <a:r>
-              <a:rPr lang="en-US" dirty="0" err="1" smtClean="0"/>
+              <a:rPr lang="en-US" dirty="0" err="1"/>
               <a:t>lua_pushlightuserdata</a:t>
             </a:r>
             <a:r>
-              <a:rPr lang="en-US" dirty="0" smtClean="0"/>
+              <a:rPr lang="en-US" dirty="0"/>
               <a:t>(L, (void *)&amp;Key);  /* push address */</a:t>
             </a:r>
           </a:p>
           <a:p>
             <a:r>
-              <a:rPr lang="en-US" dirty="0" smtClean="0"/>
+              <a:rPr lang="en-US" dirty="0"/>
               <a:t>    </a:t>
             </a:r>
             <a:r>
-              <a:rPr lang="en-US" dirty="0" err="1" smtClean="0"/>
+              <a:rPr lang="en-US" dirty="0" err="1"/>
               <a:t>lua_gettable</a:t>
             </a:r>
             <a:r>
-              <a:rPr lang="en-US" dirty="0" smtClean="0"/>
+              <a:rPr lang="en-US" dirty="0"/>
               <a:t>(L, LUA_REGISTRYINDEX);  /* retrieve value */</a:t>
             </a:r>
           </a:p>
           <a:p>
             <a:r>
-              <a:rPr lang="en-US" dirty="0" smtClean="0"/>
+              <a:rPr lang="en-US" dirty="0"/>
               <a:t>    </a:t>
             </a:r>
             <a:r>
-              <a:rPr lang="en-US" dirty="0" err="1" smtClean="0"/>
+              <a:rPr lang="en-US" dirty="0" err="1"/>
               <a:t>myNumber</a:t>
             </a:r>
             <a:r>
-              <a:rPr lang="en-US" dirty="0" smtClean="0"/>
+              <a:rPr lang="en-US" dirty="0"/>
               <a:t> = </a:t>
             </a:r>
             <a:r>
-              <a:rPr lang="en-US" dirty="0" err="1" smtClean="0"/>
+              <a:rPr lang="en-US" dirty="0" err="1"/>
               <a:t>lua_tonumber</a:t>
             </a:r>
             <a:r>
-              <a:rPr lang="en-US" dirty="0" smtClean="0"/>
+              <a:rPr lang="en-US" dirty="0"/>
               <a:t>(L, -1);  /* convert to number */</a:t>
             </a:r>
-            <a:endParaRPr lang="en-CA" dirty="0" smtClean="0"/>
+            <a:endParaRPr lang="en-CA" dirty="0"/>
           </a:p>
           <a:p>
             <a:endParaRPr lang="en-CA" dirty="0"/>
@@ -7504,37 +7496,37 @@
           <a:p>
             <a:pPr algn="l"/>
             <a:r>
-              <a:rPr lang="en-US" dirty="0" smtClean="0"/>
+              <a:rPr lang="en-US" dirty="0"/>
               <a:t>“Pascal” convention stack (C/C++):</a:t>
             </a:r>
             <a:br>
-              <a:rPr lang="en-US" dirty="0" smtClean="0"/>
+              <a:rPr lang="en-US" dirty="0"/>
             </a:br>
             <a:r>
-              <a:rPr lang="en-US" dirty="0" err="1" smtClean="0"/>
+              <a:rPr lang="en-US" dirty="0" err="1"/>
               <a:t>int</a:t>
             </a:r>
             <a:r>
-              <a:rPr lang="en-US" dirty="0" smtClean="0"/>
+              <a:rPr lang="en-US" dirty="0"/>
               <a:t> p = </a:t>
             </a:r>
             <a:r>
-              <a:rPr lang="en-US" dirty="0" err="1" smtClean="0"/>
+              <a:rPr lang="en-US" dirty="0" err="1"/>
               <a:t>doThis</a:t>
             </a:r>
             <a:r>
-              <a:rPr lang="en-US" dirty="0" smtClean="0"/>
+              <a:rPr lang="en-US" dirty="0"/>
               <a:t>( 6, 2, 5 )</a:t>
             </a:r>
             <a:br>
-              <a:rPr lang="en-US" dirty="0" smtClean="0"/>
+              <a:rPr lang="en-US" dirty="0"/>
             </a:br>
             <a:r>
-              <a:rPr lang="en-US" dirty="0" err="1" smtClean="0"/>
+              <a:rPr lang="en-US" dirty="0" err="1"/>
               <a:t>cout</a:t>
             </a:r>
             <a:r>
-              <a:rPr lang="en-US" dirty="0" smtClean="0"/>
+              <a:rPr lang="en-US" dirty="0"/>
               <a:t> &lt;&lt; p;</a:t>
             </a:r>
             <a:endParaRPr lang="en-CA" dirty="0"/>
@@ -7549,7 +7541,7 @@
         </p:nvSpPr>
         <p:spPr>
           <a:xfrm>
-            <a:off x="2895600" y="4514850"/>
+            <a:off x="1447800" y="4518073"/>
             <a:ext cx="2895600" cy="342900"/>
           </a:xfrm>
           <a:prstGeom prst="rect">
@@ -7589,8 +7581,8 @@
         </p:nvSpPr>
         <p:spPr>
           <a:xfrm>
-            <a:off x="685800" y="2628900"/>
-            <a:ext cx="1981200" cy="800100"/>
+            <a:off x="228600" y="2860724"/>
+            <a:ext cx="1066800" cy="800100"/>
           </a:xfrm>
           <a:prstGeom prst="rightArrow">
             <a:avLst/>
@@ -7629,7 +7621,7 @@
         </p:nvSpPr>
         <p:spPr>
           <a:xfrm>
-            <a:off x="2895600" y="4171950"/>
+            <a:off x="1447800" y="4175173"/>
             <a:ext cx="2895600" cy="342900"/>
           </a:xfrm>
           <a:prstGeom prst="rect">
@@ -7669,7 +7661,7 @@
         </p:nvSpPr>
         <p:spPr>
           <a:xfrm>
-            <a:off x="2895600" y="3829050"/>
+            <a:off x="1447800" y="3832273"/>
             <a:ext cx="2895600" cy="342900"/>
           </a:xfrm>
           <a:prstGeom prst="rect">
@@ -7709,7 +7701,7 @@
         </p:nvSpPr>
         <p:spPr>
           <a:xfrm>
-            <a:off x="2895600" y="3486150"/>
+            <a:off x="1447800" y="3489373"/>
             <a:ext cx="2895600" cy="342900"/>
           </a:xfrm>
           <a:prstGeom prst="rect">
@@ -7749,7 +7741,7 @@
         </p:nvSpPr>
         <p:spPr>
           <a:xfrm>
-            <a:off x="2895600" y="3143250"/>
+            <a:off x="1447800" y="3146473"/>
             <a:ext cx="2895600" cy="342900"/>
           </a:xfrm>
           <a:prstGeom prst="rect">
@@ -7778,7 +7770,7 @@
           <a:p>
             <a:pPr algn="ctr"/>
             <a:r>
-              <a:rPr lang="en-US" sz="2800" dirty="0" smtClean="0"/>
+              <a:rPr lang="en-US" sz="2800" dirty="0"/>
               <a:t>Return address</a:t>
             </a:r>
             <a:endParaRPr lang="en-CA" sz="2800" dirty="0"/>
@@ -7793,7 +7785,7 @@
         </p:nvSpPr>
         <p:spPr>
           <a:xfrm>
-            <a:off x="2895600" y="2800350"/>
+            <a:off x="1447800" y="2803573"/>
             <a:ext cx="2895600" cy="342900"/>
           </a:xfrm>
           <a:prstGeom prst="rect">
@@ -7822,7 +7814,7 @@
           <a:p>
             <a:pPr algn="ctr"/>
             <a:r>
-              <a:rPr lang="en-US" sz="3200" dirty="0" smtClean="0"/>
+              <a:rPr lang="en-US" sz="3200" dirty="0"/>
               <a:t>16</a:t>
             </a:r>
             <a:endParaRPr lang="en-CA" sz="3200" dirty="0"/>
@@ -7837,7 +7829,7 @@
         </p:nvSpPr>
         <p:spPr>
           <a:xfrm>
-            <a:off x="2895600" y="2457450"/>
+            <a:off x="1447800" y="2460673"/>
             <a:ext cx="2895600" cy="342900"/>
           </a:xfrm>
           <a:prstGeom prst="rect">
@@ -7866,7 +7858,7 @@
           <a:p>
             <a:pPr algn="ctr"/>
             <a:r>
-              <a:rPr lang="en-US" sz="3200" dirty="0" smtClean="0"/>
+              <a:rPr lang="en-US" sz="3200" dirty="0"/>
               <a:t>2</a:t>
             </a:r>
             <a:endParaRPr lang="en-CA" sz="3200" dirty="0"/>
@@ -7881,7 +7873,7 @@
         </p:nvSpPr>
         <p:spPr>
           <a:xfrm>
-            <a:off x="2895600" y="2114550"/>
+            <a:off x="1447800" y="2117773"/>
             <a:ext cx="2895600" cy="342900"/>
           </a:xfrm>
           <a:prstGeom prst="rect">
@@ -7910,8 +7902,438 @@
           <a:p>
             <a:pPr algn="ctr"/>
             <a:r>
-              <a:rPr lang="en-US" sz="2800" dirty="0" smtClean="0"/>
+              <a:rPr lang="en-US" sz="2800" dirty="0"/>
               <a:t>6</a:t>
+            </a:r>
+            <a:endParaRPr lang="en-CA" sz="2800" dirty="0"/>
+          </a:p>
+        </p:txBody>
+      </p:sp>
+      <p:sp>
+        <p:nvSpPr>
+          <p:cNvPr id="3" name="Rectangle 2">
+            <a:extLst>
+              <a:ext uri="{FF2B5EF4-FFF2-40B4-BE49-F238E27FC236}">
+                <a16:creationId xmlns:a16="http://schemas.microsoft.com/office/drawing/2014/main" id="{E8F6ED84-71F8-6658-5E22-D2B0671DD250}"/>
+              </a:ext>
+            </a:extLst>
+          </p:cNvPr>
+          <p:cNvSpPr/>
+          <p:nvPr/>
+        </p:nvSpPr>
+        <p:spPr>
+          <a:xfrm>
+            <a:off x="5754858" y="4502833"/>
+            <a:ext cx="2895600" cy="342900"/>
+          </a:xfrm>
+          <a:prstGeom prst="rect">
+            <a:avLst/>
+          </a:prstGeom>
+        </p:spPr>
+        <p:style>
+          <a:lnRef idx="2">
+            <a:schemeClr val="accent1">
+              <a:shade val="50000"/>
+            </a:schemeClr>
+          </a:lnRef>
+          <a:fillRef idx="1">
+            <a:schemeClr val="accent1"/>
+          </a:fillRef>
+          <a:effectRef idx="0">
+            <a:schemeClr val="accent1"/>
+          </a:effectRef>
+          <a:fontRef idx="minor">
+            <a:schemeClr val="lt1"/>
+          </a:fontRef>
+        </p:style>
+        <p:txBody>
+          <a:bodyPr rtlCol="0" anchor="ctr"/>
+          <a:lstStyle/>
+          <a:p>
+            <a:pPr algn="ctr"/>
+            <a:endParaRPr lang="en-CA"/>
+          </a:p>
+        </p:txBody>
+      </p:sp>
+      <p:sp>
+        <p:nvSpPr>
+          <p:cNvPr id="4" name="Right Arrow 5">
+            <a:extLst>
+              <a:ext uri="{FF2B5EF4-FFF2-40B4-BE49-F238E27FC236}">
+                <a16:creationId xmlns:a16="http://schemas.microsoft.com/office/drawing/2014/main" id="{70A8F056-5E99-5342-715B-F120558D940A}"/>
+              </a:ext>
+            </a:extLst>
+          </p:cNvPr>
+          <p:cNvSpPr/>
+          <p:nvPr/>
+        </p:nvSpPr>
+        <p:spPr>
+          <a:xfrm>
+            <a:off x="4572000" y="3275428"/>
+            <a:ext cx="1066800" cy="800100"/>
+          </a:xfrm>
+          <a:prstGeom prst="rightArrow">
+            <a:avLst/>
+          </a:prstGeom>
+        </p:spPr>
+        <p:style>
+          <a:lnRef idx="2">
+            <a:schemeClr val="accent3">
+              <a:shade val="50000"/>
+            </a:schemeClr>
+          </a:lnRef>
+          <a:fillRef idx="1">
+            <a:schemeClr val="accent3"/>
+          </a:fillRef>
+          <a:effectRef idx="0">
+            <a:schemeClr val="accent3"/>
+          </a:effectRef>
+          <a:fontRef idx="minor">
+            <a:schemeClr val="lt1"/>
+          </a:fontRef>
+        </p:style>
+        <p:txBody>
+          <a:bodyPr rtlCol="0" anchor="ctr"/>
+          <a:lstStyle/>
+          <a:p>
+            <a:pPr algn="ctr"/>
+            <a:endParaRPr lang="en-CA"/>
+          </a:p>
+        </p:txBody>
+      </p:sp>
+      <p:sp>
+        <p:nvSpPr>
+          <p:cNvPr id="14" name="Rectangle 13">
+            <a:extLst>
+              <a:ext uri="{FF2B5EF4-FFF2-40B4-BE49-F238E27FC236}">
+                <a16:creationId xmlns:a16="http://schemas.microsoft.com/office/drawing/2014/main" id="{54220C5D-6C87-D4B6-0ED5-6B26A36CBB4E}"/>
+              </a:ext>
+            </a:extLst>
+          </p:cNvPr>
+          <p:cNvSpPr/>
+          <p:nvPr/>
+        </p:nvSpPr>
+        <p:spPr>
+          <a:xfrm>
+            <a:off x="5754858" y="4159933"/>
+            <a:ext cx="2895600" cy="342900"/>
+          </a:xfrm>
+          <a:prstGeom prst="rect">
+            <a:avLst/>
+          </a:prstGeom>
+        </p:spPr>
+        <p:style>
+          <a:lnRef idx="2">
+            <a:schemeClr val="accent1">
+              <a:shade val="50000"/>
+            </a:schemeClr>
+          </a:lnRef>
+          <a:fillRef idx="1">
+            <a:schemeClr val="accent1"/>
+          </a:fillRef>
+          <a:effectRef idx="0">
+            <a:schemeClr val="accent1"/>
+          </a:effectRef>
+          <a:fontRef idx="minor">
+            <a:schemeClr val="lt1"/>
+          </a:fontRef>
+        </p:style>
+        <p:txBody>
+          <a:bodyPr rtlCol="0" anchor="ctr"/>
+          <a:lstStyle/>
+          <a:p>
+            <a:pPr algn="ctr"/>
+            <a:endParaRPr lang="en-CA"/>
+          </a:p>
+        </p:txBody>
+      </p:sp>
+      <p:sp>
+        <p:nvSpPr>
+          <p:cNvPr id="15" name="Rectangle 14">
+            <a:extLst>
+              <a:ext uri="{FF2B5EF4-FFF2-40B4-BE49-F238E27FC236}">
+                <a16:creationId xmlns:a16="http://schemas.microsoft.com/office/drawing/2014/main" id="{702C50A8-7DC1-6606-91DC-2390AB1BC0C9}"/>
+              </a:ext>
+            </a:extLst>
+          </p:cNvPr>
+          <p:cNvSpPr/>
+          <p:nvPr/>
+        </p:nvSpPr>
+        <p:spPr>
+          <a:xfrm>
+            <a:off x="5754858" y="3817033"/>
+            <a:ext cx="2895600" cy="342900"/>
+          </a:xfrm>
+          <a:prstGeom prst="rect">
+            <a:avLst/>
+          </a:prstGeom>
+        </p:spPr>
+        <p:style>
+          <a:lnRef idx="2">
+            <a:schemeClr val="accent1">
+              <a:shade val="50000"/>
+            </a:schemeClr>
+          </a:lnRef>
+          <a:fillRef idx="1">
+            <a:schemeClr val="accent1"/>
+          </a:fillRef>
+          <a:effectRef idx="0">
+            <a:schemeClr val="accent1"/>
+          </a:effectRef>
+          <a:fontRef idx="minor">
+            <a:schemeClr val="lt1"/>
+          </a:fontRef>
+        </p:style>
+        <p:txBody>
+          <a:bodyPr rtlCol="0" anchor="ctr"/>
+          <a:lstStyle/>
+          <a:p>
+            <a:pPr algn="ctr"/>
+            <a:endParaRPr lang="en-CA"/>
+          </a:p>
+        </p:txBody>
+      </p:sp>
+      <p:sp>
+        <p:nvSpPr>
+          <p:cNvPr id="16" name="Rectangle 15">
+            <a:extLst>
+              <a:ext uri="{FF2B5EF4-FFF2-40B4-BE49-F238E27FC236}">
+                <a16:creationId xmlns:a16="http://schemas.microsoft.com/office/drawing/2014/main" id="{69B917CC-873B-D45E-9E23-7574F9FB1CED}"/>
+              </a:ext>
+            </a:extLst>
+          </p:cNvPr>
+          <p:cNvSpPr/>
+          <p:nvPr/>
+        </p:nvSpPr>
+        <p:spPr>
+          <a:xfrm>
+            <a:off x="5754858" y="3474133"/>
+            <a:ext cx="2895600" cy="342900"/>
+          </a:xfrm>
+          <a:prstGeom prst="rect">
+            <a:avLst/>
+          </a:prstGeom>
+        </p:spPr>
+        <p:style>
+          <a:lnRef idx="2">
+            <a:schemeClr val="accent1">
+              <a:shade val="50000"/>
+            </a:schemeClr>
+          </a:lnRef>
+          <a:fillRef idx="1">
+            <a:schemeClr val="accent1"/>
+          </a:fillRef>
+          <a:effectRef idx="0">
+            <a:schemeClr val="accent1"/>
+          </a:effectRef>
+          <a:fontRef idx="minor">
+            <a:schemeClr val="lt1"/>
+          </a:fontRef>
+        </p:style>
+        <p:txBody>
+          <a:bodyPr rtlCol="0" anchor="ctr"/>
+          <a:lstStyle/>
+          <a:p>
+            <a:pPr algn="ctr"/>
+            <a:r>
+              <a:rPr lang="en-CA" dirty="0"/>
+              <a:t>4</a:t>
+            </a:r>
+          </a:p>
+        </p:txBody>
+      </p:sp>
+      <p:sp>
+        <p:nvSpPr>
+          <p:cNvPr id="17" name="Rectangle 16">
+            <a:extLst>
+              <a:ext uri="{FF2B5EF4-FFF2-40B4-BE49-F238E27FC236}">
+                <a16:creationId xmlns:a16="http://schemas.microsoft.com/office/drawing/2014/main" id="{DFCEBD46-5EEE-5753-23E2-2B7FA2D408D6}"/>
+              </a:ext>
+            </a:extLst>
+          </p:cNvPr>
+          <p:cNvSpPr/>
+          <p:nvPr/>
+        </p:nvSpPr>
+        <p:spPr>
+          <a:xfrm>
+            <a:off x="5754858" y="3131233"/>
+            <a:ext cx="2895600" cy="342900"/>
+          </a:xfrm>
+          <a:prstGeom prst="rect">
+            <a:avLst/>
+          </a:prstGeom>
+        </p:spPr>
+        <p:style>
+          <a:lnRef idx="2">
+            <a:schemeClr val="accent1">
+              <a:shade val="50000"/>
+            </a:schemeClr>
+          </a:lnRef>
+          <a:fillRef idx="1">
+            <a:schemeClr val="accent1"/>
+          </a:fillRef>
+          <a:effectRef idx="0">
+            <a:schemeClr val="accent1"/>
+          </a:effectRef>
+          <a:fontRef idx="minor">
+            <a:schemeClr val="lt1"/>
+          </a:fontRef>
+        </p:style>
+        <p:txBody>
+          <a:bodyPr rtlCol="0" anchor="ctr"/>
+          <a:lstStyle/>
+          <a:p>
+            <a:pPr algn="ctr"/>
+            <a:r>
+              <a:rPr lang="en-CA" sz="2800" dirty="0"/>
+              <a:t>44544</a:t>
+            </a:r>
+          </a:p>
+        </p:txBody>
+      </p:sp>
+      <p:sp>
+        <p:nvSpPr>
+          <p:cNvPr id="18" name="Rectangle 17">
+            <a:extLst>
+              <a:ext uri="{FF2B5EF4-FFF2-40B4-BE49-F238E27FC236}">
+                <a16:creationId xmlns:a16="http://schemas.microsoft.com/office/drawing/2014/main" id="{DAAD8D7F-B8BD-3C39-A086-193D9C39F090}"/>
+              </a:ext>
+            </a:extLst>
+          </p:cNvPr>
+          <p:cNvSpPr/>
+          <p:nvPr/>
+        </p:nvSpPr>
+        <p:spPr>
+          <a:xfrm>
+            <a:off x="5754858" y="2788333"/>
+            <a:ext cx="2895600" cy="342900"/>
+          </a:xfrm>
+          <a:prstGeom prst="rect">
+            <a:avLst/>
+          </a:prstGeom>
+        </p:spPr>
+        <p:style>
+          <a:lnRef idx="2">
+            <a:schemeClr val="accent1">
+              <a:shade val="50000"/>
+            </a:schemeClr>
+          </a:lnRef>
+          <a:fillRef idx="1">
+            <a:schemeClr val="accent1"/>
+          </a:fillRef>
+          <a:effectRef idx="0">
+            <a:schemeClr val="accent1"/>
+          </a:effectRef>
+          <a:fontRef idx="minor">
+            <a:schemeClr val="lt1"/>
+          </a:fontRef>
+        </p:style>
+        <p:txBody>
+          <a:bodyPr rtlCol="0" anchor="ctr"/>
+          <a:lstStyle/>
+          <a:p>
+            <a:pPr algn="ctr"/>
+            <a:r>
+              <a:rPr lang="en-CA" sz="3200" dirty="0"/>
+              <a:t>412</a:t>
+            </a:r>
+          </a:p>
+        </p:txBody>
+      </p:sp>
+      <p:sp>
+        <p:nvSpPr>
+          <p:cNvPr id="19" name="Rectangle 18">
+            <a:extLst>
+              <a:ext uri="{FF2B5EF4-FFF2-40B4-BE49-F238E27FC236}">
+                <a16:creationId xmlns:a16="http://schemas.microsoft.com/office/drawing/2014/main" id="{8F9D1110-74F5-5675-13C7-B9CD23BECFD0}"/>
+              </a:ext>
+            </a:extLst>
+          </p:cNvPr>
+          <p:cNvSpPr/>
+          <p:nvPr/>
+        </p:nvSpPr>
+        <p:spPr>
+          <a:xfrm>
+            <a:off x="5754858" y="2445433"/>
+            <a:ext cx="2895600" cy="342900"/>
+          </a:xfrm>
+          <a:prstGeom prst="rect">
+            <a:avLst/>
+          </a:prstGeom>
+        </p:spPr>
+        <p:style>
+          <a:lnRef idx="2">
+            <a:schemeClr val="accent1">
+              <a:shade val="50000"/>
+            </a:schemeClr>
+          </a:lnRef>
+          <a:fillRef idx="1">
+            <a:schemeClr val="accent1"/>
+          </a:fillRef>
+          <a:effectRef idx="0">
+            <a:schemeClr val="accent1"/>
+          </a:effectRef>
+          <a:fontRef idx="minor">
+            <a:schemeClr val="lt1"/>
+          </a:fontRef>
+        </p:style>
+        <p:txBody>
+          <a:bodyPr rtlCol="0" anchor="ctr"/>
+          <a:lstStyle/>
+          <a:p>
+            <a:pPr algn="ctr"/>
+            <a:r>
+              <a:rPr lang="en-CA" sz="3200" dirty="0"/>
+              <a:t>454</a:t>
+            </a:r>
+          </a:p>
+        </p:txBody>
+      </p:sp>
+      <p:sp>
+        <p:nvSpPr>
+          <p:cNvPr id="20" name="Rectangle 19">
+            <a:extLst>
+              <a:ext uri="{FF2B5EF4-FFF2-40B4-BE49-F238E27FC236}">
+                <a16:creationId xmlns:a16="http://schemas.microsoft.com/office/drawing/2014/main" id="{51B924EC-985F-CF96-4B63-DE179B61C1CF}"/>
+              </a:ext>
+            </a:extLst>
+          </p:cNvPr>
+          <p:cNvSpPr/>
+          <p:nvPr/>
+        </p:nvSpPr>
+        <p:spPr>
+          <a:xfrm>
+            <a:off x="5754858" y="2102533"/>
+            <a:ext cx="2895600" cy="342900"/>
+          </a:xfrm>
+          <a:prstGeom prst="rect">
+            <a:avLst/>
+          </a:prstGeom>
+        </p:spPr>
+        <p:style>
+          <a:lnRef idx="2">
+            <a:schemeClr val="accent1">
+              <a:shade val="50000"/>
+            </a:schemeClr>
+          </a:lnRef>
+          <a:fillRef idx="1">
+            <a:schemeClr val="accent1"/>
+          </a:fillRef>
+          <a:effectRef idx="0">
+            <a:schemeClr val="accent1"/>
+          </a:effectRef>
+          <a:fontRef idx="minor">
+            <a:schemeClr val="lt1"/>
+          </a:fontRef>
+        </p:style>
+        <p:txBody>
+          <a:bodyPr rtlCol="0" anchor="ctr"/>
+          <a:lstStyle/>
+          <a:p>
+            <a:pPr algn="ctr"/>
+            <a:r>
+              <a:rPr lang="en-US" sz="2800" dirty="0"/>
+              <a:t>76</a:t>
             </a:r>
             <a:endParaRPr lang="en-CA" sz="2800" dirty="0"/>
           </a:p>
@@ -7966,102 +8388,86 @@
           <a:p>
             <a:pPr algn="l"/>
             <a:r>
-              <a:rPr lang="en-US" sz="2800" dirty="0" err="1" smtClean="0"/>
+              <a:rPr lang="en-US" sz="2800" dirty="0" err="1"/>
               <a:t>Int</a:t>
             </a:r>
-            <a:r>
-              <a:rPr lang="en-US" sz="2800" dirty="0" smtClean="0"/>
-              <a:t> </a:t>
-            </a:r>
-            <a:r>
-              <a:rPr lang="en-US" sz="2800" dirty="0" err="1" smtClean="0"/>
-              <a:t>doThis</a:t>
-            </a:r>
-            <a:r>
-              <a:rPr lang="en-US" sz="2800" dirty="0" smtClean="0"/>
-              <a:t>(</a:t>
-            </a:r>
-            <a:r>
-              <a:rPr lang="en-US" sz="2800" dirty="0" err="1" smtClean="0"/>
-              <a:t>x,y,z</a:t>
-            </a:r>
-            <a:r>
-              <a:rPr lang="en-US" sz="2800" dirty="0" smtClean="0"/>
-              <a:t>)</a:t>
-            </a:r>
-            <a:br>
-              <a:rPr lang="en-US" sz="2800" dirty="0" smtClean="0"/>
-            </a:br>
-            <a:r>
-              <a:rPr lang="en-US" sz="2800" dirty="0" smtClean="0"/>
-              <a:t>{ </a:t>
-            </a:r>
-            <a:br>
-              <a:rPr lang="en-US" sz="2800" dirty="0" smtClean="0"/>
-            </a:br>
             <a:r>
               <a:rPr lang="en-US" sz="2800" dirty="0"/>
               <a:t> </a:t>
             </a:r>
             <a:r>
-              <a:rPr lang="en-US" sz="2800" dirty="0" smtClean="0"/>
-              <a:t> place(10)</a:t>
-            </a:r>
-            <a:r>
-              <a:rPr lang="en-US" sz="2800" dirty="0" err="1" smtClean="0"/>
+              <a:rPr lang="en-US" sz="2800" dirty="0" err="1"/>
+              <a:t>doThis</a:t>
+            </a:r>
+            <a:r>
+              <a:rPr lang="en-US" sz="2800" dirty="0"/>
+              <a:t>(</a:t>
+            </a:r>
+            <a:r>
+              <a:rPr lang="en-US" sz="2800" dirty="0" err="1"/>
+              <a:t>x,y,z</a:t>
+            </a:r>
+            <a:r>
+              <a:rPr lang="en-US" sz="2800" dirty="0"/>
+              <a:t>)</a:t>
+            </a:r>
+            <a:br>
+              <a:rPr lang="en-US" sz="2800" dirty="0"/>
+            </a:br>
+            <a:r>
+              <a:rPr lang="en-US" sz="2800" dirty="0"/>
+              <a:t>{ </a:t>
+            </a:r>
+            <a:br>
+              <a:rPr lang="en-US" sz="2800" dirty="0"/>
+            </a:br>
+            <a:r>
+              <a:rPr lang="en-US" sz="2800" dirty="0"/>
+              <a:t>  place(10)</a:t>
+            </a:r>
+            <a:r>
+              <a:rPr lang="en-US" sz="2800" dirty="0" err="1"/>
               <a:t>OnStack</a:t>
             </a:r>
             <a:r>
-              <a:rPr lang="en-US" sz="2800" dirty="0" smtClean="0"/>
+              <a:rPr lang="en-US" sz="2800" dirty="0"/>
               <a:t>;</a:t>
             </a:r>
             <a:br>
-              <a:rPr lang="en-US" sz="2800" dirty="0" smtClean="0"/>
+              <a:rPr lang="en-US" sz="2800" dirty="0"/>
             </a:br>
             <a:r>
-              <a:rPr lang="en-US" sz="2800" dirty="0" smtClean="0"/>
+              <a:rPr lang="en-US" sz="2800" dirty="0"/>
               <a:t>  place(45)</a:t>
             </a:r>
             <a:r>
-              <a:rPr lang="en-US" sz="2800" dirty="0" err="1" smtClean="0"/>
+              <a:rPr lang="en-US" sz="2800" dirty="0" err="1"/>
               <a:t>OnStack</a:t>
             </a:r>
             <a:r>
-              <a:rPr lang="en-US" sz="2800" dirty="0" smtClean="0"/>
+              <a:rPr lang="en-US" sz="2800" dirty="0"/>
               <a:t>;</a:t>
             </a:r>
             <a:br>
-              <a:rPr lang="en-US" sz="2800" dirty="0" smtClean="0"/>
+              <a:rPr lang="en-US" sz="2800" dirty="0"/>
             </a:br>
             <a:r>
               <a:rPr lang="en-US" sz="2800" dirty="0"/>
-              <a:t> </a:t>
-            </a:r>
-            <a:r>
-              <a:rPr lang="en-US" sz="2800" dirty="0" smtClean="0"/>
-              <a:t> place(99)</a:t>
-            </a:r>
-            <a:r>
-              <a:rPr lang="en-US" sz="2800" dirty="0" err="1" smtClean="0"/>
+              <a:t>  place(99)</a:t>
+            </a:r>
+            <a:r>
+              <a:rPr lang="en-US" sz="2800" dirty="0" err="1"/>
               <a:t>OnStack</a:t>
             </a:r>
-            <a:r>
-              <a:rPr lang="en-US" sz="2800" dirty="0" smtClean="0"/>
-              <a:t/>
-            </a:r>
             <a:br>
-              <a:rPr lang="en-US" sz="2800" dirty="0" smtClean="0"/>
+              <a:rPr lang="en-US" sz="2800" dirty="0"/>
             </a:br>
             <a:r>
               <a:rPr lang="en-US" sz="2800" dirty="0"/>
-              <a:t> </a:t>
-            </a:r>
-            <a:r>
-              <a:rPr lang="en-US" sz="2800" dirty="0" smtClean="0"/>
-              <a:t> place(3)</a:t>
-            </a:r>
-            <a:r>
-              <a:rPr lang="en-US" sz="2800" dirty="0" err="1" smtClean="0"/>
+              <a:t>  place(3)</a:t>
+            </a:r>
+            <a:r>
+              <a:rPr lang="en-US" sz="2800" dirty="0" err="1"/>
               <a:t>OnStack</a:t>
             </a:r>
             <a:endParaRPr lang="en-CA" sz="2800" dirty="0"/>
@@ -8305,7 +8711,7 @@
           <a:p>
             <a:pPr algn="ctr"/>
             <a:r>
-              <a:rPr lang="en-US" sz="2800" dirty="0" smtClean="0"/>
+              <a:rPr lang="en-US" sz="2800" dirty="0"/>
               <a:t>Return address</a:t>
             </a:r>
             <a:endParaRPr lang="en-CA" sz="2800" dirty="0"/>
@@ -8349,7 +8755,7 @@
           <a:p>
             <a:pPr algn="ctr"/>
             <a:r>
-              <a:rPr lang="en-US" sz="3200" dirty="0" smtClean="0"/>
+              <a:rPr lang="en-US" sz="3200" dirty="0"/>
               <a:t>3</a:t>
             </a:r>
             <a:endParaRPr lang="en-CA" sz="3200" dirty="0"/>
@@ -8393,7 +8799,7 @@
           <a:p>
             <a:pPr algn="ctr"/>
             <a:r>
-              <a:rPr lang="en-US" sz="3200" dirty="0" smtClean="0"/>
+              <a:rPr lang="en-US" sz="3200" dirty="0"/>
               <a:t>10</a:t>
             </a:r>
             <a:endParaRPr lang="en-CA" sz="3200" dirty="0"/>
@@ -8437,7 +8843,7 @@
           <a:p>
             <a:pPr algn="ctr"/>
             <a:r>
-              <a:rPr lang="en-US" sz="2800" dirty="0" smtClean="0"/>
+              <a:rPr lang="en-US" sz="2800" dirty="0"/>
               <a:t>45</a:t>
             </a:r>
             <a:endParaRPr lang="en-CA" sz="2800" dirty="0"/>
@@ -8481,7 +8887,7 @@
           <a:p>
             <a:pPr algn="ctr"/>
             <a:r>
-              <a:rPr lang="en-US" sz="3200" dirty="0" smtClean="0"/>
+              <a:rPr lang="en-US" sz="3200" dirty="0"/>
               <a:t>99</a:t>
             </a:r>
             <a:endParaRPr lang="en-CA" sz="3200" dirty="0"/>
@@ -8569,7 +8975,7 @@
               <a:defRPr/>
             </a:pPr>
             <a:r>
-              <a:rPr kumimoji="0" lang="en-US" sz="4400" b="0" i="0" u="none" strike="noStrike" kern="1200" cap="none" spc="0" normalizeH="0" baseline="0" noProof="0" dirty="0" err="1" smtClean="0">
+              <a:rPr kumimoji="0" lang="en-US" sz="4400" b="0" i="0" u="none" strike="noStrike" kern="1200" cap="none" spc="0" normalizeH="0" baseline="0" noProof="0" dirty="0" err="1">
                 <a:ln>
                   <a:noFill/>
                 </a:ln>
@@ -8586,7 +8992,7 @@
               <a:t>int</a:t>
             </a:r>
             <a:r>
-              <a:rPr kumimoji="0" lang="en-US" sz="4400" b="0" i="0" u="none" strike="noStrike" kern="1200" cap="none" spc="0" normalizeH="0" baseline="0" noProof="0" dirty="0" smtClean="0">
+              <a:rPr kumimoji="0" lang="en-US" sz="4400" b="0" i="0" u="none" strike="noStrike" kern="1200" cap="none" spc="0" normalizeH="0" baseline="0" noProof="0" dirty="0">
                 <a:ln>
                   <a:noFill/>
                 </a:ln>
@@ -8603,7 +9009,7 @@
               <a:t> </a:t>
             </a:r>
             <a:r>
-              <a:rPr kumimoji="0" lang="en-US" sz="4400" b="0" i="0" u="none" strike="noStrike" kern="1200" cap="none" spc="0" normalizeH="0" baseline="0" noProof="0" dirty="0" err="1" smtClean="0">
+              <a:rPr kumimoji="0" lang="en-US" sz="4400" b="0" i="0" u="none" strike="noStrike" kern="1200" cap="none" spc="0" normalizeH="0" baseline="0" noProof="0" dirty="0" err="1">
                 <a:ln>
                   <a:noFill/>
                 </a:ln>
@@ -8620,7 +9026,7 @@
               <a:t>p,q,r</a:t>
             </a:r>
             <a:r>
-              <a:rPr kumimoji="0" lang="en-US" sz="4400" b="0" i="0" u="none" strike="noStrike" kern="1200" cap="none" spc="0" normalizeH="0" baseline="0" noProof="0" dirty="0" smtClean="0">
+              <a:rPr kumimoji="0" lang="en-US" sz="4400" b="0" i="0" u="none" strike="noStrike" kern="1200" cap="none" spc="0" normalizeH="0" baseline="0" noProof="0" dirty="0">
                 <a:ln>
                   <a:noFill/>
                 </a:ln>
@@ -8637,7 +9043,7 @@
               <a:t> = </a:t>
             </a:r>
             <a:r>
-              <a:rPr kumimoji="0" lang="en-US" sz="4400" b="0" i="0" u="none" strike="noStrike" kern="1200" cap="none" spc="0" normalizeH="0" baseline="0" noProof="0" dirty="0" err="1" smtClean="0">
+              <a:rPr kumimoji="0" lang="en-US" sz="4400" b="0" i="0" u="none" strike="noStrike" kern="1200" cap="none" spc="0" normalizeH="0" baseline="0" noProof="0" dirty="0" err="1">
                 <a:ln>
                   <a:noFill/>
                 </a:ln>
@@ -8654,7 +9060,7 @@
               <a:t>doThis</a:t>
             </a:r>
             <a:r>
-              <a:rPr kumimoji="0" lang="en-US" sz="4400" b="0" i="0" u="none" strike="noStrike" kern="1200" cap="none" spc="0" normalizeH="0" baseline="0" noProof="0" dirty="0" smtClean="0">
+              <a:rPr kumimoji="0" lang="en-US" sz="4400" b="0" i="0" u="none" strike="noStrike" kern="1200" cap="none" spc="0" normalizeH="0" baseline="0" noProof="0" dirty="0">
                 <a:ln>
                   <a:noFill/>
                 </a:ln>
@@ -8671,7 +9077,7 @@
               <a:t>( 6, 2, 5 )</a:t>
             </a:r>
             <a:br>
-              <a:rPr kumimoji="0" lang="en-US" sz="4400" b="0" i="0" u="none" strike="noStrike" kern="1200" cap="none" spc="0" normalizeH="0" baseline="0" noProof="0" dirty="0" smtClean="0">
+              <a:rPr kumimoji="0" lang="en-US" sz="4400" b="0" i="0" u="none" strike="noStrike" kern="1200" cap="none" spc="0" normalizeH="0" baseline="0" noProof="0" dirty="0">
                 <a:ln>
                   <a:noFill/>
                 </a:ln>
@@ -8687,7 +9093,7 @@
               </a:rPr>
             </a:br>
             <a:r>
-              <a:rPr kumimoji="0" lang="en-US" sz="4400" b="0" i="0" u="none" strike="noStrike" kern="1200" cap="none" spc="0" normalizeH="0" baseline="0" noProof="0" dirty="0" err="1" smtClean="0">
+              <a:rPr kumimoji="0" lang="en-US" sz="4400" b="0" i="0" u="none" strike="noStrike" kern="1200" cap="none" spc="0" normalizeH="0" baseline="0" noProof="0" dirty="0" err="1">
                 <a:ln>
                   <a:noFill/>
                 </a:ln>
@@ -8704,7 +9110,7 @@
               <a:t>cout</a:t>
             </a:r>
             <a:r>
-              <a:rPr kumimoji="0" lang="en-US" sz="4400" b="0" i="0" u="none" strike="noStrike" kern="1200" cap="none" spc="0" normalizeH="0" baseline="0" noProof="0" dirty="0" smtClean="0">
+              <a:rPr kumimoji="0" lang="en-US" sz="4400" b="0" i="0" u="none" strike="noStrike" kern="1200" cap="none" spc="0" normalizeH="0" baseline="0" noProof="0" dirty="0">
                 <a:ln>
                   <a:noFill/>
                 </a:ln>
@@ -8720,7 +9126,7 @@
               </a:rPr>
               <a:t> &lt;&lt; p;</a:t>
             </a:r>
-            <a:endParaRPr kumimoji="0" lang="en-CA" sz="4400" b="0" i="0" u="none" strike="noStrike" kern="1200" cap="none" spc="0" normalizeH="0" baseline="0" noProof="0" dirty="0" smtClean="0">
+            <a:endParaRPr kumimoji="0" lang="en-CA" sz="4400" b="0" i="0" u="none" strike="noStrike" kern="1200" cap="none" spc="0" normalizeH="0" baseline="0" noProof="0" dirty="0">
               <a:ln>
                 <a:noFill/>
               </a:ln>
@@ -8778,18 +9184,17 @@
           <a:lstStyle/>
           <a:p>
             <a:r>
-              <a:rPr lang="en-CA" dirty="0" smtClean="0"/>
+              <a:rPr lang="en-CA" dirty="0"/>
               <a:t>Using </a:t>
             </a:r>
             <a:r>
-              <a:rPr lang="en-CA" dirty="0" err="1" smtClean="0"/>
+              <a:rPr lang="en-CA" dirty="0" err="1"/>
               <a:t>Lua</a:t>
             </a:r>
             <a:r>
-              <a:rPr lang="en-CA" dirty="0" smtClean="0"/>
+              <a:rPr lang="en-CA" dirty="0"/>
               <a:t> for control…</a:t>
             </a:r>
-            <a:endParaRPr lang="en-CA" dirty="0"/>
           </a:p>
         </p:txBody>
       </p:sp>
@@ -8811,26 +9216,26 @@
           <a:lstStyle/>
           <a:p>
             <a:r>
-              <a:rPr lang="en-CA" dirty="0" smtClean="0"/>
+              <a:rPr lang="en-CA" dirty="0"/>
               <a:t>Luau is a “C” API, so can only integrate to a “function”, not a “method”</a:t>
             </a:r>
           </a:p>
           <a:p>
             <a:r>
-              <a:rPr lang="en-CA" dirty="0" smtClean="0"/>
+              <a:rPr lang="en-CA" dirty="0"/>
               <a:t>What’s the difference? </a:t>
             </a:r>
           </a:p>
           <a:p>
             <a:pPr lvl="1"/>
             <a:r>
-              <a:rPr lang="en-CA" dirty="0" smtClean="0"/>
+              <a:rPr lang="en-CA" dirty="0"/>
               <a:t>A “function” is known at compile time, where a “method” isn’t (though it depends)</a:t>
             </a:r>
           </a:p>
           <a:p>
             <a:r>
-              <a:rPr lang="en-CA" dirty="0" smtClean="0"/>
+              <a:rPr lang="en-CA" dirty="0"/>
               <a:t>A “static method” can be used, though, as it’s known at compile time (but there’s only 1 shared among all class instances)</a:t>
             </a:r>
           </a:p>
@@ -8898,58 +9303,58 @@
           <a:p>
             <a:pPr algn="ctr"/>
             <a:r>
-              <a:rPr lang="en-CA" dirty="0" err="1" smtClean="0"/>
+              <a:rPr lang="en-CA" dirty="0" err="1"/>
               <a:t>vecObjects</a:t>
             </a:r>
-            <a:endParaRPr lang="en-CA" dirty="0" smtClean="0"/>
-          </a:p>
-          <a:p>
-            <a:pPr algn="ctr"/>
             <a:endParaRPr lang="en-CA" dirty="0"/>
           </a:p>
           <a:p>
             <a:pPr algn="ctr"/>
-            <a:endParaRPr lang="en-CA" dirty="0" smtClean="0"/>
-          </a:p>
-          <a:p>
-            <a:pPr algn="ctr"/>
             <a:endParaRPr lang="en-CA" dirty="0"/>
           </a:p>
           <a:p>
             <a:pPr algn="ctr"/>
-            <a:endParaRPr lang="en-CA" dirty="0" smtClean="0"/>
-          </a:p>
-          <a:p>
-            <a:pPr algn="ctr"/>
             <a:endParaRPr lang="en-CA" dirty="0"/>
           </a:p>
           <a:p>
             <a:pPr algn="ctr"/>
-            <a:endParaRPr lang="en-CA" dirty="0" smtClean="0"/>
-          </a:p>
-          <a:p>
-            <a:pPr algn="ctr"/>
             <a:endParaRPr lang="en-CA" dirty="0"/>
           </a:p>
           <a:p>
             <a:pPr algn="ctr"/>
-            <a:endParaRPr lang="en-CA" dirty="0" smtClean="0"/>
-          </a:p>
-          <a:p>
-            <a:pPr algn="ctr"/>
             <a:endParaRPr lang="en-CA" dirty="0"/>
           </a:p>
           <a:p>
             <a:pPr algn="ctr"/>
-            <a:endParaRPr lang="en-CA" dirty="0" smtClean="0"/>
-          </a:p>
-          <a:p>
-            <a:pPr algn="ctr"/>
             <a:endParaRPr lang="en-CA" dirty="0"/>
           </a:p>
           <a:p>
             <a:pPr algn="ctr"/>
-            <a:endParaRPr lang="en-CA" dirty="0" smtClean="0"/>
+            <a:endParaRPr lang="en-CA" dirty="0"/>
+          </a:p>
+          <a:p>
+            <a:pPr algn="ctr"/>
+            <a:endParaRPr lang="en-CA" dirty="0"/>
+          </a:p>
+          <a:p>
+            <a:pPr algn="ctr"/>
+            <a:endParaRPr lang="en-CA" dirty="0"/>
+          </a:p>
+          <a:p>
+            <a:pPr algn="ctr"/>
+            <a:endParaRPr lang="en-CA" dirty="0"/>
+          </a:p>
+          <a:p>
+            <a:pPr algn="ctr"/>
+            <a:endParaRPr lang="en-CA" dirty="0"/>
+          </a:p>
+          <a:p>
+            <a:pPr algn="ctr"/>
+            <a:endParaRPr lang="en-CA" dirty="0"/>
+          </a:p>
+          <a:p>
+            <a:pPr algn="ctr"/>
+            <a:endParaRPr lang="en-CA" dirty="0"/>
           </a:p>
           <a:p>
             <a:pPr algn="ctr"/>
@@ -8998,10 +9403,9 @@
           <a:p>
             <a:pPr algn="ctr"/>
             <a:r>
-              <a:rPr lang="en-CA" dirty="0" smtClean="0"/>
+              <a:rPr lang="en-CA" dirty="0"/>
               <a:t>75</a:t>
             </a:r>
-            <a:endParaRPr lang="en-CA" dirty="0"/>
           </a:p>
         </p:txBody>
       </p:sp>
@@ -9042,10 +9446,9 @@
           <a:p>
             <a:pPr algn="ctr"/>
             <a:r>
-              <a:rPr lang="en-CA" dirty="0" smtClean="0"/>
+              <a:rPr lang="en-CA" dirty="0"/>
               <a:t>56</a:t>
             </a:r>
-            <a:endParaRPr lang="en-CA" dirty="0"/>
           </a:p>
         </p:txBody>
       </p:sp>
@@ -9086,10 +9489,9 @@
           <a:p>
             <a:pPr algn="ctr"/>
             <a:r>
-              <a:rPr lang="en-CA" dirty="0" smtClean="0"/>
+              <a:rPr lang="en-CA" dirty="0"/>
               <a:t>34</a:t>
             </a:r>
-            <a:endParaRPr lang="en-CA" dirty="0"/>
           </a:p>
         </p:txBody>
       </p:sp>
@@ -9130,10 +9532,9 @@
           <a:p>
             <a:pPr algn="ctr"/>
             <a:r>
-              <a:rPr lang="en-CA" dirty="0" smtClean="0"/>
+              <a:rPr lang="en-CA" dirty="0"/>
               <a:t>16</a:t>
             </a:r>
-            <a:endParaRPr lang="en-CA" dirty="0"/>
           </a:p>
         </p:txBody>
       </p:sp>
@@ -9174,21 +9575,20 @@
           <a:p>
             <a:pPr algn="ctr"/>
             <a:r>
-              <a:rPr lang="en-CA" dirty="0" err="1" smtClean="0"/>
+              <a:rPr lang="en-CA" dirty="0" err="1"/>
               <a:t>Lua</a:t>
             </a:r>
             <a:r>
-              <a:rPr lang="en-CA" dirty="0" smtClean="0"/>
+              <a:rPr lang="en-CA" dirty="0"/>
               <a:t> Instance </a:t>
             </a:r>
           </a:p>
           <a:p>
             <a:pPr algn="ctr"/>
             <a:r>
-              <a:rPr lang="en-CA" dirty="0" smtClean="0"/>
+              <a:rPr lang="en-CA" dirty="0"/>
               <a:t>“Brain”</a:t>
             </a:r>
-            <a:endParaRPr lang="en-CA" dirty="0"/>
           </a:p>
         </p:txBody>
       </p:sp>
@@ -9229,14 +9629,13 @@
           <a:p>
             <a:pPr algn="ctr"/>
             <a:r>
-              <a:rPr lang="en-CA" dirty="0" err="1" smtClean="0"/>
+              <a:rPr lang="en-CA" dirty="0" err="1"/>
               <a:t>GetObjectState</a:t>
             </a:r>
             <a:r>
-              <a:rPr lang="en-CA" dirty="0" smtClean="0"/>
+              <a:rPr lang="en-CA" dirty="0"/>
               <a:t>(ID)</a:t>
             </a:r>
-            <a:endParaRPr lang="en-CA" dirty="0"/>
           </a:p>
         </p:txBody>
       </p:sp>
@@ -9277,14 +9676,13 @@
           <a:p>
             <a:pPr algn="ctr"/>
             <a:r>
-              <a:rPr lang="en-CA" dirty="0" err="1" smtClean="0"/>
+              <a:rPr lang="en-CA" dirty="0" err="1"/>
               <a:t>SetObjectState</a:t>
             </a:r>
             <a:r>
-              <a:rPr lang="en-CA" dirty="0" smtClean="0"/>
+              <a:rPr lang="en-CA" dirty="0"/>
               <a:t>(ID)</a:t>
             </a:r>
-            <a:endParaRPr lang="en-CA" dirty="0"/>
           </a:p>
         </p:txBody>
       </p:sp>
@@ -9492,58 +9890,58 @@
           <a:p>
             <a:pPr algn="ctr"/>
             <a:r>
-              <a:rPr lang="en-CA" dirty="0" err="1" smtClean="0"/>
+              <a:rPr lang="en-CA" dirty="0" err="1"/>
               <a:t>vecObjects</a:t>
             </a:r>
-            <a:endParaRPr lang="en-CA" dirty="0" smtClean="0"/>
-          </a:p>
-          <a:p>
-            <a:pPr algn="ctr"/>
             <a:endParaRPr lang="en-CA" dirty="0"/>
           </a:p>
           <a:p>
             <a:pPr algn="ctr"/>
-            <a:endParaRPr lang="en-CA" dirty="0" smtClean="0"/>
-          </a:p>
-          <a:p>
-            <a:pPr algn="ctr"/>
             <a:endParaRPr lang="en-CA" dirty="0"/>
           </a:p>
           <a:p>
             <a:pPr algn="ctr"/>
-            <a:endParaRPr lang="en-CA" dirty="0" smtClean="0"/>
-          </a:p>
-          <a:p>
-            <a:pPr algn="ctr"/>
             <a:endParaRPr lang="en-CA" dirty="0"/>
           </a:p>
           <a:p>
             <a:pPr algn="ctr"/>
-            <a:endParaRPr lang="en-CA" dirty="0" smtClean="0"/>
-          </a:p>
-          <a:p>
-            <a:pPr algn="ctr"/>
             <a:endParaRPr lang="en-CA" dirty="0"/>
           </a:p>
           <a:p>
             <a:pPr algn="ctr"/>
-            <a:endParaRPr lang="en-CA" dirty="0" smtClean="0"/>
-          </a:p>
-          <a:p>
-            <a:pPr algn="ctr"/>
             <a:endParaRPr lang="en-CA" dirty="0"/>
           </a:p>
           <a:p>
             <a:pPr algn="ctr"/>
-            <a:endParaRPr lang="en-CA" dirty="0" smtClean="0"/>
-          </a:p>
-          <a:p>
-            <a:pPr algn="ctr"/>
             <a:endParaRPr lang="en-CA" dirty="0"/>
           </a:p>
           <a:p>
             <a:pPr algn="ctr"/>
-            <a:endParaRPr lang="en-CA" dirty="0" smtClean="0"/>
+            <a:endParaRPr lang="en-CA" dirty="0"/>
+          </a:p>
+          <a:p>
+            <a:pPr algn="ctr"/>
+            <a:endParaRPr lang="en-CA" dirty="0"/>
+          </a:p>
+          <a:p>
+            <a:pPr algn="ctr"/>
+            <a:endParaRPr lang="en-CA" dirty="0"/>
+          </a:p>
+          <a:p>
+            <a:pPr algn="ctr"/>
+            <a:endParaRPr lang="en-CA" dirty="0"/>
+          </a:p>
+          <a:p>
+            <a:pPr algn="ctr"/>
+            <a:endParaRPr lang="en-CA" dirty="0"/>
+          </a:p>
+          <a:p>
+            <a:pPr algn="ctr"/>
+            <a:endParaRPr lang="en-CA" dirty="0"/>
+          </a:p>
+          <a:p>
+            <a:pPr algn="ctr"/>
+            <a:endParaRPr lang="en-CA" dirty="0"/>
           </a:p>
           <a:p>
             <a:pPr algn="ctr"/>
@@ -9752,21 +10150,20 @@
           <a:p>
             <a:pPr algn="ctr"/>
             <a:r>
-              <a:rPr lang="en-CA" dirty="0" err="1" smtClean="0"/>
+              <a:rPr lang="en-CA" dirty="0" err="1"/>
               <a:t>Lua</a:t>
             </a:r>
             <a:r>
-              <a:rPr lang="en-CA" dirty="0" smtClean="0"/>
+              <a:rPr lang="en-CA" dirty="0"/>
               <a:t> Instance </a:t>
             </a:r>
           </a:p>
           <a:p>
             <a:pPr algn="ctr"/>
             <a:r>
-              <a:rPr lang="en-CA" dirty="0" smtClean="0"/>
+              <a:rPr lang="en-CA" dirty="0"/>
               <a:t>“Brain”</a:t>
             </a:r>
-            <a:endParaRPr lang="en-CA" dirty="0"/>
           </a:p>
         </p:txBody>
       </p:sp>
@@ -9873,58 +10270,58 @@
           <a:p>
             <a:pPr algn="ctr"/>
             <a:r>
-              <a:rPr lang="en-CA" dirty="0" err="1" smtClean="0"/>
+              <a:rPr lang="en-CA" dirty="0" err="1"/>
               <a:t>vecObjects</a:t>
             </a:r>
-            <a:endParaRPr lang="en-CA" dirty="0" smtClean="0"/>
-          </a:p>
-          <a:p>
-            <a:pPr algn="ctr"/>
             <a:endParaRPr lang="en-CA" dirty="0"/>
           </a:p>
           <a:p>
             <a:pPr algn="ctr"/>
-            <a:endParaRPr lang="en-CA" dirty="0" smtClean="0"/>
-          </a:p>
-          <a:p>
-            <a:pPr algn="ctr"/>
             <a:endParaRPr lang="en-CA" dirty="0"/>
           </a:p>
           <a:p>
             <a:pPr algn="ctr"/>
-            <a:endParaRPr lang="en-CA" dirty="0" smtClean="0"/>
-          </a:p>
-          <a:p>
-            <a:pPr algn="ctr"/>
             <a:endParaRPr lang="en-CA" dirty="0"/>
           </a:p>
           <a:p>
             <a:pPr algn="ctr"/>
-            <a:endParaRPr lang="en-CA" dirty="0" smtClean="0"/>
-          </a:p>
-          <a:p>
-            <a:pPr algn="ctr"/>
             <a:endParaRPr lang="en-CA" dirty="0"/>
           </a:p>
           <a:p>
             <a:pPr algn="ctr"/>
-            <a:endParaRPr lang="en-CA" dirty="0" smtClean="0"/>
-          </a:p>
-          <a:p>
-            <a:pPr algn="ctr"/>
             <a:endParaRPr lang="en-CA" dirty="0"/>
           </a:p>
           <a:p>
             <a:pPr algn="ctr"/>
-            <a:endParaRPr lang="en-CA" dirty="0" smtClean="0"/>
-          </a:p>
-          <a:p>
-            <a:pPr algn="ctr"/>
             <a:endParaRPr lang="en-CA" dirty="0"/>
           </a:p>
           <a:p>
             <a:pPr algn="ctr"/>
-            <a:endParaRPr lang="en-CA" dirty="0" smtClean="0"/>
+            <a:endParaRPr lang="en-CA" dirty="0"/>
+          </a:p>
+          <a:p>
+            <a:pPr algn="ctr"/>
+            <a:endParaRPr lang="en-CA" dirty="0"/>
+          </a:p>
+          <a:p>
+            <a:pPr algn="ctr"/>
+            <a:endParaRPr lang="en-CA" dirty="0"/>
+          </a:p>
+          <a:p>
+            <a:pPr algn="ctr"/>
+            <a:endParaRPr lang="en-CA" dirty="0"/>
+          </a:p>
+          <a:p>
+            <a:pPr algn="ctr"/>
+            <a:endParaRPr lang="en-CA" dirty="0"/>
+          </a:p>
+          <a:p>
+            <a:pPr algn="ctr"/>
+            <a:endParaRPr lang="en-CA" dirty="0"/>
+          </a:p>
+          <a:p>
+            <a:pPr algn="ctr"/>
+            <a:endParaRPr lang="en-CA" dirty="0"/>
           </a:p>
           <a:p>
             <a:pPr algn="ctr"/>
@@ -9973,10 +10370,9 @@
           <a:p>
             <a:pPr algn="ctr"/>
             <a:r>
-              <a:rPr lang="en-CA" dirty="0" smtClean="0"/>
+              <a:rPr lang="en-CA" dirty="0"/>
               <a:t>ID:2</a:t>
             </a:r>
-            <a:endParaRPr lang="en-CA" dirty="0"/>
           </a:p>
         </p:txBody>
       </p:sp>
@@ -10057,10 +10453,9 @@
           <a:p>
             <a:pPr algn="ctr"/>
             <a:r>
-              <a:rPr lang="en-CA" dirty="0" smtClean="0"/>
+              <a:rPr lang="en-CA" dirty="0"/>
               <a:t>ID:5</a:t>
             </a:r>
-            <a:endParaRPr lang="en-CA" dirty="0"/>
           </a:p>
         </p:txBody>
       </p:sp>
@@ -10141,36 +10536,35 @@
           <a:p>
             <a:pPr algn="ctr"/>
             <a:r>
-              <a:rPr lang="en-CA" dirty="0" err="1" smtClean="0"/>
+              <a:rPr lang="en-CA" dirty="0" err="1"/>
               <a:t>Lua</a:t>
             </a:r>
             <a:r>
-              <a:rPr lang="en-CA" dirty="0" smtClean="0"/>
+              <a:rPr lang="en-CA" dirty="0"/>
               <a:t> Instance </a:t>
             </a:r>
           </a:p>
           <a:p>
             <a:pPr algn="ctr"/>
             <a:r>
-              <a:rPr lang="en-CA" dirty="0" smtClean="0"/>
+              <a:rPr lang="en-CA" dirty="0"/>
               <a:t>“Brain”</a:t>
             </a:r>
           </a:p>
           <a:p>
             <a:pPr algn="ctr"/>
             <a:r>
-              <a:rPr lang="en-CA" dirty="0" smtClean="0"/>
+              <a:rPr lang="en-CA" dirty="0"/>
               <a:t>(</a:t>
             </a:r>
             <a:r>
-              <a:rPr lang="en-CA" dirty="0" err="1" smtClean="0"/>
+              <a:rPr lang="en-CA" dirty="0" err="1"/>
               <a:t>ObjectID</a:t>
             </a:r>
             <a:r>
-              <a:rPr lang="en-CA" dirty="0" smtClean="0"/>
+              <a:rPr lang="en-CA" dirty="0"/>
               <a:t> = 2)</a:t>
             </a:r>
-            <a:endParaRPr lang="en-CA" dirty="0"/>
           </a:p>
         </p:txBody>
       </p:sp>
@@ -10211,15 +10605,15 @@
           <a:p>
             <a:pPr algn="ctr"/>
             <a:r>
-              <a:rPr lang="en-CA" dirty="0" err="1" smtClean="0"/>
+              <a:rPr lang="en-CA" dirty="0" err="1"/>
               <a:t>GetObjectState</a:t>
             </a:r>
             <a:r>
-              <a:rPr lang="en-CA" dirty="0" smtClean="0"/>
+              <a:rPr lang="en-CA" dirty="0"/>
               <a:t>(</a:t>
             </a:r>
             <a:r>
-              <a:rPr lang="en-CA" u="sng" dirty="0" smtClean="0">
+              <a:rPr lang="en-CA" u="sng" dirty="0">
                 <a:solidFill>
                   <a:srgbClr val="FF0000"/>
                 </a:solidFill>
@@ -10227,10 +10621,9 @@
               <a:t>ID</a:t>
             </a:r>
             <a:r>
-              <a:rPr lang="en-CA" dirty="0" smtClean="0"/>
+              <a:rPr lang="en-CA" dirty="0"/>
               <a:t>)</a:t>
             </a:r>
-            <a:endParaRPr lang="en-CA" dirty="0"/>
           </a:p>
         </p:txBody>
       </p:sp>
@@ -10271,14 +10664,13 @@
           <a:p>
             <a:pPr algn="ctr"/>
             <a:r>
-              <a:rPr lang="en-CA" dirty="0" err="1" smtClean="0"/>
+              <a:rPr lang="en-CA" dirty="0" err="1"/>
               <a:t>SetObjectState</a:t>
             </a:r>
             <a:r>
-              <a:rPr lang="en-CA" dirty="0" smtClean="0"/>
+              <a:rPr lang="en-CA" dirty="0"/>
               <a:t>(ID)</a:t>
             </a:r>
-            <a:endParaRPr lang="en-CA" dirty="0"/>
           </a:p>
         </p:txBody>
       </p:sp>
@@ -10461,28 +10853,27 @@
           <a:p>
             <a:pPr algn="ctr"/>
             <a:r>
-              <a:rPr lang="en-CA" dirty="0" err="1" smtClean="0"/>
+              <a:rPr lang="en-CA" dirty="0" err="1"/>
               <a:t>Lua</a:t>
             </a:r>
             <a:r>
-              <a:rPr lang="en-CA" dirty="0" smtClean="0"/>
+              <a:rPr lang="en-CA" dirty="0"/>
               <a:t> Instance </a:t>
             </a:r>
           </a:p>
           <a:p>
             <a:pPr algn="ctr"/>
             <a:r>
-              <a:rPr lang="en-CA" dirty="0" smtClean="0"/>
+              <a:rPr lang="en-CA" dirty="0"/>
               <a:t>“Brain”</a:t>
             </a:r>
           </a:p>
           <a:p>
             <a:pPr algn="ctr"/>
             <a:r>
-              <a:rPr lang="en-CA" dirty="0" smtClean="0"/>
+              <a:rPr lang="en-CA" dirty="0"/>
               <a:t>(for object 5)</a:t>
             </a:r>
-            <a:endParaRPr lang="en-CA" dirty="0"/>
           </a:p>
         </p:txBody>
       </p:sp>
@@ -10692,58 +11083,58 @@
           <a:p>
             <a:pPr algn="ctr"/>
             <a:r>
-              <a:rPr lang="en-CA" dirty="0" err="1" smtClean="0"/>
+              <a:rPr lang="en-CA" dirty="0" err="1"/>
               <a:t>vecObjects</a:t>
             </a:r>
-            <a:endParaRPr lang="en-CA" dirty="0" smtClean="0"/>
-          </a:p>
-          <a:p>
-            <a:pPr algn="ctr"/>
             <a:endParaRPr lang="en-CA" dirty="0"/>
           </a:p>
           <a:p>
             <a:pPr algn="ctr"/>
-            <a:endParaRPr lang="en-CA" dirty="0" smtClean="0"/>
-          </a:p>
-          <a:p>
-            <a:pPr algn="ctr"/>
             <a:endParaRPr lang="en-CA" dirty="0"/>
           </a:p>
           <a:p>
             <a:pPr algn="ctr"/>
-            <a:endParaRPr lang="en-CA" dirty="0" smtClean="0"/>
-          </a:p>
-          <a:p>
-            <a:pPr algn="ctr"/>
             <a:endParaRPr lang="en-CA" dirty="0"/>
           </a:p>
           <a:p>
             <a:pPr algn="ctr"/>
-            <a:endParaRPr lang="en-CA" dirty="0" smtClean="0"/>
-          </a:p>
-          <a:p>
-            <a:pPr algn="ctr"/>
             <a:endParaRPr lang="en-CA" dirty="0"/>
           </a:p>
           <a:p>
             <a:pPr algn="ctr"/>
-            <a:endParaRPr lang="en-CA" dirty="0" smtClean="0"/>
-          </a:p>
-          <a:p>
-            <a:pPr algn="ctr"/>
             <a:endParaRPr lang="en-CA" dirty="0"/>
           </a:p>
           <a:p>
             <a:pPr algn="ctr"/>
-            <a:endParaRPr lang="en-CA" dirty="0" smtClean="0"/>
-          </a:p>
-          <a:p>
-            <a:pPr algn="ctr"/>
             <a:endParaRPr lang="en-CA" dirty="0"/>
           </a:p>
           <a:p>
             <a:pPr algn="ctr"/>
-            <a:endParaRPr lang="en-CA" dirty="0" smtClean="0"/>
+            <a:endParaRPr lang="en-CA" dirty="0"/>
+          </a:p>
+          <a:p>
+            <a:pPr algn="ctr"/>
+            <a:endParaRPr lang="en-CA" dirty="0"/>
+          </a:p>
+          <a:p>
+            <a:pPr algn="ctr"/>
+            <a:endParaRPr lang="en-CA" dirty="0"/>
+          </a:p>
+          <a:p>
+            <a:pPr algn="ctr"/>
+            <a:endParaRPr lang="en-CA" dirty="0"/>
+          </a:p>
+          <a:p>
+            <a:pPr algn="ctr"/>
+            <a:endParaRPr lang="en-CA" dirty="0"/>
+          </a:p>
+          <a:p>
+            <a:pPr algn="ctr"/>
+            <a:endParaRPr lang="en-CA" dirty="0"/>
+          </a:p>
+          <a:p>
+            <a:pPr algn="ctr"/>
+            <a:endParaRPr lang="en-CA" dirty="0"/>
           </a:p>
           <a:p>
             <a:pPr algn="ctr"/>
@@ -10952,21 +11343,20 @@
           <a:p>
             <a:pPr algn="ctr"/>
             <a:r>
-              <a:rPr lang="en-CA" dirty="0" err="1" smtClean="0"/>
+              <a:rPr lang="en-CA" dirty="0" err="1"/>
               <a:t>Lua</a:t>
             </a:r>
             <a:r>
-              <a:rPr lang="en-CA" dirty="0" smtClean="0"/>
+              <a:rPr lang="en-CA" dirty="0"/>
               <a:t> Instance </a:t>
             </a:r>
           </a:p>
           <a:p>
             <a:pPr algn="ctr"/>
             <a:r>
-              <a:rPr lang="en-CA" dirty="0" smtClean="0"/>
+              <a:rPr lang="en-CA" dirty="0"/>
               <a:t>“Brain”</a:t>
             </a:r>
-            <a:endParaRPr lang="en-CA" dirty="0"/>
           </a:p>
         </p:txBody>
       </p:sp>
@@ -11043,14 +11433,13 @@
           <a:p>
             <a:pPr algn="ctr"/>
             <a:r>
-              <a:rPr lang="en-CA" dirty="0" err="1" smtClean="0"/>
+              <a:rPr lang="en-CA" dirty="0" err="1"/>
               <a:t>GetObjectState</a:t>
             </a:r>
             <a:r>
-              <a:rPr lang="en-CA" dirty="0" smtClean="0"/>
+              <a:rPr lang="en-CA" dirty="0"/>
               <a:t>()</a:t>
             </a:r>
-            <a:endParaRPr lang="en-CA" dirty="0"/>
           </a:p>
         </p:txBody>
       </p:sp>
@@ -11091,14 +11480,13 @@
           <a:p>
             <a:pPr algn="ctr"/>
             <a:r>
-              <a:rPr lang="en-CA" dirty="0" err="1" smtClean="0"/>
+              <a:rPr lang="en-CA" dirty="0" err="1"/>
               <a:t>SetObjectState</a:t>
             </a:r>
             <a:r>
-              <a:rPr lang="en-CA" dirty="0" smtClean="0"/>
+              <a:rPr lang="en-CA" dirty="0"/>
               <a:t>()</a:t>
             </a:r>
-            <a:endParaRPr lang="en-CA" dirty="0"/>
           </a:p>
         </p:txBody>
       </p:sp>
@@ -11282,21 +11670,20 @@
           <a:p>
             <a:pPr algn="ctr"/>
             <a:r>
-              <a:rPr lang="en-CA" dirty="0" err="1" smtClean="0"/>
+              <a:rPr lang="en-CA" dirty="0" err="1"/>
               <a:t>Lua</a:t>
             </a:r>
             <a:r>
-              <a:rPr lang="en-CA" dirty="0" smtClean="0"/>
+              <a:rPr lang="en-CA" dirty="0"/>
               <a:t> Instance </a:t>
             </a:r>
           </a:p>
           <a:p>
             <a:pPr algn="ctr"/>
             <a:r>
-              <a:rPr lang="en-CA" dirty="0" smtClean="0"/>
+              <a:rPr lang="en-CA" dirty="0"/>
               <a:t>“Brain”</a:t>
             </a:r>
-            <a:endParaRPr lang="en-CA" dirty="0"/>
           </a:p>
         </p:txBody>
       </p:sp>
@@ -11372,14 +11759,13 @@
           <a:p>
             <a:pPr algn="ctr"/>
             <a:r>
-              <a:rPr lang="en-CA" dirty="0" err="1" smtClean="0"/>
+              <a:rPr lang="en-CA" dirty="0" err="1"/>
               <a:t>GetObjectState</a:t>
             </a:r>
             <a:r>
-              <a:rPr lang="en-CA" dirty="0" smtClean="0"/>
+              <a:rPr lang="en-CA" dirty="0"/>
               <a:t>()</a:t>
             </a:r>
-            <a:endParaRPr lang="en-CA" dirty="0"/>
           </a:p>
         </p:txBody>
       </p:sp>
@@ -11420,14 +11806,13 @@
           <a:p>
             <a:pPr algn="ctr"/>
             <a:r>
-              <a:rPr lang="en-CA" dirty="0" err="1" smtClean="0"/>
+              <a:rPr lang="en-CA" dirty="0" err="1"/>
               <a:t>SetObjectState</a:t>
             </a:r>
             <a:r>
-              <a:rPr lang="en-CA" dirty="0" smtClean="0"/>
+              <a:rPr lang="en-CA" dirty="0"/>
               <a:t>()</a:t>
             </a:r>
-            <a:endParaRPr lang="en-CA" dirty="0"/>
           </a:p>
         </p:txBody>
       </p:sp>
@@ -11623,14 +12008,13 @@
           <a:lstStyle/>
           <a:p>
             <a:r>
-              <a:rPr lang="en-CA" dirty="0" err="1" smtClean="0"/>
+              <a:rPr lang="en-CA" dirty="0" err="1"/>
               <a:t>Lua</a:t>
             </a:r>
             <a:r>
-              <a:rPr lang="en-CA" dirty="0" smtClean="0"/>
+              <a:rPr lang="en-CA" dirty="0"/>
               <a:t> tables</a:t>
             </a:r>
-            <a:endParaRPr lang="en-CA" dirty="0"/>
           </a:p>
         </p:txBody>
       </p:sp>
@@ -11657,20 +12041,20 @@
           <a:lstStyle/>
           <a:p>
             <a:r>
-              <a:rPr lang="en-US" dirty="0" smtClean="0"/>
+              <a:rPr lang="en-US" dirty="0"/>
               <a:t>Only “container” type, can mimic almost any other common container</a:t>
             </a:r>
           </a:p>
           <a:p>
             <a:r>
-              <a:rPr lang="en-US" dirty="0" smtClean="0"/>
+              <a:rPr lang="en-US" dirty="0"/>
               <a:t>They are “associative arrays”:</a:t>
             </a:r>
           </a:p>
           <a:p>
             <a:pPr lvl="1"/>
             <a:r>
-              <a:rPr lang="en-US" dirty="0" smtClean="0"/>
+              <a:rPr lang="en-US" dirty="0"/>
               <a:t>Arrays that use anything as an index (like PHP)</a:t>
             </a:r>
           </a:p>
@@ -11678,7 +12062,7 @@
             <a:pPr>
               <a:buNone/>
             </a:pPr>
-            <a:endParaRPr lang="en-CA" dirty="0" smtClean="0"/>
+            <a:endParaRPr lang="en-CA" dirty="0"/>
           </a:p>
           <a:p>
             <a:endParaRPr lang="en-CA" dirty="0"/>
@@ -11759,21 +12143,21 @@
           <a:p>
             <a:pPr algn="ctr"/>
             <a:r>
-              <a:rPr lang="en-US" dirty="0" smtClean="0"/>
+              <a:rPr lang="en-US" dirty="0"/>
               <a:t>a = {}</a:t>
             </a:r>
           </a:p>
           <a:p>
             <a:pPr algn="ctr"/>
             <a:r>
-              <a:rPr lang="en-US" dirty="0" smtClean="0"/>
+              <a:rPr lang="en-US" dirty="0"/>
               <a:t>K = a</a:t>
             </a:r>
           </a:p>
           <a:p>
             <a:pPr algn="ctr"/>
             <a:r>
-              <a:rPr lang="en-US" dirty="0" smtClean="0"/>
+              <a:rPr lang="en-US" dirty="0"/>
               <a:t>a = nil</a:t>
             </a:r>
             <a:endParaRPr lang="en-CA" dirty="0"/>
@@ -11817,21 +12201,21 @@
           <a:p>
             <a:pPr algn="ctr"/>
             <a:r>
-              <a:rPr lang="en-US" dirty="0" smtClean="0"/>
+              <a:rPr lang="en-US" dirty="0"/>
               <a:t>a[5] = 10</a:t>
             </a:r>
           </a:p>
           <a:p>
             <a:pPr algn="ctr"/>
             <a:r>
-              <a:rPr lang="en-US" dirty="0" smtClean="0"/>
+              <a:rPr lang="en-US" dirty="0"/>
               <a:t>a[5]  = “Yolo”</a:t>
             </a:r>
           </a:p>
           <a:p>
             <a:pPr algn="ctr"/>
             <a:r>
-              <a:rPr lang="en-US" dirty="0" smtClean="0"/>
+              <a:rPr lang="en-US" dirty="0"/>
               <a:t>a[“5”] = 10</a:t>
             </a:r>
           </a:p>
@@ -11874,17 +12258,17 @@
           <a:p>
             <a:pPr algn="ctr"/>
             <a:r>
-              <a:rPr lang="en-US" dirty="0" smtClean="0"/>
+              <a:rPr lang="en-US" dirty="0"/>
               <a:t>a[“Yolo”] = 17</a:t>
             </a:r>
           </a:p>
           <a:p>
             <a:pPr algn="ctr"/>
             <a:r>
-              <a:rPr lang="en-US" dirty="0" smtClean="0"/>
+              <a:rPr lang="en-US" dirty="0"/>
               <a:t>A[“Yolo”] = a[“Yolo”] + 1</a:t>
             </a:r>
-            <a:endParaRPr lang="en-CA" dirty="0" smtClean="0"/>
+            <a:endParaRPr lang="en-CA" dirty="0"/>
           </a:p>
         </p:txBody>
       </p:sp>

--- a/6044_FramPat/D2D/W12_Lua/Lua.C-registry.tables.lightdata.pptx
+++ b/6044_FramPat/D2D/W12_Lua/Lua.C-registry.tables.lightdata.pptx
@@ -5,26 +5,28 @@
     <p:sldMasterId id="2147483856" r:id="rId1"/>
   </p:sldMasterIdLst>
   <p:notesMasterIdLst>
-    <p:notesMasterId r:id="rId19"/>
+    <p:notesMasterId r:id="rId21"/>
   </p:notesMasterIdLst>
   <p:sldIdLst>
     <p:sldId id="323" r:id="rId2"/>
     <p:sldId id="324" r:id="rId3"/>
     <p:sldId id="325" r:id="rId4"/>
-    <p:sldId id="331" r:id="rId5"/>
-    <p:sldId id="326" r:id="rId6"/>
-    <p:sldId id="327" r:id="rId7"/>
-    <p:sldId id="328" r:id="rId8"/>
-    <p:sldId id="329" r:id="rId9"/>
-    <p:sldId id="315" r:id="rId10"/>
-    <p:sldId id="316" r:id="rId11"/>
-    <p:sldId id="317" r:id="rId12"/>
-    <p:sldId id="318" r:id="rId13"/>
-    <p:sldId id="319" r:id="rId14"/>
-    <p:sldId id="320" r:id="rId15"/>
-    <p:sldId id="307" r:id="rId16"/>
-    <p:sldId id="321" r:id="rId17"/>
-    <p:sldId id="322" r:id="rId18"/>
+    <p:sldId id="332" r:id="rId5"/>
+    <p:sldId id="333" r:id="rId6"/>
+    <p:sldId id="331" r:id="rId7"/>
+    <p:sldId id="326" r:id="rId8"/>
+    <p:sldId id="327" r:id="rId9"/>
+    <p:sldId id="328" r:id="rId10"/>
+    <p:sldId id="329" r:id="rId11"/>
+    <p:sldId id="315" r:id="rId12"/>
+    <p:sldId id="316" r:id="rId13"/>
+    <p:sldId id="317" r:id="rId14"/>
+    <p:sldId id="318" r:id="rId15"/>
+    <p:sldId id="319" r:id="rId16"/>
+    <p:sldId id="320" r:id="rId17"/>
+    <p:sldId id="307" r:id="rId18"/>
+    <p:sldId id="321" r:id="rId19"/>
+    <p:sldId id="322" r:id="rId20"/>
   </p:sldIdLst>
   <p:sldSz cx="9144000" cy="5143500" type="screen16x9"/>
   <p:notesSz cx="6858000" cy="9144000"/>
@@ -225,7 +227,7 @@
             <a:fld id="{3D3F9196-5FBD-45F8-86BD-A3D90AC79AC7}" type="datetimeFigureOut">
               <a:rPr lang="en-CA" smtClean="0"/>
               <a:pPr/>
-              <a:t>2023-11-16</a:t>
+              <a:t>2023-11-20</a:t>
             </a:fld>
             <a:endParaRPr lang="en-CA" dirty="0"/>
           </a:p>
@@ -559,7 +561,7 @@
             <a:fld id="{F737EC9A-2857-4595-9A37-57E1F4A0FD8D}" type="slidenum">
               <a:rPr lang="en-CA" smtClean="0"/>
               <a:pPr/>
-              <a:t>5</a:t>
+              <a:t>7</a:t>
             </a:fld>
             <a:endParaRPr lang="en-CA"/>
           </a:p>
@@ -641,7 +643,7 @@
             <a:fld id="{F737EC9A-2857-4595-9A37-57E1F4A0FD8D}" type="slidenum">
               <a:rPr lang="en-CA" smtClean="0"/>
               <a:pPr/>
-              <a:t>6</a:t>
+              <a:t>8</a:t>
             </a:fld>
             <a:endParaRPr lang="en-CA"/>
           </a:p>
@@ -728,7 +730,7 @@
             <a:fld id="{F737EC9A-2857-4595-9A37-57E1F4A0FD8D}" type="slidenum">
               <a:rPr lang="en-CA" smtClean="0"/>
               <a:pPr/>
-              <a:t>7</a:t>
+              <a:t>9</a:t>
             </a:fld>
             <a:endParaRPr lang="en-CA"/>
           </a:p>
@@ -810,7 +812,7 @@
             <a:fld id="{F737EC9A-2857-4595-9A37-57E1F4A0FD8D}" type="slidenum">
               <a:rPr lang="en-CA" smtClean="0"/>
               <a:pPr/>
-              <a:t>8</a:t>
+              <a:t>10</a:t>
             </a:fld>
             <a:endParaRPr lang="en-CA"/>
           </a:p>
@@ -1014,7 +1016,7 @@
             <a:fld id="{5B8DBE04-A610-4052-99FA-194876B9844B}" type="datetimeFigureOut">
               <a:rPr lang="en-CA" smtClean="0"/>
               <a:pPr/>
-              <a:t>2023-11-16</a:t>
+              <a:t>2023-11-20</a:t>
             </a:fld>
             <a:endParaRPr lang="en-CA" dirty="0"/>
           </a:p>
@@ -1181,7 +1183,7 @@
             <a:fld id="{5B8DBE04-A610-4052-99FA-194876B9844B}" type="datetimeFigureOut">
               <a:rPr lang="en-CA" smtClean="0"/>
               <a:pPr/>
-              <a:t>2023-11-16</a:t>
+              <a:t>2023-11-20</a:t>
             </a:fld>
             <a:endParaRPr lang="en-CA" dirty="0"/>
           </a:p>
@@ -1358,7 +1360,7 @@
             <a:fld id="{5B8DBE04-A610-4052-99FA-194876B9844B}" type="datetimeFigureOut">
               <a:rPr lang="en-CA" smtClean="0"/>
               <a:pPr/>
-              <a:t>2023-11-16</a:t>
+              <a:t>2023-11-20</a:t>
             </a:fld>
             <a:endParaRPr lang="en-CA" dirty="0"/>
           </a:p>
@@ -1525,7 +1527,7 @@
             <a:fld id="{5B8DBE04-A610-4052-99FA-194876B9844B}" type="datetimeFigureOut">
               <a:rPr lang="en-CA" smtClean="0"/>
               <a:pPr/>
-              <a:t>2023-11-16</a:t>
+              <a:t>2023-11-20</a:t>
             </a:fld>
             <a:endParaRPr lang="en-CA" dirty="0"/>
           </a:p>
@@ -1768,7 +1770,7 @@
             <a:fld id="{5B8DBE04-A610-4052-99FA-194876B9844B}" type="datetimeFigureOut">
               <a:rPr lang="en-CA" smtClean="0"/>
               <a:pPr/>
-              <a:t>2023-11-16</a:t>
+              <a:t>2023-11-20</a:t>
             </a:fld>
             <a:endParaRPr lang="en-CA" dirty="0"/>
           </a:p>
@@ -2053,7 +2055,7 @@
             <a:fld id="{5B8DBE04-A610-4052-99FA-194876B9844B}" type="datetimeFigureOut">
               <a:rPr lang="en-CA" smtClean="0"/>
               <a:pPr/>
-              <a:t>2023-11-16</a:t>
+              <a:t>2023-11-20</a:t>
             </a:fld>
             <a:endParaRPr lang="en-CA" dirty="0"/>
           </a:p>
@@ -2477,7 +2479,7 @@
             <a:fld id="{5B8DBE04-A610-4052-99FA-194876B9844B}" type="datetimeFigureOut">
               <a:rPr lang="en-CA" smtClean="0"/>
               <a:pPr/>
-              <a:t>2023-11-16</a:t>
+              <a:t>2023-11-20</a:t>
             </a:fld>
             <a:endParaRPr lang="en-CA" dirty="0"/>
           </a:p>
@@ -2592,7 +2594,7 @@
             <a:fld id="{5B8DBE04-A610-4052-99FA-194876B9844B}" type="datetimeFigureOut">
               <a:rPr lang="en-CA" smtClean="0"/>
               <a:pPr/>
-              <a:t>2023-11-16</a:t>
+              <a:t>2023-11-20</a:t>
             </a:fld>
             <a:endParaRPr lang="en-CA" dirty="0"/>
           </a:p>
@@ -2684,7 +2686,7 @@
             <a:fld id="{5B8DBE04-A610-4052-99FA-194876B9844B}" type="datetimeFigureOut">
               <a:rPr lang="en-CA" smtClean="0"/>
               <a:pPr/>
-              <a:t>2023-11-16</a:t>
+              <a:t>2023-11-20</a:t>
             </a:fld>
             <a:endParaRPr lang="en-CA" dirty="0"/>
           </a:p>
@@ -2958,7 +2960,7 @@
             <a:fld id="{5B8DBE04-A610-4052-99FA-194876B9844B}" type="datetimeFigureOut">
               <a:rPr lang="en-CA" smtClean="0"/>
               <a:pPr/>
-              <a:t>2023-11-16</a:t>
+              <a:t>2023-11-20</a:t>
             </a:fld>
             <a:endParaRPr lang="en-CA" dirty="0"/>
           </a:p>
@@ -3208,7 +3210,7 @@
             <a:fld id="{5B8DBE04-A610-4052-99FA-194876B9844B}" type="datetimeFigureOut">
               <a:rPr lang="en-CA" smtClean="0"/>
               <a:pPr/>
-              <a:t>2023-11-16</a:t>
+              <a:t>2023-11-20</a:t>
             </a:fld>
             <a:endParaRPr lang="en-CA" dirty="0"/>
           </a:p>
@@ -3419,7 +3421,7 @@
             <a:fld id="{5B8DBE04-A610-4052-99FA-194876B9844B}" type="datetimeFigureOut">
               <a:rPr lang="en-CA" smtClean="0"/>
               <a:pPr/>
-              <a:t>2023-11-16</a:t>
+              <a:t>2023-11-20</a:t>
             </a:fld>
             <a:endParaRPr lang="en-CA" dirty="0"/>
           </a:p>
@@ -3906,6 +3908,1509 @@
       </p:grpSpPr>
       <p:sp>
         <p:nvSpPr>
+          <p:cNvPr id="4" name="Rectangle 3"/>
+          <p:cNvSpPr/>
+          <p:nvPr/>
+        </p:nvSpPr>
+        <p:spPr>
+          <a:xfrm>
+            <a:off x="838200" y="438150"/>
+            <a:ext cx="1828800" cy="4191000"/>
+          </a:xfrm>
+          <a:prstGeom prst="rect">
+            <a:avLst/>
+          </a:prstGeom>
+        </p:spPr>
+        <p:style>
+          <a:lnRef idx="2">
+            <a:schemeClr val="accent1">
+              <a:shade val="50000"/>
+            </a:schemeClr>
+          </a:lnRef>
+          <a:fillRef idx="1">
+            <a:schemeClr val="accent1"/>
+          </a:fillRef>
+          <a:effectRef idx="0">
+            <a:schemeClr val="accent1"/>
+          </a:effectRef>
+          <a:fontRef idx="minor">
+            <a:schemeClr val="lt1"/>
+          </a:fontRef>
+        </p:style>
+        <p:txBody>
+          <a:bodyPr rtlCol="0" anchor="ctr"/>
+          <a:lstStyle/>
+          <a:p>
+            <a:pPr algn="ctr"/>
+            <a:r>
+              <a:rPr lang="en-CA" dirty="0" err="1"/>
+              <a:t>vecObjects</a:t>
+            </a:r>
+            <a:endParaRPr lang="en-CA" dirty="0"/>
+          </a:p>
+          <a:p>
+            <a:pPr algn="ctr"/>
+            <a:endParaRPr lang="en-CA" dirty="0"/>
+          </a:p>
+          <a:p>
+            <a:pPr algn="ctr"/>
+            <a:endParaRPr lang="en-CA" dirty="0"/>
+          </a:p>
+          <a:p>
+            <a:pPr algn="ctr"/>
+            <a:endParaRPr lang="en-CA" dirty="0"/>
+          </a:p>
+          <a:p>
+            <a:pPr algn="ctr"/>
+            <a:endParaRPr lang="en-CA" dirty="0"/>
+          </a:p>
+          <a:p>
+            <a:pPr algn="ctr"/>
+            <a:endParaRPr lang="en-CA" dirty="0"/>
+          </a:p>
+          <a:p>
+            <a:pPr algn="ctr"/>
+            <a:endParaRPr lang="en-CA" dirty="0"/>
+          </a:p>
+          <a:p>
+            <a:pPr algn="ctr"/>
+            <a:endParaRPr lang="en-CA" dirty="0"/>
+          </a:p>
+          <a:p>
+            <a:pPr algn="ctr"/>
+            <a:endParaRPr lang="en-CA" dirty="0"/>
+          </a:p>
+          <a:p>
+            <a:pPr algn="ctr"/>
+            <a:endParaRPr lang="en-CA" dirty="0"/>
+          </a:p>
+          <a:p>
+            <a:pPr algn="ctr"/>
+            <a:endParaRPr lang="en-CA" dirty="0"/>
+          </a:p>
+          <a:p>
+            <a:pPr algn="ctr"/>
+            <a:endParaRPr lang="en-CA" dirty="0"/>
+          </a:p>
+          <a:p>
+            <a:pPr algn="ctr"/>
+            <a:endParaRPr lang="en-CA" dirty="0"/>
+          </a:p>
+          <a:p>
+            <a:pPr algn="ctr"/>
+            <a:endParaRPr lang="en-CA" dirty="0"/>
+          </a:p>
+          <a:p>
+            <a:pPr algn="ctr"/>
+            <a:endParaRPr lang="en-CA" dirty="0"/>
+          </a:p>
+        </p:txBody>
+      </p:sp>
+      <p:sp>
+        <p:nvSpPr>
+          <p:cNvPr id="5" name="Smiley Face 4"/>
+          <p:cNvSpPr/>
+          <p:nvPr/>
+        </p:nvSpPr>
+        <p:spPr>
+          <a:xfrm>
+            <a:off x="1295400" y="819150"/>
+            <a:ext cx="914400" cy="685800"/>
+          </a:xfrm>
+          <a:prstGeom prst="smileyFace">
+            <a:avLst/>
+          </a:prstGeom>
+        </p:spPr>
+        <p:style>
+          <a:lnRef idx="2">
+            <a:schemeClr val="accent6">
+              <a:shade val="50000"/>
+            </a:schemeClr>
+          </a:lnRef>
+          <a:fillRef idx="1">
+            <a:schemeClr val="accent6"/>
+          </a:fillRef>
+          <a:effectRef idx="0">
+            <a:schemeClr val="accent6"/>
+          </a:effectRef>
+          <a:fontRef idx="minor">
+            <a:schemeClr val="lt1"/>
+          </a:fontRef>
+        </p:style>
+        <p:txBody>
+          <a:bodyPr rtlCol="0" anchor="ctr"/>
+          <a:lstStyle/>
+          <a:p>
+            <a:pPr algn="ctr"/>
+            <a:endParaRPr lang="en-CA"/>
+          </a:p>
+        </p:txBody>
+      </p:sp>
+      <p:sp>
+        <p:nvSpPr>
+          <p:cNvPr id="6" name="Smiley Face 5"/>
+          <p:cNvSpPr/>
+          <p:nvPr/>
+        </p:nvSpPr>
+        <p:spPr>
+          <a:xfrm>
+            <a:off x="1371600" y="1885950"/>
+            <a:ext cx="914400" cy="685800"/>
+          </a:xfrm>
+          <a:prstGeom prst="smileyFace">
+            <a:avLst/>
+          </a:prstGeom>
+        </p:spPr>
+        <p:style>
+          <a:lnRef idx="2">
+            <a:schemeClr val="accent6">
+              <a:shade val="50000"/>
+            </a:schemeClr>
+          </a:lnRef>
+          <a:fillRef idx="1">
+            <a:schemeClr val="accent6"/>
+          </a:fillRef>
+          <a:effectRef idx="0">
+            <a:schemeClr val="accent6"/>
+          </a:effectRef>
+          <a:fontRef idx="minor">
+            <a:schemeClr val="lt1"/>
+          </a:fontRef>
+        </p:style>
+        <p:txBody>
+          <a:bodyPr rtlCol="0" anchor="ctr"/>
+          <a:lstStyle/>
+          <a:p>
+            <a:pPr algn="ctr"/>
+            <a:endParaRPr lang="en-CA"/>
+          </a:p>
+        </p:txBody>
+      </p:sp>
+      <p:sp>
+        <p:nvSpPr>
+          <p:cNvPr id="7" name="Smiley Face 6"/>
+          <p:cNvSpPr/>
+          <p:nvPr/>
+        </p:nvSpPr>
+        <p:spPr>
+          <a:xfrm>
+            <a:off x="1066800" y="2800350"/>
+            <a:ext cx="914400" cy="685800"/>
+          </a:xfrm>
+          <a:prstGeom prst="smileyFace">
+            <a:avLst/>
+          </a:prstGeom>
+        </p:spPr>
+        <p:style>
+          <a:lnRef idx="2">
+            <a:schemeClr val="accent6">
+              <a:shade val="50000"/>
+            </a:schemeClr>
+          </a:lnRef>
+          <a:fillRef idx="1">
+            <a:schemeClr val="accent6"/>
+          </a:fillRef>
+          <a:effectRef idx="0">
+            <a:schemeClr val="accent6"/>
+          </a:effectRef>
+          <a:fontRef idx="minor">
+            <a:schemeClr val="lt1"/>
+          </a:fontRef>
+        </p:style>
+        <p:txBody>
+          <a:bodyPr rtlCol="0" anchor="ctr"/>
+          <a:lstStyle/>
+          <a:p>
+            <a:pPr algn="ctr"/>
+            <a:endParaRPr lang="en-CA"/>
+          </a:p>
+        </p:txBody>
+      </p:sp>
+      <p:sp>
+        <p:nvSpPr>
+          <p:cNvPr id="8" name="Smiley Face 7"/>
+          <p:cNvSpPr/>
+          <p:nvPr/>
+        </p:nvSpPr>
+        <p:spPr>
+          <a:xfrm>
+            <a:off x="1600200" y="3790950"/>
+            <a:ext cx="914400" cy="685800"/>
+          </a:xfrm>
+          <a:prstGeom prst="smileyFace">
+            <a:avLst/>
+          </a:prstGeom>
+        </p:spPr>
+        <p:style>
+          <a:lnRef idx="2">
+            <a:schemeClr val="accent6">
+              <a:shade val="50000"/>
+            </a:schemeClr>
+          </a:lnRef>
+          <a:fillRef idx="1">
+            <a:schemeClr val="accent6"/>
+          </a:fillRef>
+          <a:effectRef idx="0">
+            <a:schemeClr val="accent6"/>
+          </a:effectRef>
+          <a:fontRef idx="minor">
+            <a:schemeClr val="lt1"/>
+          </a:fontRef>
+        </p:style>
+        <p:txBody>
+          <a:bodyPr rtlCol="0" anchor="ctr"/>
+          <a:lstStyle/>
+          <a:p>
+            <a:pPr algn="ctr"/>
+            <a:endParaRPr lang="en-CA"/>
+          </a:p>
+        </p:txBody>
+      </p:sp>
+      <p:sp>
+        <p:nvSpPr>
+          <p:cNvPr id="9" name="Plaque 8"/>
+          <p:cNvSpPr/>
+          <p:nvPr/>
+        </p:nvSpPr>
+        <p:spPr>
+          <a:xfrm>
+            <a:off x="6210300" y="198120"/>
+            <a:ext cx="1905000" cy="762000"/>
+          </a:xfrm>
+          <a:prstGeom prst="plaque">
+            <a:avLst/>
+          </a:prstGeom>
+        </p:spPr>
+        <p:style>
+          <a:lnRef idx="2">
+            <a:schemeClr val="accent1">
+              <a:shade val="50000"/>
+            </a:schemeClr>
+          </a:lnRef>
+          <a:fillRef idx="1">
+            <a:schemeClr val="accent1"/>
+          </a:fillRef>
+          <a:effectRef idx="0">
+            <a:schemeClr val="accent1"/>
+          </a:effectRef>
+          <a:fontRef idx="minor">
+            <a:schemeClr val="lt1"/>
+          </a:fontRef>
+        </p:style>
+        <p:txBody>
+          <a:bodyPr rtlCol="0" anchor="ctr"/>
+          <a:lstStyle/>
+          <a:p>
+            <a:pPr algn="ctr"/>
+            <a:r>
+              <a:rPr lang="en-CA" dirty="0" err="1"/>
+              <a:t>Lua</a:t>
+            </a:r>
+            <a:r>
+              <a:rPr lang="en-CA" dirty="0"/>
+              <a:t> Instance </a:t>
+            </a:r>
+          </a:p>
+          <a:p>
+            <a:pPr algn="ctr"/>
+            <a:r>
+              <a:rPr lang="en-CA" dirty="0"/>
+              <a:t>“Brain”</a:t>
+            </a:r>
+          </a:p>
+        </p:txBody>
+      </p:sp>
+      <p:cxnSp>
+        <p:nvCxnSpPr>
+          <p:cNvPr id="20" name="Straight Connector 19"/>
+          <p:cNvCxnSpPr>
+            <a:stCxn id="5" idx="6"/>
+            <a:endCxn id="9" idx="1"/>
+          </p:cNvCxnSpPr>
+          <p:nvPr/>
+        </p:nvCxnSpPr>
+        <p:spPr>
+          <a:xfrm flipV="1">
+            <a:off x="2209800" y="579120"/>
+            <a:ext cx="4000500" cy="582930"/>
+          </a:xfrm>
+          <a:prstGeom prst="line">
+            <a:avLst/>
+          </a:prstGeom>
+          <a:ln>
+            <a:prstDash val="dash"/>
+          </a:ln>
+        </p:spPr>
+        <p:style>
+          <a:lnRef idx="3">
+            <a:schemeClr val="accent3"/>
+          </a:lnRef>
+          <a:fillRef idx="0">
+            <a:schemeClr val="accent3"/>
+          </a:fillRef>
+          <a:effectRef idx="2">
+            <a:schemeClr val="accent3"/>
+          </a:effectRef>
+          <a:fontRef idx="minor">
+            <a:schemeClr val="tx1"/>
+          </a:fontRef>
+        </p:style>
+      </p:cxnSp>
+      <p:sp>
+        <p:nvSpPr>
+          <p:cNvPr id="28" name="Rectangle 27"/>
+          <p:cNvSpPr/>
+          <p:nvPr/>
+        </p:nvSpPr>
+        <p:spPr>
+          <a:xfrm>
+            <a:off x="3733800" y="1123950"/>
+            <a:ext cx="2133600" cy="457200"/>
+          </a:xfrm>
+          <a:prstGeom prst="rect">
+            <a:avLst/>
+          </a:prstGeom>
+        </p:spPr>
+        <p:style>
+          <a:lnRef idx="2">
+            <a:schemeClr val="accent1">
+              <a:shade val="50000"/>
+            </a:schemeClr>
+          </a:lnRef>
+          <a:fillRef idx="1">
+            <a:schemeClr val="accent1"/>
+          </a:fillRef>
+          <a:effectRef idx="0">
+            <a:schemeClr val="accent1"/>
+          </a:effectRef>
+          <a:fontRef idx="minor">
+            <a:schemeClr val="lt1"/>
+          </a:fontRef>
+        </p:style>
+        <p:txBody>
+          <a:bodyPr rtlCol="0" anchor="ctr"/>
+          <a:lstStyle/>
+          <a:p>
+            <a:pPr algn="ctr"/>
+            <a:r>
+              <a:rPr lang="en-CA" dirty="0" err="1"/>
+              <a:t>GetObjectState</a:t>
+            </a:r>
+            <a:r>
+              <a:rPr lang="en-CA" dirty="0"/>
+              <a:t>()</a:t>
+            </a:r>
+          </a:p>
+        </p:txBody>
+      </p:sp>
+      <p:sp>
+        <p:nvSpPr>
+          <p:cNvPr id="29" name="Rectangle 28"/>
+          <p:cNvSpPr/>
+          <p:nvPr/>
+        </p:nvSpPr>
+        <p:spPr>
+          <a:xfrm>
+            <a:off x="3733800" y="1657350"/>
+            <a:ext cx="2133600" cy="457200"/>
+          </a:xfrm>
+          <a:prstGeom prst="rect">
+            <a:avLst/>
+          </a:prstGeom>
+        </p:spPr>
+        <p:style>
+          <a:lnRef idx="2">
+            <a:schemeClr val="accent1">
+              <a:shade val="50000"/>
+            </a:schemeClr>
+          </a:lnRef>
+          <a:fillRef idx="1">
+            <a:schemeClr val="accent1"/>
+          </a:fillRef>
+          <a:effectRef idx="0">
+            <a:schemeClr val="accent1"/>
+          </a:effectRef>
+          <a:fontRef idx="minor">
+            <a:schemeClr val="lt1"/>
+          </a:fontRef>
+        </p:style>
+        <p:txBody>
+          <a:bodyPr rtlCol="0" anchor="ctr"/>
+          <a:lstStyle/>
+          <a:p>
+            <a:pPr algn="ctr"/>
+            <a:r>
+              <a:rPr lang="en-CA" dirty="0" err="1"/>
+              <a:t>SetObjectState</a:t>
+            </a:r>
+            <a:r>
+              <a:rPr lang="en-CA" dirty="0"/>
+              <a:t>()</a:t>
+            </a:r>
+          </a:p>
+        </p:txBody>
+      </p:sp>
+      <p:cxnSp>
+        <p:nvCxnSpPr>
+          <p:cNvPr id="33" name="Straight Arrow Connector 32"/>
+          <p:cNvCxnSpPr>
+            <a:stCxn id="28" idx="1"/>
+            <a:endCxn id="5" idx="6"/>
+          </p:cNvCxnSpPr>
+          <p:nvPr/>
+        </p:nvCxnSpPr>
+        <p:spPr>
+          <a:xfrm flipH="1" flipV="1">
+            <a:off x="2209800" y="1162050"/>
+            <a:ext cx="1524000" cy="190500"/>
+          </a:xfrm>
+          <a:prstGeom prst="straightConnector1">
+            <a:avLst/>
+          </a:prstGeom>
+          <a:ln>
+            <a:tailEnd type="arrow"/>
+          </a:ln>
+        </p:spPr>
+        <p:style>
+          <a:lnRef idx="3">
+            <a:schemeClr val="accent4"/>
+          </a:lnRef>
+          <a:fillRef idx="0">
+            <a:schemeClr val="accent4"/>
+          </a:fillRef>
+          <a:effectRef idx="2">
+            <a:schemeClr val="accent4"/>
+          </a:effectRef>
+          <a:fontRef idx="minor">
+            <a:schemeClr val="tx1"/>
+          </a:fontRef>
+        </p:style>
+      </p:cxnSp>
+      <p:cxnSp>
+        <p:nvCxnSpPr>
+          <p:cNvPr id="34" name="Straight Arrow Connector 33"/>
+          <p:cNvCxnSpPr>
+            <a:stCxn id="29" idx="1"/>
+          </p:cNvCxnSpPr>
+          <p:nvPr/>
+        </p:nvCxnSpPr>
+        <p:spPr>
+          <a:xfrm flipH="1" flipV="1">
+            <a:off x="2209800" y="1200150"/>
+            <a:ext cx="1524000" cy="685800"/>
+          </a:xfrm>
+          <a:prstGeom prst="straightConnector1">
+            <a:avLst/>
+          </a:prstGeom>
+          <a:ln>
+            <a:tailEnd type="arrow"/>
+          </a:ln>
+        </p:spPr>
+        <p:style>
+          <a:lnRef idx="3">
+            <a:schemeClr val="accent4"/>
+          </a:lnRef>
+          <a:fillRef idx="0">
+            <a:schemeClr val="accent4"/>
+          </a:fillRef>
+          <a:effectRef idx="2">
+            <a:schemeClr val="accent4"/>
+          </a:effectRef>
+          <a:fontRef idx="minor">
+            <a:schemeClr val="tx1"/>
+          </a:fontRef>
+        </p:style>
+      </p:cxnSp>
+      <p:cxnSp>
+        <p:nvCxnSpPr>
+          <p:cNvPr id="38" name="Straight Arrow Connector 37"/>
+          <p:cNvCxnSpPr>
+            <a:stCxn id="9" idx="2"/>
+            <a:endCxn id="28" idx="3"/>
+          </p:cNvCxnSpPr>
+          <p:nvPr/>
+        </p:nvCxnSpPr>
+        <p:spPr>
+          <a:xfrm flipH="1">
+            <a:off x="5867400" y="960120"/>
+            <a:ext cx="1295400" cy="392430"/>
+          </a:xfrm>
+          <a:prstGeom prst="straightConnector1">
+            <a:avLst/>
+          </a:prstGeom>
+          <a:ln>
+            <a:tailEnd type="arrow"/>
+          </a:ln>
+        </p:spPr>
+        <p:style>
+          <a:lnRef idx="3">
+            <a:schemeClr val="accent4"/>
+          </a:lnRef>
+          <a:fillRef idx="0">
+            <a:schemeClr val="accent4"/>
+          </a:fillRef>
+          <a:effectRef idx="2">
+            <a:schemeClr val="accent4"/>
+          </a:effectRef>
+          <a:fontRef idx="minor">
+            <a:schemeClr val="tx1"/>
+          </a:fontRef>
+        </p:style>
+      </p:cxnSp>
+      <p:cxnSp>
+        <p:nvCxnSpPr>
+          <p:cNvPr id="46" name="Straight Arrow Connector 45"/>
+          <p:cNvCxnSpPr>
+            <a:stCxn id="9" idx="2"/>
+            <a:endCxn id="29" idx="3"/>
+          </p:cNvCxnSpPr>
+          <p:nvPr/>
+        </p:nvCxnSpPr>
+        <p:spPr>
+          <a:xfrm flipH="1">
+            <a:off x="5867400" y="960120"/>
+            <a:ext cx="1295400" cy="925830"/>
+          </a:xfrm>
+          <a:prstGeom prst="straightConnector1">
+            <a:avLst/>
+          </a:prstGeom>
+          <a:ln>
+            <a:tailEnd type="arrow"/>
+          </a:ln>
+        </p:spPr>
+        <p:style>
+          <a:lnRef idx="3">
+            <a:schemeClr val="accent4"/>
+          </a:lnRef>
+          <a:fillRef idx="0">
+            <a:schemeClr val="accent4"/>
+          </a:fillRef>
+          <a:effectRef idx="2">
+            <a:schemeClr val="accent4"/>
+          </a:effectRef>
+          <a:fontRef idx="minor">
+            <a:schemeClr val="tx1"/>
+          </a:fontRef>
+        </p:style>
+      </p:cxnSp>
+      <p:sp>
+        <p:nvSpPr>
+          <p:cNvPr id="49" name="Plaque 48"/>
+          <p:cNvSpPr/>
+          <p:nvPr/>
+        </p:nvSpPr>
+        <p:spPr>
+          <a:xfrm>
+            <a:off x="6324600" y="1962150"/>
+            <a:ext cx="1905000" cy="762000"/>
+          </a:xfrm>
+          <a:prstGeom prst="plaque">
+            <a:avLst/>
+          </a:prstGeom>
+        </p:spPr>
+        <p:style>
+          <a:lnRef idx="2">
+            <a:schemeClr val="accent1">
+              <a:shade val="50000"/>
+            </a:schemeClr>
+          </a:lnRef>
+          <a:fillRef idx="1">
+            <a:schemeClr val="accent1"/>
+          </a:fillRef>
+          <a:effectRef idx="0">
+            <a:schemeClr val="accent1"/>
+          </a:effectRef>
+          <a:fontRef idx="minor">
+            <a:schemeClr val="lt1"/>
+          </a:fontRef>
+        </p:style>
+        <p:txBody>
+          <a:bodyPr rtlCol="0" anchor="ctr"/>
+          <a:lstStyle/>
+          <a:p>
+            <a:pPr algn="ctr"/>
+            <a:r>
+              <a:rPr lang="en-CA" dirty="0" err="1"/>
+              <a:t>Lua</a:t>
+            </a:r>
+            <a:r>
+              <a:rPr lang="en-CA" dirty="0"/>
+              <a:t> Instance </a:t>
+            </a:r>
+          </a:p>
+          <a:p>
+            <a:pPr algn="ctr"/>
+            <a:r>
+              <a:rPr lang="en-CA" dirty="0"/>
+              <a:t>“Brain”</a:t>
+            </a:r>
+          </a:p>
+        </p:txBody>
+      </p:sp>
+      <p:cxnSp>
+        <p:nvCxnSpPr>
+          <p:cNvPr id="50" name="Straight Connector 49"/>
+          <p:cNvCxnSpPr>
+            <a:endCxn id="49" idx="1"/>
+          </p:cNvCxnSpPr>
+          <p:nvPr/>
+        </p:nvCxnSpPr>
+        <p:spPr>
+          <a:xfrm flipV="1">
+            <a:off x="2057400" y="2343150"/>
+            <a:ext cx="4267200" cy="762000"/>
+          </a:xfrm>
+          <a:prstGeom prst="line">
+            <a:avLst/>
+          </a:prstGeom>
+          <a:ln>
+            <a:prstDash val="dash"/>
+          </a:ln>
+        </p:spPr>
+        <p:style>
+          <a:lnRef idx="3">
+            <a:schemeClr val="accent3"/>
+          </a:lnRef>
+          <a:fillRef idx="0">
+            <a:schemeClr val="accent3"/>
+          </a:fillRef>
+          <a:effectRef idx="2">
+            <a:schemeClr val="accent3"/>
+          </a:effectRef>
+          <a:fontRef idx="minor">
+            <a:schemeClr val="tx1"/>
+          </a:fontRef>
+        </p:style>
+      </p:cxnSp>
+      <p:sp>
+        <p:nvSpPr>
+          <p:cNvPr id="51" name="Rectangle 50"/>
+          <p:cNvSpPr/>
+          <p:nvPr/>
+        </p:nvSpPr>
+        <p:spPr>
+          <a:xfrm>
+            <a:off x="4114800" y="2952750"/>
+            <a:ext cx="2133600" cy="457200"/>
+          </a:xfrm>
+          <a:prstGeom prst="rect">
+            <a:avLst/>
+          </a:prstGeom>
+        </p:spPr>
+        <p:style>
+          <a:lnRef idx="2">
+            <a:schemeClr val="accent1">
+              <a:shade val="50000"/>
+            </a:schemeClr>
+          </a:lnRef>
+          <a:fillRef idx="1">
+            <a:schemeClr val="accent1"/>
+          </a:fillRef>
+          <a:effectRef idx="0">
+            <a:schemeClr val="accent1"/>
+          </a:effectRef>
+          <a:fontRef idx="minor">
+            <a:schemeClr val="lt1"/>
+          </a:fontRef>
+        </p:style>
+        <p:txBody>
+          <a:bodyPr rtlCol="0" anchor="ctr"/>
+          <a:lstStyle/>
+          <a:p>
+            <a:pPr algn="ctr"/>
+            <a:r>
+              <a:rPr lang="en-CA" dirty="0" err="1"/>
+              <a:t>GetObjectState</a:t>
+            </a:r>
+            <a:r>
+              <a:rPr lang="en-CA" dirty="0"/>
+              <a:t>()</a:t>
+            </a:r>
+          </a:p>
+        </p:txBody>
+      </p:sp>
+      <p:sp>
+        <p:nvSpPr>
+          <p:cNvPr id="52" name="Rectangle 51"/>
+          <p:cNvSpPr/>
+          <p:nvPr/>
+        </p:nvSpPr>
+        <p:spPr>
+          <a:xfrm>
+            <a:off x="4114800" y="3486150"/>
+            <a:ext cx="2133600" cy="457200"/>
+          </a:xfrm>
+          <a:prstGeom prst="rect">
+            <a:avLst/>
+          </a:prstGeom>
+        </p:spPr>
+        <p:style>
+          <a:lnRef idx="2">
+            <a:schemeClr val="accent1">
+              <a:shade val="50000"/>
+            </a:schemeClr>
+          </a:lnRef>
+          <a:fillRef idx="1">
+            <a:schemeClr val="accent1"/>
+          </a:fillRef>
+          <a:effectRef idx="0">
+            <a:schemeClr val="accent1"/>
+          </a:effectRef>
+          <a:fontRef idx="minor">
+            <a:schemeClr val="lt1"/>
+          </a:fontRef>
+        </p:style>
+        <p:txBody>
+          <a:bodyPr rtlCol="0" anchor="ctr"/>
+          <a:lstStyle/>
+          <a:p>
+            <a:pPr algn="ctr"/>
+            <a:r>
+              <a:rPr lang="en-CA" dirty="0" err="1"/>
+              <a:t>SetObjectState</a:t>
+            </a:r>
+            <a:r>
+              <a:rPr lang="en-CA" dirty="0"/>
+              <a:t>()</a:t>
+            </a:r>
+          </a:p>
+        </p:txBody>
+      </p:sp>
+      <p:cxnSp>
+        <p:nvCxnSpPr>
+          <p:cNvPr id="53" name="Straight Arrow Connector 52"/>
+          <p:cNvCxnSpPr>
+            <a:stCxn id="51" idx="1"/>
+            <a:endCxn id="7" idx="6"/>
+          </p:cNvCxnSpPr>
+          <p:nvPr/>
+        </p:nvCxnSpPr>
+        <p:spPr>
+          <a:xfrm flipH="1" flipV="1">
+            <a:off x="1981200" y="3143250"/>
+            <a:ext cx="2133600" cy="38100"/>
+          </a:xfrm>
+          <a:prstGeom prst="straightConnector1">
+            <a:avLst/>
+          </a:prstGeom>
+          <a:ln>
+            <a:tailEnd type="arrow"/>
+          </a:ln>
+        </p:spPr>
+        <p:style>
+          <a:lnRef idx="3">
+            <a:schemeClr val="accent4"/>
+          </a:lnRef>
+          <a:fillRef idx="0">
+            <a:schemeClr val="accent4"/>
+          </a:fillRef>
+          <a:effectRef idx="2">
+            <a:schemeClr val="accent4"/>
+          </a:effectRef>
+          <a:fontRef idx="minor">
+            <a:schemeClr val="tx1"/>
+          </a:fontRef>
+        </p:style>
+      </p:cxnSp>
+      <p:cxnSp>
+        <p:nvCxnSpPr>
+          <p:cNvPr id="54" name="Straight Arrow Connector 53"/>
+          <p:cNvCxnSpPr>
+            <a:stCxn id="52" idx="1"/>
+            <a:endCxn id="7" idx="6"/>
+          </p:cNvCxnSpPr>
+          <p:nvPr/>
+        </p:nvCxnSpPr>
+        <p:spPr>
+          <a:xfrm flipH="1" flipV="1">
+            <a:off x="1981200" y="3143250"/>
+            <a:ext cx="2133600" cy="571500"/>
+          </a:xfrm>
+          <a:prstGeom prst="straightConnector1">
+            <a:avLst/>
+          </a:prstGeom>
+          <a:ln>
+            <a:tailEnd type="arrow"/>
+          </a:ln>
+        </p:spPr>
+        <p:style>
+          <a:lnRef idx="3">
+            <a:schemeClr val="accent4"/>
+          </a:lnRef>
+          <a:fillRef idx="0">
+            <a:schemeClr val="accent4"/>
+          </a:fillRef>
+          <a:effectRef idx="2">
+            <a:schemeClr val="accent4"/>
+          </a:effectRef>
+          <a:fontRef idx="minor">
+            <a:schemeClr val="tx1"/>
+          </a:fontRef>
+        </p:style>
+      </p:cxnSp>
+      <p:cxnSp>
+        <p:nvCxnSpPr>
+          <p:cNvPr id="55" name="Straight Arrow Connector 54"/>
+          <p:cNvCxnSpPr>
+            <a:stCxn id="49" idx="2"/>
+            <a:endCxn id="51" idx="3"/>
+          </p:cNvCxnSpPr>
+          <p:nvPr/>
+        </p:nvCxnSpPr>
+        <p:spPr>
+          <a:xfrm flipH="1">
+            <a:off x="6248400" y="2724150"/>
+            <a:ext cx="1028700" cy="457200"/>
+          </a:xfrm>
+          <a:prstGeom prst="straightConnector1">
+            <a:avLst/>
+          </a:prstGeom>
+          <a:ln>
+            <a:tailEnd type="arrow"/>
+          </a:ln>
+        </p:spPr>
+        <p:style>
+          <a:lnRef idx="3">
+            <a:schemeClr val="accent4"/>
+          </a:lnRef>
+          <a:fillRef idx="0">
+            <a:schemeClr val="accent4"/>
+          </a:fillRef>
+          <a:effectRef idx="2">
+            <a:schemeClr val="accent4"/>
+          </a:effectRef>
+          <a:fontRef idx="minor">
+            <a:schemeClr val="tx1"/>
+          </a:fontRef>
+        </p:style>
+      </p:cxnSp>
+      <p:cxnSp>
+        <p:nvCxnSpPr>
+          <p:cNvPr id="56" name="Straight Arrow Connector 55"/>
+          <p:cNvCxnSpPr>
+            <a:stCxn id="49" idx="2"/>
+            <a:endCxn id="52" idx="3"/>
+          </p:cNvCxnSpPr>
+          <p:nvPr/>
+        </p:nvCxnSpPr>
+        <p:spPr>
+          <a:xfrm flipH="1">
+            <a:off x="6248400" y="2724150"/>
+            <a:ext cx="1028700" cy="990600"/>
+          </a:xfrm>
+          <a:prstGeom prst="straightConnector1">
+            <a:avLst/>
+          </a:prstGeom>
+          <a:ln>
+            <a:tailEnd type="arrow"/>
+          </a:ln>
+        </p:spPr>
+        <p:style>
+          <a:lnRef idx="3">
+            <a:schemeClr val="accent4"/>
+          </a:lnRef>
+          <a:fillRef idx="0">
+            <a:schemeClr val="accent4"/>
+          </a:fillRef>
+          <a:effectRef idx="2">
+            <a:schemeClr val="accent4"/>
+          </a:effectRef>
+          <a:fontRef idx="minor">
+            <a:schemeClr val="tx1"/>
+          </a:fontRef>
+        </p:style>
+      </p:cxnSp>
+    </p:spTree>
+  </p:cSld>
+  <p:clrMapOvr>
+    <a:masterClrMapping/>
+  </p:clrMapOvr>
+</p:sld>
+</file>
+
+<file path=ppt/slides/slide11.xml><?xml version="1.0" encoding="utf-8"?>
+<p:sld xmlns:a="http://schemas.openxmlformats.org/drawingml/2006/main" xmlns:r="http://schemas.openxmlformats.org/officeDocument/2006/relationships" xmlns:p="http://schemas.openxmlformats.org/presentationml/2006/main">
+  <p:cSld>
+    <p:spTree>
+      <p:nvGrpSpPr>
+        <p:cNvPr id="1" name=""/>
+        <p:cNvGrpSpPr/>
+        <p:nvPr/>
+      </p:nvGrpSpPr>
+      <p:grpSpPr>
+        <a:xfrm>
+          <a:off x="0" y="0"/>
+          <a:ext cx="0" cy="0"/>
+          <a:chOff x="0" y="0"/>
+          <a:chExt cx="0" cy="0"/>
+        </a:xfrm>
+      </p:grpSpPr>
+      <p:sp>
+        <p:nvSpPr>
+          <p:cNvPr id="2" name="Title 1"/>
+          <p:cNvSpPr>
+            <a:spLocks noGrp="1"/>
+          </p:cNvSpPr>
+          <p:nvPr>
+            <p:ph type="title"/>
+          </p:nvPr>
+        </p:nvSpPr>
+        <p:spPr>
+          <a:xfrm>
+            <a:off x="457200" y="205979"/>
+            <a:ext cx="8229600" cy="613171"/>
+          </a:xfrm>
+        </p:spPr>
+        <p:txBody>
+          <a:bodyPr>
+            <a:normAutofit fontScale="90000"/>
+          </a:bodyPr>
+          <a:lstStyle/>
+          <a:p>
+            <a:r>
+              <a:rPr lang="en-CA" dirty="0" err="1"/>
+              <a:t>Lua</a:t>
+            </a:r>
+            <a:r>
+              <a:rPr lang="en-CA" dirty="0"/>
+              <a:t> tables</a:t>
+            </a:r>
+          </a:p>
+        </p:txBody>
+      </p:sp>
+      <p:sp>
+        <p:nvSpPr>
+          <p:cNvPr id="3" name="Content Placeholder 2"/>
+          <p:cNvSpPr>
+            <a:spLocks noGrp="1"/>
+          </p:cNvSpPr>
+          <p:nvPr>
+            <p:ph idx="1"/>
+          </p:nvPr>
+        </p:nvSpPr>
+        <p:spPr>
+          <a:xfrm>
+            <a:off x="457200" y="895351"/>
+            <a:ext cx="8229600" cy="2286000"/>
+          </a:xfrm>
+        </p:spPr>
+        <p:txBody>
+          <a:bodyPr>
+            <a:normAutofit/>
+          </a:bodyPr>
+          <a:lstStyle/>
+          <a:p>
+            <a:r>
+              <a:rPr lang="en-US" dirty="0"/>
+              <a:t>Only “container” type, can mimic almost any other common container</a:t>
+            </a:r>
+          </a:p>
+          <a:p>
+            <a:r>
+              <a:rPr lang="en-US" dirty="0"/>
+              <a:t>They are “associative arrays”:</a:t>
+            </a:r>
+          </a:p>
+          <a:p>
+            <a:pPr lvl="1"/>
+            <a:r>
+              <a:rPr lang="en-US" dirty="0"/>
+              <a:t>Arrays that use anything as an index (like PHP)</a:t>
+            </a:r>
+          </a:p>
+          <a:p>
+            <a:pPr>
+              <a:buNone/>
+            </a:pPr>
+            <a:endParaRPr lang="en-CA" dirty="0"/>
+          </a:p>
+          <a:p>
+            <a:endParaRPr lang="en-CA" dirty="0"/>
+          </a:p>
+        </p:txBody>
+      </p:sp>
+      <p:sp>
+        <p:nvSpPr>
+          <p:cNvPr id="4" name="AutoShape 6"/>
+          <p:cNvSpPr>
+            <a:spLocks noChangeArrowheads="1"/>
+          </p:cNvSpPr>
+          <p:nvPr/>
+        </p:nvSpPr>
+        <p:spPr bwMode="auto">
+          <a:xfrm>
+            <a:off x="8534400" y="4800600"/>
+            <a:ext cx="609600" cy="342900"/>
+          </a:xfrm>
+          <a:prstGeom prst="rightArrow">
+            <a:avLst>
+              <a:gd name="adj1" fmla="val 50000"/>
+              <a:gd name="adj2" fmla="val 33333"/>
+            </a:avLst>
+          </a:prstGeom>
+          <a:noFill/>
+          <a:ln w="19050">
+            <a:solidFill>
+              <a:srgbClr val="969696"/>
+            </a:solidFill>
+            <a:miter lim="800000"/>
+            <a:headEnd/>
+            <a:tailEnd/>
+          </a:ln>
+        </p:spPr>
+        <p:txBody>
+          <a:bodyPr wrap="none" anchor="ctr"/>
+          <a:lstStyle/>
+          <a:p>
+            <a:endParaRPr lang="en-CA" dirty="0"/>
+          </a:p>
+        </p:txBody>
+      </p:sp>
+      <p:sp>
+        <p:nvSpPr>
+          <p:cNvPr id="7" name="Rectangle 6"/>
+          <p:cNvSpPr/>
+          <p:nvPr/>
+        </p:nvSpPr>
+        <p:spPr>
+          <a:xfrm>
+            <a:off x="533400" y="3181350"/>
+            <a:ext cx="2362200" cy="1524000"/>
+          </a:xfrm>
+          <a:prstGeom prst="rect">
+            <a:avLst/>
+          </a:prstGeom>
+        </p:spPr>
+        <p:style>
+          <a:lnRef idx="2">
+            <a:schemeClr val="accent1">
+              <a:shade val="50000"/>
+            </a:schemeClr>
+          </a:lnRef>
+          <a:fillRef idx="1">
+            <a:schemeClr val="accent1"/>
+          </a:fillRef>
+          <a:effectRef idx="0">
+            <a:schemeClr val="accent1"/>
+          </a:effectRef>
+          <a:fontRef idx="minor">
+            <a:schemeClr val="lt1"/>
+          </a:fontRef>
+        </p:style>
+        <p:txBody>
+          <a:bodyPr rtlCol="0" anchor="ctr" anchorCtr="0"/>
+          <a:lstStyle/>
+          <a:p>
+            <a:pPr algn="ctr"/>
+            <a:r>
+              <a:rPr lang="en-US" dirty="0"/>
+              <a:t>a = {}</a:t>
+            </a:r>
+          </a:p>
+          <a:p>
+            <a:pPr algn="ctr"/>
+            <a:r>
+              <a:rPr lang="en-US" dirty="0"/>
+              <a:t>K = a</a:t>
+            </a:r>
+          </a:p>
+          <a:p>
+            <a:pPr algn="ctr"/>
+            <a:r>
+              <a:rPr lang="en-US" dirty="0"/>
+              <a:t>a = nil</a:t>
+            </a:r>
+            <a:endParaRPr lang="en-CA" dirty="0"/>
+          </a:p>
+        </p:txBody>
+      </p:sp>
+      <p:sp>
+        <p:nvSpPr>
+          <p:cNvPr id="10" name="Rectangle 9"/>
+          <p:cNvSpPr/>
+          <p:nvPr/>
+        </p:nvSpPr>
+        <p:spPr>
+          <a:xfrm>
+            <a:off x="3276600" y="3181350"/>
+            <a:ext cx="2438400" cy="1524000"/>
+          </a:xfrm>
+          <a:prstGeom prst="rect">
+            <a:avLst/>
+          </a:prstGeom>
+        </p:spPr>
+        <p:style>
+          <a:lnRef idx="2">
+            <a:schemeClr val="accent1">
+              <a:shade val="50000"/>
+            </a:schemeClr>
+          </a:lnRef>
+          <a:fillRef idx="1">
+            <a:schemeClr val="accent1"/>
+          </a:fillRef>
+          <a:effectRef idx="0">
+            <a:schemeClr val="accent1"/>
+          </a:effectRef>
+          <a:fontRef idx="minor">
+            <a:schemeClr val="lt1"/>
+          </a:fontRef>
+        </p:style>
+        <p:txBody>
+          <a:bodyPr rtlCol="0" anchor="ctr" anchorCtr="0"/>
+          <a:lstStyle/>
+          <a:p>
+            <a:pPr algn="ctr"/>
+            <a:r>
+              <a:rPr lang="en-US" dirty="0"/>
+              <a:t>a[5] = 10</a:t>
+            </a:r>
+          </a:p>
+          <a:p>
+            <a:pPr algn="ctr"/>
+            <a:r>
+              <a:rPr lang="en-US" dirty="0"/>
+              <a:t>a[5]  = “Yolo”</a:t>
+            </a:r>
+          </a:p>
+          <a:p>
+            <a:pPr algn="ctr"/>
+            <a:r>
+              <a:rPr lang="en-US" dirty="0"/>
+              <a:t>a[“5”] = 10</a:t>
+            </a:r>
+          </a:p>
+        </p:txBody>
+      </p:sp>
+      <p:sp>
+        <p:nvSpPr>
+          <p:cNvPr id="12" name="Rectangle 11"/>
+          <p:cNvSpPr/>
+          <p:nvPr/>
+        </p:nvSpPr>
+        <p:spPr>
+          <a:xfrm>
+            <a:off x="6019800" y="3181350"/>
+            <a:ext cx="2819400" cy="1524000"/>
+          </a:xfrm>
+          <a:prstGeom prst="rect">
+            <a:avLst/>
+          </a:prstGeom>
+        </p:spPr>
+        <p:style>
+          <a:lnRef idx="2">
+            <a:schemeClr val="accent1">
+              <a:shade val="50000"/>
+            </a:schemeClr>
+          </a:lnRef>
+          <a:fillRef idx="1">
+            <a:schemeClr val="accent1"/>
+          </a:fillRef>
+          <a:effectRef idx="0">
+            <a:schemeClr val="accent1"/>
+          </a:effectRef>
+          <a:fontRef idx="minor">
+            <a:schemeClr val="lt1"/>
+          </a:fontRef>
+        </p:style>
+        <p:txBody>
+          <a:bodyPr rtlCol="0" anchor="ctr" anchorCtr="0"/>
+          <a:lstStyle/>
+          <a:p>
+            <a:pPr algn="ctr"/>
+            <a:r>
+              <a:rPr lang="en-US" dirty="0"/>
+              <a:t>a[“Yolo”] = 17</a:t>
+            </a:r>
+          </a:p>
+          <a:p>
+            <a:pPr algn="ctr"/>
+            <a:r>
+              <a:rPr lang="en-US" dirty="0"/>
+              <a:t>A[“Yolo”] = a[“Yolo”] + 1</a:t>
+            </a:r>
+            <a:endParaRPr lang="en-CA" dirty="0"/>
+          </a:p>
+        </p:txBody>
+      </p:sp>
+    </p:spTree>
+  </p:cSld>
+  <p:clrMapOvr>
+    <a:masterClrMapping/>
+  </p:clrMapOvr>
+  <p:timing>
+    <p:tnLst>
+      <p:par>
+        <p:cTn id="1" dur="indefinite" restart="never" nodeType="tmRoot">
+          <p:childTnLst>
+            <p:seq concurrent="1" nextAc="seek">
+              <p:cTn id="2" dur="indefinite" nodeType="mainSeq">
+                <p:childTnLst>
+                  <p:par>
+                    <p:cTn id="3" fill="hold">
+                      <p:stCondLst>
+                        <p:cond delay="indefinite"/>
+                      </p:stCondLst>
+                      <p:childTnLst>
+                        <p:par>
+                          <p:cTn id="4" fill="hold">
+                            <p:stCondLst>
+                              <p:cond delay="0"/>
+                            </p:stCondLst>
+                            <p:childTnLst>
+                              <p:par>
+                                <p:cTn id="5" presetID="5" presetClass="entr" presetSubtype="10" fill="hold" grpId="0" nodeType="clickEffect">
+                                  <p:stCondLst>
+                                    <p:cond delay="0"/>
+                                  </p:stCondLst>
+                                  <p:childTnLst>
+                                    <p:set>
+                                      <p:cBhvr>
+                                        <p:cTn id="6" dur="1" fill="hold">
+                                          <p:stCondLst>
+                                            <p:cond delay="0"/>
+                                          </p:stCondLst>
+                                        </p:cTn>
+                                        <p:tgtEl>
+                                          <p:spTgt spid="3">
+                                            <p:txEl>
+                                              <p:pRg st="0" end="0"/>
+                                            </p:txEl>
+                                          </p:spTgt>
+                                        </p:tgtEl>
+                                        <p:attrNameLst>
+                                          <p:attrName>style.visibility</p:attrName>
+                                        </p:attrNameLst>
+                                      </p:cBhvr>
+                                      <p:to>
+                                        <p:strVal val="visible"/>
+                                      </p:to>
+                                    </p:set>
+                                    <p:animEffect transition="in" filter="checkerboard(across)">
+                                      <p:cBhvr>
+                                        <p:cTn id="7" dur="500"/>
+                                        <p:tgtEl>
+                                          <p:spTgt spid="3">
+                                            <p:txEl>
+                                              <p:pRg st="0" end="0"/>
+                                            </p:txEl>
+                                          </p:spTgt>
+                                        </p:tgtEl>
+                                      </p:cBhvr>
+                                    </p:animEffect>
+                                  </p:childTnLst>
+                                </p:cTn>
+                              </p:par>
+                            </p:childTnLst>
+                          </p:cTn>
+                        </p:par>
+                      </p:childTnLst>
+                    </p:cTn>
+                  </p:par>
+                  <p:par>
+                    <p:cTn id="8" fill="hold">
+                      <p:stCondLst>
+                        <p:cond delay="indefinite"/>
+                      </p:stCondLst>
+                      <p:childTnLst>
+                        <p:par>
+                          <p:cTn id="9" fill="hold">
+                            <p:stCondLst>
+                              <p:cond delay="0"/>
+                            </p:stCondLst>
+                            <p:childTnLst>
+                              <p:par>
+                                <p:cTn id="10" presetID="5" presetClass="entr" presetSubtype="10" fill="hold" grpId="0" nodeType="clickEffect">
+                                  <p:stCondLst>
+                                    <p:cond delay="0"/>
+                                  </p:stCondLst>
+                                  <p:childTnLst>
+                                    <p:set>
+                                      <p:cBhvr>
+                                        <p:cTn id="11" dur="1" fill="hold">
+                                          <p:stCondLst>
+                                            <p:cond delay="0"/>
+                                          </p:stCondLst>
+                                        </p:cTn>
+                                        <p:tgtEl>
+                                          <p:spTgt spid="3">
+                                            <p:txEl>
+                                              <p:pRg st="1" end="1"/>
+                                            </p:txEl>
+                                          </p:spTgt>
+                                        </p:tgtEl>
+                                        <p:attrNameLst>
+                                          <p:attrName>style.visibility</p:attrName>
+                                        </p:attrNameLst>
+                                      </p:cBhvr>
+                                      <p:to>
+                                        <p:strVal val="visible"/>
+                                      </p:to>
+                                    </p:set>
+                                    <p:animEffect transition="in" filter="checkerboard(across)">
+                                      <p:cBhvr>
+                                        <p:cTn id="12" dur="500"/>
+                                        <p:tgtEl>
+                                          <p:spTgt spid="3">
+                                            <p:txEl>
+                                              <p:pRg st="1" end="1"/>
+                                            </p:txEl>
+                                          </p:spTgt>
+                                        </p:tgtEl>
+                                      </p:cBhvr>
+                                    </p:animEffect>
+                                  </p:childTnLst>
+                                </p:cTn>
+                              </p:par>
+                              <p:par>
+                                <p:cTn id="13" presetID="5" presetClass="entr" presetSubtype="10" fill="hold" grpId="0" nodeType="withEffect">
+                                  <p:stCondLst>
+                                    <p:cond delay="0"/>
+                                  </p:stCondLst>
+                                  <p:childTnLst>
+                                    <p:set>
+                                      <p:cBhvr>
+                                        <p:cTn id="14" dur="1" fill="hold">
+                                          <p:stCondLst>
+                                            <p:cond delay="0"/>
+                                          </p:stCondLst>
+                                        </p:cTn>
+                                        <p:tgtEl>
+                                          <p:spTgt spid="3">
+                                            <p:txEl>
+                                              <p:pRg st="2" end="2"/>
+                                            </p:txEl>
+                                          </p:spTgt>
+                                        </p:tgtEl>
+                                        <p:attrNameLst>
+                                          <p:attrName>style.visibility</p:attrName>
+                                        </p:attrNameLst>
+                                      </p:cBhvr>
+                                      <p:to>
+                                        <p:strVal val="visible"/>
+                                      </p:to>
+                                    </p:set>
+                                    <p:animEffect transition="in" filter="checkerboard(across)">
+                                      <p:cBhvr>
+                                        <p:cTn id="15" dur="500"/>
+                                        <p:tgtEl>
+                                          <p:spTgt spid="3">
+                                            <p:txEl>
+                                              <p:pRg st="2" end="2"/>
+                                            </p:txEl>
+                                          </p:spTgt>
+                                        </p:tgtEl>
+                                      </p:cBhvr>
+                                    </p:animEffect>
+                                  </p:childTnLst>
+                                </p:cTn>
+                              </p:par>
+                            </p:childTnLst>
+                          </p:cTn>
+                        </p:par>
+                      </p:childTnLst>
+                    </p:cTn>
+                  </p:par>
+                  <p:par>
+                    <p:cTn id="16" fill="hold">
+                      <p:stCondLst>
+                        <p:cond delay="indefinite"/>
+                      </p:stCondLst>
+                      <p:childTnLst>
+                        <p:par>
+                          <p:cTn id="17" fill="hold">
+                            <p:stCondLst>
+                              <p:cond delay="0"/>
+                            </p:stCondLst>
+                            <p:childTnLst>
+                              <p:par>
+                                <p:cTn id="18" presetID="10" presetClass="entr" presetSubtype="0" fill="hold" grpId="0" nodeType="clickEffect">
+                                  <p:stCondLst>
+                                    <p:cond delay="0"/>
+                                  </p:stCondLst>
+                                  <p:childTnLst>
+                                    <p:set>
+                                      <p:cBhvr>
+                                        <p:cTn id="19" dur="1" fill="hold">
+                                          <p:stCondLst>
+                                            <p:cond delay="0"/>
+                                          </p:stCondLst>
+                                        </p:cTn>
+                                        <p:tgtEl>
+                                          <p:spTgt spid="4"/>
+                                        </p:tgtEl>
+                                        <p:attrNameLst>
+                                          <p:attrName>style.visibility</p:attrName>
+                                        </p:attrNameLst>
+                                      </p:cBhvr>
+                                      <p:to>
+                                        <p:strVal val="visible"/>
+                                      </p:to>
+                                    </p:set>
+                                    <p:animEffect transition="in" filter="fade">
+                                      <p:cBhvr>
+                                        <p:cTn id="20" dur="500"/>
+                                        <p:tgtEl>
+                                          <p:spTgt spid="4"/>
+                                        </p:tgtEl>
+                                      </p:cBhvr>
+                                    </p:animEffect>
+                                  </p:childTnLst>
+                                </p:cTn>
+                              </p:par>
+                            </p:childTnLst>
+                          </p:cTn>
+                        </p:par>
+                      </p:childTnLst>
+                    </p:cTn>
+                  </p:par>
+                </p:childTnLst>
+              </p:cTn>
+              <p:prevCondLst>
+                <p:cond evt="onPrev" delay="0">
+                  <p:tgtEl>
+                    <p:sldTgt/>
+                  </p:tgtEl>
+                </p:cond>
+              </p:prevCondLst>
+              <p:nextCondLst>
+                <p:cond evt="onNext" delay="0">
+                  <p:tgtEl>
+                    <p:sldTgt/>
+                  </p:tgtEl>
+                </p:cond>
+              </p:nextCondLst>
+            </p:seq>
+          </p:childTnLst>
+        </p:cTn>
+      </p:par>
+    </p:tnLst>
+    <p:bldLst>
+      <p:bldP spid="3" grpId="0" build="p"/>
+      <p:bldP spid="4" grpId="0" animBg="1"/>
+    </p:bldLst>
+  </p:timing>
+</p:sld>
+</file>
+
+<file path=ppt/slides/slide12.xml><?xml version="1.0" encoding="utf-8"?>
+<p:sld xmlns:a="http://schemas.openxmlformats.org/drawingml/2006/main" xmlns:r="http://schemas.openxmlformats.org/officeDocument/2006/relationships" xmlns:p="http://schemas.openxmlformats.org/presentationml/2006/main">
+  <p:cSld>
+    <p:spTree>
+      <p:nvGrpSpPr>
+        <p:cNvPr id="1" name=""/>
+        <p:cNvGrpSpPr/>
+        <p:nvPr/>
+      </p:nvGrpSpPr>
+      <p:grpSpPr>
+        <a:xfrm>
+          <a:off x="0" y="0"/>
+          <a:ext cx="0" cy="0"/>
+          <a:chOff x="0" y="0"/>
+          <a:chExt cx="0" cy="0"/>
+        </a:xfrm>
+      </p:grpSpPr>
+      <p:sp>
+        <p:nvSpPr>
           <p:cNvPr id="2" name="Title 1"/>
           <p:cNvSpPr>
             <a:spLocks noGrp="1"/>
@@ -4471,7 +5976,7 @@
 </p:sld>
 </file>
 
-<file path=ppt/slides/slide11.xml><?xml version="1.0" encoding="utf-8"?>
+<file path=ppt/slides/slide13.xml><?xml version="1.0" encoding="utf-8"?>
 <p:sld xmlns:a="http://schemas.openxmlformats.org/drawingml/2006/main" xmlns:r="http://schemas.openxmlformats.org/officeDocument/2006/relationships" xmlns:p="http://schemas.openxmlformats.org/presentationml/2006/main">
   <p:cSld>
     <p:spTree>
@@ -5045,7 +6550,7 @@
 </p:sld>
 </file>
 
-<file path=ppt/slides/slide12.xml><?xml version="1.0" encoding="utf-8"?>
+<file path=ppt/slides/slide14.xml><?xml version="1.0" encoding="utf-8"?>
 <p:sld xmlns:a="http://schemas.openxmlformats.org/drawingml/2006/main" xmlns:r="http://schemas.openxmlformats.org/officeDocument/2006/relationships" xmlns:p="http://schemas.openxmlformats.org/presentationml/2006/main">
   <p:cSld>
     <p:spTree>
@@ -5476,7 +6981,7 @@
 </p:sld>
 </file>
 
-<file path=ppt/slides/slide13.xml><?xml version="1.0" encoding="utf-8"?>
+<file path=ppt/slides/slide15.xml><?xml version="1.0" encoding="utf-8"?>
 <p:sld xmlns:a="http://schemas.openxmlformats.org/drawingml/2006/main" xmlns:r="http://schemas.openxmlformats.org/officeDocument/2006/relationships" xmlns:p="http://schemas.openxmlformats.org/presentationml/2006/main">
   <p:cSld>
     <p:spTree>
@@ -5923,7 +7428,7 @@
 </p:sld>
 </file>
 
-<file path=ppt/slides/slide14.xml><?xml version="1.0" encoding="utf-8"?>
+<file path=ppt/slides/slide16.xml><?xml version="1.0" encoding="utf-8"?>
 <p:sld xmlns:a="http://schemas.openxmlformats.org/drawingml/2006/main" xmlns:r="http://schemas.openxmlformats.org/officeDocument/2006/relationships" xmlns:p="http://schemas.openxmlformats.org/presentationml/2006/main">
   <p:cSld>
     <p:spTree>
@@ -6403,7 +7908,7 @@
 </p:sld>
 </file>
 
-<file path=ppt/slides/slide15.xml><?xml version="1.0" encoding="utf-8"?>
+<file path=ppt/slides/slide17.xml><?xml version="1.0" encoding="utf-8"?>
 <p:sld xmlns:a="http://schemas.openxmlformats.org/drawingml/2006/main" xmlns:r="http://schemas.openxmlformats.org/officeDocument/2006/relationships" xmlns:p="http://schemas.openxmlformats.org/presentationml/2006/main">
   <p:cSld>
     <p:spTree>
@@ -6739,7 +8244,7 @@
 </p:sld>
 </file>
 
-<file path=ppt/slides/slide16.xml><?xml version="1.0" encoding="utf-8"?>
+<file path=ppt/slides/slide18.xml><?xml version="1.0" encoding="utf-8"?>
 <p:sld xmlns:a="http://schemas.openxmlformats.org/drawingml/2006/main" xmlns:r="http://schemas.openxmlformats.org/officeDocument/2006/relationships" xmlns:p="http://schemas.openxmlformats.org/presentationml/2006/main">
   <p:cSld>
     <p:spTree>
@@ -7097,7 +8602,7 @@
 </p:sld>
 </file>
 
-<file path=ppt/slides/slide17.xml><?xml version="1.0" encoding="utf-8"?>
+<file path=ppt/slides/slide19.xml><?xml version="1.0" encoding="utf-8"?>
 <p:sld xmlns:a="http://schemas.openxmlformats.org/drawingml/2006/main" xmlns:r="http://schemas.openxmlformats.org/officeDocument/2006/relationships" xmlns:p="http://schemas.openxmlformats.org/presentationml/2006/main">
   <p:cSld>
     <p:spTree>
@@ -9175,73 +10680,593 @@
             <a:spLocks noGrp="1"/>
           </p:cNvSpPr>
           <p:nvPr>
-            <p:ph type="title"/>
+            <p:ph type="ctrTitle"/>
           </p:nvPr>
         </p:nvSpPr>
-        <p:spPr/>
-        <p:txBody>
-          <a:bodyPr/>
-          <a:lstStyle/>
-          <a:p>
-            <a:r>
-              <a:rPr lang="en-CA" dirty="0"/>
-              <a:t>Using </a:t>
-            </a:r>
-            <a:r>
-              <a:rPr lang="en-CA" dirty="0" err="1"/>
-              <a:t>Lua</a:t>
-            </a:r>
-            <a:r>
-              <a:rPr lang="en-CA" dirty="0"/>
-              <a:t> for control…</a:t>
-            </a:r>
-          </a:p>
-        </p:txBody>
-      </p:sp>
-      <p:sp>
-        <p:nvSpPr>
-          <p:cNvPr id="3" name="Content Placeholder 2"/>
-          <p:cNvSpPr>
-            <a:spLocks noGrp="1"/>
+        <p:spPr>
+          <a:xfrm>
+            <a:off x="345830" y="340263"/>
+            <a:ext cx="8340969" cy="1317087"/>
+          </a:xfrm>
+        </p:spPr>
+        <p:txBody>
+          <a:bodyPr>
+            <a:noAutofit/>
+          </a:bodyPr>
+          <a:lstStyle/>
+          <a:p>
+            <a:pPr algn="l"/>
+            <a:r>
+              <a:rPr lang="en-US" sz="2800" dirty="0"/>
+              <a:t>When </a:t>
+            </a:r>
+            <a:r>
+              <a:rPr lang="en-US" sz="2800" dirty="0" err="1"/>
+              <a:t>lua</a:t>
+            </a:r>
+            <a:r>
+              <a:rPr lang="en-US" sz="2800" dirty="0"/>
+              <a:t> calls a function, any parameters are placed on the </a:t>
+            </a:r>
+            <a:r>
+              <a:rPr lang="en-US" sz="2800" dirty="0" err="1"/>
+              <a:t>lua</a:t>
+            </a:r>
+            <a:r>
+              <a:rPr lang="en-US" sz="2800" dirty="0"/>
+              <a:t> stack. You don’t have to use these.</a:t>
+            </a:r>
+            <a:br>
+              <a:rPr lang="en-US" sz="2800" dirty="0"/>
+            </a:br>
+            <a:r>
+              <a:rPr lang="en-US" sz="2800" dirty="0"/>
+              <a:t>If you do, they are indexed by 1</a:t>
+            </a:r>
+            <a:endParaRPr lang="en-CA" sz="2800" dirty="0"/>
+          </a:p>
+        </p:txBody>
+      </p:sp>
+      <p:sp>
+        <p:nvSpPr>
+          <p:cNvPr id="5" name="Rectangle 4"/>
+          <p:cNvSpPr/>
+          <p:nvPr/>
+        </p:nvSpPr>
+        <p:spPr>
+          <a:xfrm>
+            <a:off x="5867400" y="4514850"/>
+            <a:ext cx="2895600" cy="342900"/>
+          </a:xfrm>
+          <a:prstGeom prst="rect">
+            <a:avLst/>
+          </a:prstGeom>
+        </p:spPr>
+        <p:style>
+          <a:lnRef idx="2">
+            <a:schemeClr val="accent1">
+              <a:shade val="50000"/>
+            </a:schemeClr>
+          </a:lnRef>
+          <a:fillRef idx="1">
+            <a:schemeClr val="accent1"/>
+          </a:fillRef>
+          <a:effectRef idx="0">
+            <a:schemeClr val="accent1"/>
+          </a:effectRef>
+          <a:fontRef idx="minor">
+            <a:schemeClr val="lt1"/>
+          </a:fontRef>
+        </p:style>
+        <p:txBody>
+          <a:bodyPr rtlCol="0" anchor="ctr"/>
+          <a:lstStyle/>
+          <a:p>
+            <a:pPr algn="ctr"/>
+            <a:endParaRPr lang="en-CA"/>
+          </a:p>
+        </p:txBody>
+      </p:sp>
+      <p:sp>
+        <p:nvSpPr>
+          <p:cNvPr id="7" name="Rectangle 6"/>
+          <p:cNvSpPr/>
+          <p:nvPr/>
+        </p:nvSpPr>
+        <p:spPr>
+          <a:xfrm>
+            <a:off x="5867400" y="4171950"/>
+            <a:ext cx="2895600" cy="342900"/>
+          </a:xfrm>
+          <a:prstGeom prst="rect">
+            <a:avLst/>
+          </a:prstGeom>
+        </p:spPr>
+        <p:style>
+          <a:lnRef idx="2">
+            <a:schemeClr val="accent1">
+              <a:shade val="50000"/>
+            </a:schemeClr>
+          </a:lnRef>
+          <a:fillRef idx="1">
+            <a:schemeClr val="accent1"/>
+          </a:fillRef>
+          <a:effectRef idx="0">
+            <a:schemeClr val="accent1"/>
+          </a:effectRef>
+          <a:fontRef idx="minor">
+            <a:schemeClr val="lt1"/>
+          </a:fontRef>
+        </p:style>
+        <p:txBody>
+          <a:bodyPr rtlCol="0" anchor="ctr"/>
+          <a:lstStyle/>
+          <a:p>
+            <a:pPr algn="ctr"/>
+            <a:endParaRPr lang="en-CA"/>
+          </a:p>
+        </p:txBody>
+      </p:sp>
+      <p:sp>
+        <p:nvSpPr>
+          <p:cNvPr id="8" name="Rectangle 7"/>
+          <p:cNvSpPr/>
+          <p:nvPr/>
+        </p:nvSpPr>
+        <p:spPr>
+          <a:xfrm>
+            <a:off x="5867400" y="3829050"/>
+            <a:ext cx="2895600" cy="342900"/>
+          </a:xfrm>
+          <a:prstGeom prst="rect">
+            <a:avLst/>
+          </a:prstGeom>
+        </p:spPr>
+        <p:style>
+          <a:lnRef idx="2">
+            <a:schemeClr val="accent1">
+              <a:shade val="50000"/>
+            </a:schemeClr>
+          </a:lnRef>
+          <a:fillRef idx="1">
+            <a:schemeClr val="accent1"/>
+          </a:fillRef>
+          <a:effectRef idx="0">
+            <a:schemeClr val="accent1"/>
+          </a:effectRef>
+          <a:fontRef idx="minor">
+            <a:schemeClr val="lt1"/>
+          </a:fontRef>
+        </p:style>
+        <p:txBody>
+          <a:bodyPr rtlCol="0" anchor="ctr"/>
+          <a:lstStyle/>
+          <a:p>
+            <a:pPr algn="ctr"/>
+            <a:endParaRPr lang="en-CA"/>
+          </a:p>
+        </p:txBody>
+      </p:sp>
+      <p:sp>
+        <p:nvSpPr>
+          <p:cNvPr id="9" name="Rectangle 8"/>
+          <p:cNvSpPr/>
+          <p:nvPr/>
+        </p:nvSpPr>
+        <p:spPr>
+          <a:xfrm>
+            <a:off x="5867400" y="3486150"/>
+            <a:ext cx="2895600" cy="342900"/>
+          </a:xfrm>
+          <a:prstGeom prst="rect">
+            <a:avLst/>
+          </a:prstGeom>
+        </p:spPr>
+        <p:style>
+          <a:lnRef idx="2">
+            <a:schemeClr val="accent1">
+              <a:shade val="50000"/>
+            </a:schemeClr>
+          </a:lnRef>
+          <a:fillRef idx="1">
+            <a:schemeClr val="accent1"/>
+          </a:fillRef>
+          <a:effectRef idx="0">
+            <a:schemeClr val="accent1"/>
+          </a:effectRef>
+          <a:fontRef idx="minor">
+            <a:schemeClr val="lt1"/>
+          </a:fontRef>
+        </p:style>
+        <p:txBody>
+          <a:bodyPr rtlCol="0" anchor="ctr"/>
+          <a:lstStyle/>
+          <a:p>
+            <a:pPr algn="ctr"/>
+            <a:endParaRPr lang="en-CA"/>
+          </a:p>
+        </p:txBody>
+      </p:sp>
+      <p:sp>
+        <p:nvSpPr>
+          <p:cNvPr id="10" name="Rectangle 9"/>
+          <p:cNvSpPr/>
+          <p:nvPr/>
+        </p:nvSpPr>
+        <p:spPr>
+          <a:xfrm>
+            <a:off x="5867400" y="3143250"/>
+            <a:ext cx="2895600" cy="342900"/>
+          </a:xfrm>
+          <a:prstGeom prst="rect">
+            <a:avLst/>
+          </a:prstGeom>
+        </p:spPr>
+        <p:style>
+          <a:lnRef idx="2">
+            <a:schemeClr val="accent1">
+              <a:shade val="50000"/>
+            </a:schemeClr>
+          </a:lnRef>
+          <a:fillRef idx="1">
+            <a:schemeClr val="accent1"/>
+          </a:fillRef>
+          <a:effectRef idx="0">
+            <a:schemeClr val="accent1"/>
+          </a:effectRef>
+          <a:fontRef idx="minor">
+            <a:schemeClr val="lt1"/>
+          </a:fontRef>
+        </p:style>
+        <p:txBody>
+          <a:bodyPr rtlCol="0" anchor="ctr"/>
+          <a:lstStyle/>
+          <a:p>
+            <a:pPr algn="ctr"/>
+            <a:endParaRPr lang="en-CA" sz="2800" dirty="0"/>
+          </a:p>
+        </p:txBody>
+      </p:sp>
+      <p:sp>
+        <p:nvSpPr>
+          <p:cNvPr id="11" name="Rectangle 10"/>
+          <p:cNvSpPr/>
+          <p:nvPr/>
+        </p:nvSpPr>
+        <p:spPr>
+          <a:xfrm>
+            <a:off x="5867400" y="2800350"/>
+            <a:ext cx="2895600" cy="342900"/>
+          </a:xfrm>
+          <a:prstGeom prst="rect">
+            <a:avLst/>
+          </a:prstGeom>
+        </p:spPr>
+        <p:style>
+          <a:lnRef idx="2">
+            <a:schemeClr val="accent1">
+              <a:shade val="50000"/>
+            </a:schemeClr>
+          </a:lnRef>
+          <a:fillRef idx="1">
+            <a:schemeClr val="accent1"/>
+          </a:fillRef>
+          <a:effectRef idx="0">
+            <a:schemeClr val="accent1"/>
+          </a:effectRef>
+          <a:fontRef idx="minor">
+            <a:schemeClr val="lt1"/>
+          </a:fontRef>
+        </p:style>
+        <p:txBody>
+          <a:bodyPr rtlCol="0" anchor="ctr"/>
+          <a:lstStyle/>
+          <a:p>
+            <a:pPr algn="ctr"/>
+            <a:endParaRPr lang="en-CA" sz="3200" dirty="0"/>
+          </a:p>
+        </p:txBody>
+      </p:sp>
+      <p:sp>
+        <p:nvSpPr>
+          <p:cNvPr id="12" name="Rectangle 11"/>
+          <p:cNvSpPr/>
+          <p:nvPr/>
+        </p:nvSpPr>
+        <p:spPr>
+          <a:xfrm>
+            <a:off x="5867400" y="2457450"/>
+            <a:ext cx="2895600" cy="342900"/>
+          </a:xfrm>
+          <a:prstGeom prst="rect">
+            <a:avLst/>
+          </a:prstGeom>
+        </p:spPr>
+        <p:style>
+          <a:lnRef idx="2">
+            <a:schemeClr val="accent1">
+              <a:shade val="50000"/>
+            </a:schemeClr>
+          </a:lnRef>
+          <a:fillRef idx="1">
+            <a:schemeClr val="accent1"/>
+          </a:fillRef>
+          <a:effectRef idx="0">
+            <a:schemeClr val="accent1"/>
+          </a:effectRef>
+          <a:fontRef idx="minor">
+            <a:schemeClr val="lt1"/>
+          </a:fontRef>
+        </p:style>
+        <p:txBody>
+          <a:bodyPr rtlCol="0" anchor="ctr"/>
+          <a:lstStyle/>
+          <a:p>
+            <a:pPr algn="ctr"/>
+            <a:endParaRPr lang="en-CA" sz="3200" dirty="0"/>
+          </a:p>
+        </p:txBody>
+      </p:sp>
+      <p:sp>
+        <p:nvSpPr>
+          <p:cNvPr id="13" name="Rectangle 12"/>
+          <p:cNvSpPr/>
+          <p:nvPr/>
+        </p:nvSpPr>
+        <p:spPr>
+          <a:xfrm>
+            <a:off x="5867400" y="2114549"/>
+            <a:ext cx="2895600" cy="342900"/>
+          </a:xfrm>
+          <a:prstGeom prst="rect">
+            <a:avLst/>
+          </a:prstGeom>
+        </p:spPr>
+        <p:style>
+          <a:lnRef idx="2">
+            <a:schemeClr val="accent1">
+              <a:shade val="50000"/>
+            </a:schemeClr>
+          </a:lnRef>
+          <a:fillRef idx="1">
+            <a:schemeClr val="accent1"/>
+          </a:fillRef>
+          <a:effectRef idx="0">
+            <a:schemeClr val="accent1"/>
+          </a:effectRef>
+          <a:fontRef idx="minor">
+            <a:schemeClr val="lt1"/>
+          </a:fontRef>
+        </p:style>
+        <p:txBody>
+          <a:bodyPr rtlCol="0" anchor="ctr"/>
+          <a:lstStyle/>
+          <a:p>
+            <a:pPr algn="ctr"/>
+            <a:endParaRPr lang="en-CA" sz="2800" dirty="0"/>
+          </a:p>
+        </p:txBody>
+      </p:sp>
+      <p:sp>
+        <p:nvSpPr>
+          <p:cNvPr id="14" name="Rectangle 13"/>
+          <p:cNvSpPr/>
+          <p:nvPr/>
+        </p:nvSpPr>
+        <p:spPr>
+          <a:xfrm>
+            <a:off x="5867400" y="1771650"/>
+            <a:ext cx="2895600" cy="342900"/>
+          </a:xfrm>
+          <a:prstGeom prst="rect">
+            <a:avLst/>
+          </a:prstGeom>
+        </p:spPr>
+        <p:style>
+          <a:lnRef idx="2">
+            <a:schemeClr val="accent1">
+              <a:shade val="50000"/>
+            </a:schemeClr>
+          </a:lnRef>
+          <a:fillRef idx="1">
+            <a:schemeClr val="accent1"/>
+          </a:fillRef>
+          <a:effectRef idx="0">
+            <a:schemeClr val="accent1"/>
+          </a:effectRef>
+          <a:fontRef idx="minor">
+            <a:schemeClr val="lt1"/>
+          </a:fontRef>
+        </p:style>
+        <p:txBody>
+          <a:bodyPr rtlCol="0" anchor="ctr"/>
+          <a:lstStyle/>
+          <a:p>
+            <a:pPr algn="ctr"/>
+            <a:endParaRPr lang="en-CA" sz="3200" dirty="0"/>
+          </a:p>
+        </p:txBody>
+      </p:sp>
+      <p:sp>
+        <p:nvSpPr>
+          <p:cNvPr id="15" name="Rectangle 14"/>
+          <p:cNvSpPr/>
+          <p:nvPr/>
+        </p:nvSpPr>
+        <p:spPr>
+          <a:xfrm>
+            <a:off x="5867400" y="1428750"/>
+            <a:ext cx="2895600" cy="342900"/>
+          </a:xfrm>
+          <a:prstGeom prst="rect">
+            <a:avLst/>
+          </a:prstGeom>
+        </p:spPr>
+        <p:style>
+          <a:lnRef idx="2">
+            <a:schemeClr val="accent1">
+              <a:shade val="50000"/>
+            </a:schemeClr>
+          </a:lnRef>
+          <a:fillRef idx="1">
+            <a:schemeClr val="accent1"/>
+          </a:fillRef>
+          <a:effectRef idx="0">
+            <a:schemeClr val="accent1"/>
+          </a:effectRef>
+          <a:fontRef idx="minor">
+            <a:schemeClr val="lt1"/>
+          </a:fontRef>
+        </p:style>
+        <p:txBody>
+          <a:bodyPr rtlCol="0" anchor="ctr"/>
+          <a:lstStyle/>
+          <a:p>
+            <a:pPr algn="ctr"/>
+            <a:r>
+              <a:rPr lang="en-CA" sz="2800" dirty="0"/>
+              <a:t>Spider.bmp</a:t>
+            </a:r>
+          </a:p>
+        </p:txBody>
+      </p:sp>
+      <p:sp>
+        <p:nvSpPr>
+          <p:cNvPr id="16" name="Title 1"/>
+          <p:cNvSpPr txBox="1">
+            <a:spLocks/>
           </p:cNvSpPr>
-          <p:nvPr>
-            <p:ph idx="1"/>
-          </p:nvPr>
-        </p:nvSpPr>
-        <p:spPr/>
-        <p:txBody>
-          <a:bodyPr>
-            <a:normAutofit fontScale="92500" lnSpcReduction="20000"/>
+          <p:nvPr/>
+        </p:nvSpPr>
+        <p:spPr>
+          <a:xfrm>
+            <a:off x="304800" y="4171951"/>
+            <a:ext cx="7620000" cy="742949"/>
+          </a:xfrm>
+          <a:prstGeom prst="rect">
+            <a:avLst/>
+          </a:prstGeom>
+        </p:spPr>
+        <p:txBody>
+          <a:bodyPr vert="horz" lIns="91440" tIns="45720" rIns="91440" bIns="45720" rtlCol="0" anchor="ctr">
+            <a:normAutofit fontScale="97500" lnSpcReduction="10000"/>
           </a:bodyPr>
           <a:lstStyle/>
           <a:p>
-            <a:r>
-              <a:rPr lang="en-CA" dirty="0"/>
-              <a:t>Luau is a “C” API, so can only integrate to a “function”, not a “method”</a:t>
-            </a:r>
-          </a:p>
-          <a:p>
-            <a:r>
-              <a:rPr lang="en-CA" dirty="0"/>
-              <a:t>What’s the difference? </a:t>
-            </a:r>
-          </a:p>
-          <a:p>
-            <a:pPr lvl="1"/>
-            <a:r>
-              <a:rPr lang="en-CA" dirty="0"/>
-              <a:t>A “function” is known at compile time, where a “method” isn’t (though it depends)</a:t>
-            </a:r>
-          </a:p>
-          <a:p>
-            <a:r>
-              <a:rPr lang="en-CA" dirty="0"/>
-              <a:t>A “static method” can be used, though, as it’s known at compile time (but there’s only 1 shared among all class instances)</a:t>
-            </a:r>
+            <a:pPr marL="0" marR="0" lvl="0" indent="0" algn="l" defTabSz="914400" rtl="0" eaLnBrk="1" fontAlgn="auto" latinLnBrk="0" hangingPunct="1">
+              <a:lnSpc>
+                <a:spcPct val="100000"/>
+              </a:lnSpc>
+              <a:spcBef>
+                <a:spcPct val="0"/>
+              </a:spcBef>
+              <a:spcAft>
+                <a:spcPts val="0"/>
+              </a:spcAft>
+              <a:buClrTx/>
+              <a:buSzTx/>
+              <a:buFontTx/>
+              <a:buNone/>
+              <a:tabLst/>
+              <a:defRPr/>
+            </a:pPr>
+            <a:endParaRPr kumimoji="0" lang="en-CA" sz="4400" b="0" i="0" u="none" strike="noStrike" kern="1200" cap="none" spc="0" normalizeH="0" baseline="0" noProof="0" dirty="0">
+              <a:ln>
+                <a:noFill/>
+              </a:ln>
+              <a:solidFill>
+                <a:schemeClr val="bg1"/>
+              </a:solidFill>
+              <a:effectLst/>
+              <a:uLnTx/>
+              <a:uFillTx/>
+              <a:latin typeface="+mj-lt"/>
+              <a:ea typeface="+mj-ea"/>
+              <a:cs typeface="+mj-cs"/>
+            </a:endParaRPr>
+          </a:p>
+        </p:txBody>
+      </p:sp>
+      <p:sp>
+        <p:nvSpPr>
+          <p:cNvPr id="3" name="Title 1">
+            <a:extLst>
+              <a:ext uri="{FF2B5EF4-FFF2-40B4-BE49-F238E27FC236}">
+                <a16:creationId xmlns:a16="http://schemas.microsoft.com/office/drawing/2014/main" id="{6B7B40A7-39ED-1D30-019A-59F66F6B51CA}"/>
+              </a:ext>
+            </a:extLst>
+          </p:cNvPr>
+          <p:cNvSpPr txBox="1">
+            <a:spLocks/>
+          </p:cNvSpPr>
+          <p:nvPr/>
+        </p:nvSpPr>
+        <p:spPr>
+          <a:xfrm>
+            <a:off x="304801" y="2020620"/>
+            <a:ext cx="4724400" cy="1846530"/>
+          </a:xfrm>
+          <a:prstGeom prst="rect">
+            <a:avLst/>
+          </a:prstGeom>
+        </p:spPr>
+        <p:txBody>
+          <a:bodyPr vert="horz" lIns="91440" tIns="45720" rIns="91440" bIns="45720" rtlCol="0" anchor="ctr">
+            <a:noAutofit/>
+          </a:bodyPr>
+          <a:lstStyle>
+            <a:lvl1pPr algn="ctr" defTabSz="914400" rtl="0" eaLnBrk="1" latinLnBrk="0" hangingPunct="1">
+              <a:spcBef>
+                <a:spcPct val="0"/>
+              </a:spcBef>
+              <a:buNone/>
+              <a:defRPr sz="4400" kern="1200">
+                <a:solidFill>
+                  <a:schemeClr val="bg1"/>
+                </a:solidFill>
+                <a:latin typeface="+mj-lt"/>
+                <a:ea typeface="+mj-ea"/>
+                <a:cs typeface="+mj-cs"/>
+              </a:defRPr>
+            </a:lvl1pPr>
+          </a:lstStyle>
+          <a:p>
+            <a:pPr algn="l"/>
+            <a:r>
+              <a:rPr lang="en-CA" sz="2800" dirty="0"/>
+              <a:t>If Lua passed “Spider.bmp” in the stack, to get it off you would call: </a:t>
+            </a:r>
+          </a:p>
+          <a:p>
+            <a:pPr algn="l"/>
+            <a:r>
+              <a:rPr lang="en-CA" sz="1800" dirty="0" err="1">
+                <a:solidFill>
+                  <a:srgbClr val="008000"/>
+                </a:solidFill>
+                <a:latin typeface="Cascadia Mono" panose="020B0609020000020004" pitchFamily="49" charset="0"/>
+              </a:rPr>
+              <a:t>lua_tostring</a:t>
+            </a:r>
+            <a:r>
+              <a:rPr lang="en-CA" sz="1800" dirty="0">
+                <a:solidFill>
+                  <a:srgbClr val="008000"/>
+                </a:solidFill>
+                <a:latin typeface="Cascadia Mono" panose="020B0609020000020004" pitchFamily="49" charset="0"/>
+              </a:rPr>
+              <a:t>(L, 1)</a:t>
+            </a:r>
+            <a:endParaRPr lang="en-CA" sz="2800" dirty="0"/>
           </a:p>
         </p:txBody>
       </p:sp>
     </p:spTree>
+    <p:extLst>
+      <p:ext uri="{BB962C8B-B14F-4D97-AF65-F5344CB8AC3E}">
+        <p14:creationId xmlns:p14="http://schemas.microsoft.com/office/powerpoint/2010/main" val="1075741997"/>
+      </p:ext>
+    </p:extLst>
   </p:cSld>
   <p:clrMapOvr>
     <a:masterClrMapping/>
@@ -9268,14 +11293,45 @@
       </p:grpSpPr>
       <p:sp>
         <p:nvSpPr>
-          <p:cNvPr id="4" name="Rectangle 3"/>
+          <p:cNvPr id="2" name="Title 1"/>
+          <p:cNvSpPr>
+            <a:spLocks noGrp="1"/>
+          </p:cNvSpPr>
+          <p:nvPr>
+            <p:ph type="ctrTitle"/>
+          </p:nvPr>
+        </p:nvSpPr>
+        <p:spPr>
+          <a:xfrm>
+            <a:off x="345830" y="340263"/>
+            <a:ext cx="8340969" cy="1317087"/>
+          </a:xfrm>
+        </p:spPr>
+        <p:txBody>
+          <a:bodyPr>
+            <a:noAutofit/>
+          </a:bodyPr>
+          <a:lstStyle/>
+          <a:p>
+            <a:pPr algn="l"/>
+            <a:r>
+              <a:rPr lang="en-US" sz="2800" dirty="0"/>
+              <a:t>When you return, you have to tell Lua how many things you placed on the stack, even if it’s zero.</a:t>
+            </a:r>
+            <a:endParaRPr lang="en-CA" sz="2800" dirty="0"/>
+          </a:p>
+        </p:txBody>
+      </p:sp>
+      <p:sp>
+        <p:nvSpPr>
+          <p:cNvPr id="5" name="Rectangle 4"/>
           <p:cNvSpPr/>
           <p:nvPr/>
         </p:nvSpPr>
         <p:spPr>
           <a:xfrm>
-            <a:off x="6553200" y="590550"/>
-            <a:ext cx="1828800" cy="4191000"/>
+            <a:off x="5867400" y="4514850"/>
+            <a:ext cx="2895600" cy="342900"/>
           </a:xfrm>
           <a:prstGeom prst="rect">
             <a:avLst/>
@@ -9302,254 +11358,22 @@
           <a:lstStyle/>
           <a:p>
             <a:pPr algn="ctr"/>
-            <a:r>
-              <a:rPr lang="en-CA" dirty="0" err="1"/>
-              <a:t>vecObjects</a:t>
-            </a:r>
-            <a:endParaRPr lang="en-CA" dirty="0"/>
-          </a:p>
-          <a:p>
-            <a:pPr algn="ctr"/>
-            <a:endParaRPr lang="en-CA" dirty="0"/>
-          </a:p>
-          <a:p>
-            <a:pPr algn="ctr"/>
-            <a:endParaRPr lang="en-CA" dirty="0"/>
-          </a:p>
-          <a:p>
-            <a:pPr algn="ctr"/>
-            <a:endParaRPr lang="en-CA" dirty="0"/>
-          </a:p>
-          <a:p>
-            <a:pPr algn="ctr"/>
-            <a:endParaRPr lang="en-CA" dirty="0"/>
-          </a:p>
-          <a:p>
-            <a:pPr algn="ctr"/>
-            <a:endParaRPr lang="en-CA" dirty="0"/>
-          </a:p>
-          <a:p>
-            <a:pPr algn="ctr"/>
-            <a:endParaRPr lang="en-CA" dirty="0"/>
-          </a:p>
-          <a:p>
-            <a:pPr algn="ctr"/>
-            <a:endParaRPr lang="en-CA" dirty="0"/>
-          </a:p>
-          <a:p>
-            <a:pPr algn="ctr"/>
-            <a:endParaRPr lang="en-CA" dirty="0"/>
-          </a:p>
-          <a:p>
-            <a:pPr algn="ctr"/>
-            <a:endParaRPr lang="en-CA" dirty="0"/>
-          </a:p>
-          <a:p>
-            <a:pPr algn="ctr"/>
-            <a:endParaRPr lang="en-CA" dirty="0"/>
-          </a:p>
-          <a:p>
-            <a:pPr algn="ctr"/>
-            <a:endParaRPr lang="en-CA" dirty="0"/>
-          </a:p>
-          <a:p>
-            <a:pPr algn="ctr"/>
-            <a:endParaRPr lang="en-CA" dirty="0"/>
-          </a:p>
-          <a:p>
-            <a:pPr algn="ctr"/>
-            <a:endParaRPr lang="en-CA" dirty="0"/>
-          </a:p>
-          <a:p>
-            <a:pPr algn="ctr"/>
-            <a:endParaRPr lang="en-CA" dirty="0"/>
-          </a:p>
-        </p:txBody>
-      </p:sp>
-      <p:sp>
-        <p:nvSpPr>
-          <p:cNvPr id="5" name="Smiley Face 4"/>
+            <a:endParaRPr lang="en-CA"/>
+          </a:p>
+        </p:txBody>
+      </p:sp>
+      <p:sp>
+        <p:nvSpPr>
+          <p:cNvPr id="7" name="Rectangle 6"/>
           <p:cNvSpPr/>
           <p:nvPr/>
         </p:nvSpPr>
         <p:spPr>
           <a:xfrm>
-            <a:off x="7010400" y="971550"/>
-            <a:ext cx="914400" cy="685800"/>
-          </a:xfrm>
-          <a:prstGeom prst="smileyFace">
-            <a:avLst/>
-          </a:prstGeom>
-        </p:spPr>
-        <p:style>
-          <a:lnRef idx="2">
-            <a:schemeClr val="accent6">
-              <a:shade val="50000"/>
-            </a:schemeClr>
-          </a:lnRef>
-          <a:fillRef idx="1">
-            <a:schemeClr val="accent6"/>
-          </a:fillRef>
-          <a:effectRef idx="0">
-            <a:schemeClr val="accent6"/>
-          </a:effectRef>
-          <a:fontRef idx="minor">
-            <a:schemeClr val="lt1"/>
-          </a:fontRef>
-        </p:style>
-        <p:txBody>
-          <a:bodyPr rtlCol="0" anchor="ctr"/>
-          <a:lstStyle/>
-          <a:p>
-            <a:pPr algn="ctr"/>
-            <a:r>
-              <a:rPr lang="en-CA" dirty="0"/>
-              <a:t>75</a:t>
-            </a:r>
-          </a:p>
-        </p:txBody>
-      </p:sp>
-      <p:sp>
-        <p:nvSpPr>
-          <p:cNvPr id="6" name="Smiley Face 5"/>
-          <p:cNvSpPr/>
-          <p:nvPr/>
-        </p:nvSpPr>
-        <p:spPr>
-          <a:xfrm>
-            <a:off x="7086600" y="2038350"/>
-            <a:ext cx="914400" cy="685800"/>
-          </a:xfrm>
-          <a:prstGeom prst="smileyFace">
-            <a:avLst/>
-          </a:prstGeom>
-        </p:spPr>
-        <p:style>
-          <a:lnRef idx="2">
-            <a:schemeClr val="accent3">
-              <a:shade val="50000"/>
-            </a:schemeClr>
-          </a:lnRef>
-          <a:fillRef idx="1">
-            <a:schemeClr val="accent3"/>
-          </a:fillRef>
-          <a:effectRef idx="0">
-            <a:schemeClr val="accent3"/>
-          </a:effectRef>
-          <a:fontRef idx="minor">
-            <a:schemeClr val="lt1"/>
-          </a:fontRef>
-        </p:style>
-        <p:txBody>
-          <a:bodyPr rtlCol="0" anchor="ctr"/>
-          <a:lstStyle/>
-          <a:p>
-            <a:pPr algn="ctr"/>
-            <a:r>
-              <a:rPr lang="en-CA" dirty="0"/>
-              <a:t>56</a:t>
-            </a:r>
-          </a:p>
-        </p:txBody>
-      </p:sp>
-      <p:sp>
-        <p:nvSpPr>
-          <p:cNvPr id="7" name="Smiley Face 6"/>
-          <p:cNvSpPr/>
-          <p:nvPr/>
-        </p:nvSpPr>
-        <p:spPr>
-          <a:xfrm>
-            <a:off x="6781800" y="2952750"/>
-            <a:ext cx="914400" cy="685800"/>
-          </a:xfrm>
-          <a:prstGeom prst="smileyFace">
-            <a:avLst/>
-          </a:prstGeom>
-        </p:spPr>
-        <p:style>
-          <a:lnRef idx="2">
-            <a:schemeClr val="accent6">
-              <a:shade val="50000"/>
-            </a:schemeClr>
-          </a:lnRef>
-          <a:fillRef idx="1">
-            <a:schemeClr val="accent6"/>
-          </a:fillRef>
-          <a:effectRef idx="0">
-            <a:schemeClr val="accent6"/>
-          </a:effectRef>
-          <a:fontRef idx="minor">
-            <a:schemeClr val="lt1"/>
-          </a:fontRef>
-        </p:style>
-        <p:txBody>
-          <a:bodyPr rtlCol="0" anchor="ctr"/>
-          <a:lstStyle/>
-          <a:p>
-            <a:pPr algn="ctr"/>
-            <a:r>
-              <a:rPr lang="en-CA" dirty="0"/>
-              <a:t>34</a:t>
-            </a:r>
-          </a:p>
-        </p:txBody>
-      </p:sp>
-      <p:sp>
-        <p:nvSpPr>
-          <p:cNvPr id="8" name="Smiley Face 7"/>
-          <p:cNvSpPr/>
-          <p:nvPr/>
-        </p:nvSpPr>
-        <p:spPr>
-          <a:xfrm>
-            <a:off x="7315200" y="3943350"/>
-            <a:ext cx="914400" cy="685800"/>
-          </a:xfrm>
-          <a:prstGeom prst="smileyFace">
-            <a:avLst/>
-          </a:prstGeom>
-        </p:spPr>
-        <p:style>
-          <a:lnRef idx="2">
-            <a:schemeClr val="accent6">
-              <a:shade val="50000"/>
-            </a:schemeClr>
-          </a:lnRef>
-          <a:fillRef idx="1">
-            <a:schemeClr val="accent6"/>
-          </a:fillRef>
-          <a:effectRef idx="0">
-            <a:schemeClr val="accent6"/>
-          </a:effectRef>
-          <a:fontRef idx="minor">
-            <a:schemeClr val="lt1"/>
-          </a:fontRef>
-        </p:style>
-        <p:txBody>
-          <a:bodyPr rtlCol="0" anchor="ctr"/>
-          <a:lstStyle/>
-          <a:p>
-            <a:pPr algn="ctr"/>
-            <a:r>
-              <a:rPr lang="en-CA" dirty="0"/>
-              <a:t>16</a:t>
-            </a:r>
-          </a:p>
-        </p:txBody>
-      </p:sp>
-      <p:sp>
-        <p:nvSpPr>
-          <p:cNvPr id="9" name="Plaque 8"/>
-          <p:cNvSpPr/>
-          <p:nvPr/>
-        </p:nvSpPr>
-        <p:spPr>
-          <a:xfrm>
-            <a:off x="609600" y="1200150"/>
-            <a:ext cx="1905000" cy="1066800"/>
-          </a:xfrm>
-          <a:prstGeom prst="plaque">
+            <a:off x="5867400" y="4171950"/>
+            <a:ext cx="2895600" cy="342900"/>
+          </a:xfrm>
+          <a:prstGeom prst="rect">
             <a:avLst/>
           </a:prstGeom>
         </p:spPr>
@@ -9574,34 +11398,20 @@
           <a:lstStyle/>
           <a:p>
             <a:pPr algn="ctr"/>
-            <a:r>
-              <a:rPr lang="en-CA" dirty="0" err="1"/>
-              <a:t>Lua</a:t>
-            </a:r>
-            <a:r>
-              <a:rPr lang="en-CA" dirty="0"/>
-              <a:t> Instance </a:t>
-            </a:r>
-          </a:p>
-          <a:p>
-            <a:pPr algn="ctr"/>
-            <a:r>
-              <a:rPr lang="en-CA" dirty="0"/>
-              <a:t>“Brain”</a:t>
-            </a:r>
-          </a:p>
-        </p:txBody>
-      </p:sp>
-      <p:sp>
-        <p:nvSpPr>
-          <p:cNvPr id="10" name="Rectangle 9"/>
+            <a:endParaRPr lang="en-CA"/>
+          </a:p>
+        </p:txBody>
+      </p:sp>
+      <p:sp>
+        <p:nvSpPr>
+          <p:cNvPr id="8" name="Rectangle 7"/>
           <p:cNvSpPr/>
           <p:nvPr/>
         </p:nvSpPr>
         <p:spPr>
           <a:xfrm>
-            <a:off x="3276600" y="1123950"/>
-            <a:ext cx="2133600" cy="457200"/>
+            <a:off x="5867400" y="3829050"/>
+            <a:ext cx="2895600" cy="342900"/>
           </a:xfrm>
           <a:prstGeom prst="rect">
             <a:avLst/>
@@ -9628,27 +11438,20 @@
           <a:lstStyle/>
           <a:p>
             <a:pPr algn="ctr"/>
-            <a:r>
-              <a:rPr lang="en-CA" dirty="0" err="1"/>
-              <a:t>GetObjectState</a:t>
-            </a:r>
-            <a:r>
-              <a:rPr lang="en-CA" dirty="0"/>
-              <a:t>(ID)</a:t>
-            </a:r>
-          </a:p>
-        </p:txBody>
-      </p:sp>
-      <p:sp>
-        <p:nvSpPr>
-          <p:cNvPr id="11" name="Rectangle 10"/>
+            <a:endParaRPr lang="en-CA"/>
+          </a:p>
+        </p:txBody>
+      </p:sp>
+      <p:sp>
+        <p:nvSpPr>
+          <p:cNvPr id="9" name="Rectangle 8"/>
           <p:cNvSpPr/>
           <p:nvPr/>
         </p:nvSpPr>
         <p:spPr>
           <a:xfrm>
-            <a:off x="3276600" y="1962150"/>
-            <a:ext cx="2133600" cy="457200"/>
+            <a:off x="5867400" y="3486150"/>
+            <a:ext cx="2895600" cy="342900"/>
           </a:xfrm>
           <a:prstGeom prst="rect">
             <a:avLst/>
@@ -9675,160 +11478,371 @@
           <a:lstStyle/>
           <a:p>
             <a:pPr algn="ctr"/>
-            <a:r>
-              <a:rPr lang="en-CA" dirty="0" err="1"/>
-              <a:t>SetObjectState</a:t>
-            </a:r>
-            <a:r>
-              <a:rPr lang="en-CA" dirty="0"/>
-              <a:t>(ID)</a:t>
-            </a:r>
-          </a:p>
-        </p:txBody>
-      </p:sp>
-      <p:cxnSp>
-        <p:nvCxnSpPr>
-          <p:cNvPr id="13" name="Straight Arrow Connector 12"/>
-          <p:cNvCxnSpPr>
-            <a:stCxn id="9" idx="3"/>
-            <a:endCxn id="10" idx="1"/>
-          </p:cNvCxnSpPr>
+            <a:endParaRPr lang="en-CA"/>
+          </a:p>
+        </p:txBody>
+      </p:sp>
+      <p:sp>
+        <p:nvSpPr>
+          <p:cNvPr id="10" name="Rectangle 9"/>
+          <p:cNvSpPr/>
           <p:nvPr/>
-        </p:nvCxnSpPr>
-        <p:spPr>
-          <a:xfrm flipV="1">
-            <a:off x="2514600" y="1352550"/>
-            <a:ext cx="762000" cy="381000"/>
-          </a:xfrm>
-          <a:prstGeom prst="straightConnector1">
+        </p:nvSpPr>
+        <p:spPr>
+          <a:xfrm>
+            <a:off x="5867400" y="3143250"/>
+            <a:ext cx="2895600" cy="342900"/>
+          </a:xfrm>
+          <a:prstGeom prst="rect">
             <a:avLst/>
           </a:prstGeom>
-          <a:ln>
-            <a:tailEnd type="arrow"/>
-          </a:ln>
         </p:spPr>
         <p:style>
-          <a:lnRef idx="1">
-            <a:schemeClr val="accent1"/>
+          <a:lnRef idx="2">
+            <a:schemeClr val="accent1">
+              <a:shade val="50000"/>
+            </a:schemeClr>
           </a:lnRef>
-          <a:fillRef idx="0">
+          <a:fillRef idx="1">
             <a:schemeClr val="accent1"/>
           </a:fillRef>
           <a:effectRef idx="0">
             <a:schemeClr val="accent1"/>
           </a:effectRef>
           <a:fontRef idx="minor">
-            <a:schemeClr val="tx1"/>
+            <a:schemeClr val="lt1"/>
           </a:fontRef>
         </p:style>
-      </p:cxnSp>
-      <p:cxnSp>
-        <p:nvCxnSpPr>
-          <p:cNvPr id="15" name="Straight Arrow Connector 14"/>
-          <p:cNvCxnSpPr>
-            <a:stCxn id="9" idx="3"/>
-            <a:endCxn id="11" idx="1"/>
-          </p:cNvCxnSpPr>
+        <p:txBody>
+          <a:bodyPr rtlCol="0" anchor="ctr"/>
+          <a:lstStyle/>
+          <a:p>
+            <a:pPr algn="ctr"/>
+            <a:endParaRPr lang="en-CA" sz="2800" dirty="0"/>
+          </a:p>
+        </p:txBody>
+      </p:sp>
+      <p:sp>
+        <p:nvSpPr>
+          <p:cNvPr id="11" name="Rectangle 10"/>
+          <p:cNvSpPr/>
           <p:nvPr/>
-        </p:nvCxnSpPr>
-        <p:spPr>
-          <a:xfrm>
-            <a:off x="2514600" y="1733550"/>
-            <a:ext cx="762000" cy="457200"/>
-          </a:xfrm>
-          <a:prstGeom prst="straightConnector1">
+        </p:nvSpPr>
+        <p:spPr>
+          <a:xfrm>
+            <a:off x="5867400" y="2800350"/>
+            <a:ext cx="2895600" cy="342900"/>
+          </a:xfrm>
+          <a:prstGeom prst="rect">
             <a:avLst/>
           </a:prstGeom>
-          <a:ln>
-            <a:tailEnd type="arrow"/>
-          </a:ln>
         </p:spPr>
         <p:style>
-          <a:lnRef idx="1">
-            <a:schemeClr val="accent1"/>
+          <a:lnRef idx="2">
+            <a:schemeClr val="accent1">
+              <a:shade val="50000"/>
+            </a:schemeClr>
           </a:lnRef>
-          <a:fillRef idx="0">
+          <a:fillRef idx="1">
             <a:schemeClr val="accent1"/>
           </a:fillRef>
           <a:effectRef idx="0">
             <a:schemeClr val="accent1"/>
           </a:effectRef>
           <a:fontRef idx="minor">
-            <a:schemeClr val="tx1"/>
+            <a:schemeClr val="lt1"/>
           </a:fontRef>
         </p:style>
-      </p:cxnSp>
-      <p:cxnSp>
-        <p:nvCxnSpPr>
-          <p:cNvPr id="17" name="Straight Arrow Connector 16"/>
-          <p:cNvCxnSpPr>
-            <a:stCxn id="10" idx="3"/>
-          </p:cNvCxnSpPr>
+        <p:txBody>
+          <a:bodyPr rtlCol="0" anchor="ctr"/>
+          <a:lstStyle/>
+          <a:p>
+            <a:pPr algn="ctr"/>
+            <a:endParaRPr lang="en-CA" sz="3200" dirty="0"/>
+          </a:p>
+        </p:txBody>
+      </p:sp>
+      <p:sp>
+        <p:nvSpPr>
+          <p:cNvPr id="12" name="Rectangle 11"/>
+          <p:cNvSpPr/>
           <p:nvPr/>
-        </p:nvCxnSpPr>
-        <p:spPr>
-          <a:xfrm>
-            <a:off x="5410200" y="1352550"/>
-            <a:ext cx="1143000" cy="0"/>
-          </a:xfrm>
-          <a:prstGeom prst="straightConnector1">
+        </p:nvSpPr>
+        <p:spPr>
+          <a:xfrm>
+            <a:off x="5867400" y="2457450"/>
+            <a:ext cx="2895600" cy="342900"/>
+          </a:xfrm>
+          <a:prstGeom prst="rect">
             <a:avLst/>
           </a:prstGeom>
-          <a:ln>
-            <a:tailEnd type="arrow"/>
-          </a:ln>
         </p:spPr>
         <p:style>
-          <a:lnRef idx="1">
-            <a:schemeClr val="accent1"/>
+          <a:lnRef idx="2">
+            <a:schemeClr val="accent1">
+              <a:shade val="50000"/>
+            </a:schemeClr>
           </a:lnRef>
-          <a:fillRef idx="0">
+          <a:fillRef idx="1">
             <a:schemeClr val="accent1"/>
           </a:fillRef>
           <a:effectRef idx="0">
             <a:schemeClr val="accent1"/>
           </a:effectRef>
           <a:fontRef idx="minor">
-            <a:schemeClr val="tx1"/>
+            <a:schemeClr val="lt1"/>
           </a:fontRef>
         </p:style>
-      </p:cxnSp>
-      <p:cxnSp>
-        <p:nvCxnSpPr>
-          <p:cNvPr id="19" name="Straight Arrow Connector 18"/>
-          <p:cNvCxnSpPr>
-            <a:stCxn id="11" idx="3"/>
-          </p:cNvCxnSpPr>
+        <p:txBody>
+          <a:bodyPr rtlCol="0" anchor="ctr"/>
+          <a:lstStyle/>
+          <a:p>
+            <a:pPr algn="ctr"/>
+            <a:endParaRPr lang="en-CA" sz="3200" dirty="0"/>
+          </a:p>
+        </p:txBody>
+      </p:sp>
+      <p:sp>
+        <p:nvSpPr>
+          <p:cNvPr id="13" name="Rectangle 12"/>
+          <p:cNvSpPr/>
           <p:nvPr/>
-        </p:nvCxnSpPr>
-        <p:spPr>
-          <a:xfrm>
-            <a:off x="5410200" y="2190750"/>
-            <a:ext cx="1143000" cy="0"/>
-          </a:xfrm>
-          <a:prstGeom prst="straightConnector1">
+        </p:nvSpPr>
+        <p:spPr>
+          <a:xfrm>
+            <a:off x="5867400" y="2114549"/>
+            <a:ext cx="2895600" cy="342900"/>
+          </a:xfrm>
+          <a:prstGeom prst="rect">
             <a:avLst/>
           </a:prstGeom>
-          <a:ln>
-            <a:tailEnd type="arrow"/>
-          </a:ln>
         </p:spPr>
         <p:style>
-          <a:lnRef idx="1">
-            <a:schemeClr val="accent1"/>
+          <a:lnRef idx="2">
+            <a:schemeClr val="accent1">
+              <a:shade val="50000"/>
+            </a:schemeClr>
           </a:lnRef>
-          <a:fillRef idx="0">
+          <a:fillRef idx="1">
             <a:schemeClr val="accent1"/>
           </a:fillRef>
           <a:effectRef idx="0">
             <a:schemeClr val="accent1"/>
           </a:effectRef>
           <a:fontRef idx="minor">
-            <a:schemeClr val="tx1"/>
+            <a:schemeClr val="lt1"/>
           </a:fontRef>
         </p:style>
-      </p:cxnSp>
+        <p:txBody>
+          <a:bodyPr rtlCol="0" anchor="ctr"/>
+          <a:lstStyle/>
+          <a:p>
+            <a:pPr algn="ctr"/>
+            <a:endParaRPr lang="en-CA" sz="2800" dirty="0"/>
+          </a:p>
+        </p:txBody>
+      </p:sp>
+      <p:sp>
+        <p:nvSpPr>
+          <p:cNvPr id="14" name="Rectangle 13"/>
+          <p:cNvSpPr/>
+          <p:nvPr/>
+        </p:nvSpPr>
+        <p:spPr>
+          <a:xfrm>
+            <a:off x="5867400" y="1771650"/>
+            <a:ext cx="2895600" cy="342900"/>
+          </a:xfrm>
+          <a:prstGeom prst="rect">
+            <a:avLst/>
+          </a:prstGeom>
+        </p:spPr>
+        <p:style>
+          <a:lnRef idx="2">
+            <a:schemeClr val="accent1">
+              <a:shade val="50000"/>
+            </a:schemeClr>
+          </a:lnRef>
+          <a:fillRef idx="1">
+            <a:schemeClr val="accent1"/>
+          </a:fillRef>
+          <a:effectRef idx="0">
+            <a:schemeClr val="accent1"/>
+          </a:effectRef>
+          <a:fontRef idx="minor">
+            <a:schemeClr val="lt1"/>
+          </a:fontRef>
+        </p:style>
+        <p:txBody>
+          <a:bodyPr rtlCol="0" anchor="ctr"/>
+          <a:lstStyle/>
+          <a:p>
+            <a:pPr algn="ctr"/>
+            <a:r>
+              <a:rPr lang="en-CA" sz="3200" dirty="0"/>
+              <a:t>15</a:t>
+            </a:r>
+          </a:p>
+        </p:txBody>
+      </p:sp>
+      <p:sp>
+        <p:nvSpPr>
+          <p:cNvPr id="15" name="Rectangle 14"/>
+          <p:cNvSpPr/>
+          <p:nvPr/>
+        </p:nvSpPr>
+        <p:spPr>
+          <a:xfrm>
+            <a:off x="5867400" y="1428750"/>
+            <a:ext cx="2895600" cy="342900"/>
+          </a:xfrm>
+          <a:prstGeom prst="rect">
+            <a:avLst/>
+          </a:prstGeom>
+        </p:spPr>
+        <p:style>
+          <a:lnRef idx="2">
+            <a:schemeClr val="accent1">
+              <a:shade val="50000"/>
+            </a:schemeClr>
+          </a:lnRef>
+          <a:fillRef idx="1">
+            <a:schemeClr val="accent1"/>
+          </a:fillRef>
+          <a:effectRef idx="0">
+            <a:schemeClr val="accent1"/>
+          </a:effectRef>
+          <a:fontRef idx="minor">
+            <a:schemeClr val="lt1"/>
+          </a:fontRef>
+        </p:style>
+        <p:txBody>
+          <a:bodyPr rtlCol="0" anchor="ctr"/>
+          <a:lstStyle/>
+          <a:p>
+            <a:pPr algn="ctr"/>
+            <a:r>
+              <a:rPr lang="en-CA" sz="2800" dirty="0"/>
+              <a:t>Spider.bmp</a:t>
+            </a:r>
+          </a:p>
+        </p:txBody>
+      </p:sp>
+      <p:sp>
+        <p:nvSpPr>
+          <p:cNvPr id="16" name="Title 1"/>
+          <p:cNvSpPr txBox="1">
+            <a:spLocks/>
+          </p:cNvSpPr>
+          <p:nvPr/>
+        </p:nvSpPr>
+        <p:spPr>
+          <a:xfrm>
+            <a:off x="304800" y="4171951"/>
+            <a:ext cx="7620000" cy="742949"/>
+          </a:xfrm>
+          <a:prstGeom prst="rect">
+            <a:avLst/>
+          </a:prstGeom>
+        </p:spPr>
+        <p:txBody>
+          <a:bodyPr vert="horz" lIns="91440" tIns="45720" rIns="91440" bIns="45720" rtlCol="0" anchor="ctr">
+            <a:normAutofit fontScale="97500" lnSpcReduction="10000"/>
+          </a:bodyPr>
+          <a:lstStyle/>
+          <a:p>
+            <a:pPr marL="0" marR="0" lvl="0" indent="0" algn="l" defTabSz="914400" rtl="0" eaLnBrk="1" fontAlgn="auto" latinLnBrk="0" hangingPunct="1">
+              <a:lnSpc>
+                <a:spcPct val="100000"/>
+              </a:lnSpc>
+              <a:spcBef>
+                <a:spcPct val="0"/>
+              </a:spcBef>
+              <a:spcAft>
+                <a:spcPts val="0"/>
+              </a:spcAft>
+              <a:buClrTx/>
+              <a:buSzTx/>
+              <a:buFontTx/>
+              <a:buNone/>
+              <a:tabLst/>
+              <a:defRPr/>
+            </a:pPr>
+            <a:endParaRPr kumimoji="0" lang="en-CA" sz="4400" b="0" i="0" u="none" strike="noStrike" kern="1200" cap="none" spc="0" normalizeH="0" baseline="0" noProof="0" dirty="0">
+              <a:ln>
+                <a:noFill/>
+              </a:ln>
+              <a:solidFill>
+                <a:schemeClr val="bg1"/>
+              </a:solidFill>
+              <a:effectLst/>
+              <a:uLnTx/>
+              <a:uFillTx/>
+              <a:latin typeface="+mj-lt"/>
+              <a:ea typeface="+mj-ea"/>
+              <a:cs typeface="+mj-cs"/>
+            </a:endParaRPr>
+          </a:p>
+        </p:txBody>
+      </p:sp>
+      <p:sp>
+        <p:nvSpPr>
+          <p:cNvPr id="3" name="Title 1">
+            <a:extLst>
+              <a:ext uri="{FF2B5EF4-FFF2-40B4-BE49-F238E27FC236}">
+                <a16:creationId xmlns:a16="http://schemas.microsoft.com/office/drawing/2014/main" id="{6B7B40A7-39ED-1D30-019A-59F66F6B51CA}"/>
+              </a:ext>
+            </a:extLst>
+          </p:cNvPr>
+          <p:cNvSpPr txBox="1">
+            <a:spLocks/>
+          </p:cNvSpPr>
+          <p:nvPr/>
+        </p:nvSpPr>
+        <p:spPr>
+          <a:xfrm>
+            <a:off x="304801" y="2020620"/>
+            <a:ext cx="4724400" cy="1846530"/>
+          </a:xfrm>
+          <a:prstGeom prst="rect">
+            <a:avLst/>
+          </a:prstGeom>
+        </p:spPr>
+        <p:txBody>
+          <a:bodyPr vert="horz" lIns="91440" tIns="45720" rIns="91440" bIns="45720" rtlCol="0" anchor="ctr">
+            <a:noAutofit/>
+          </a:bodyPr>
+          <a:lstStyle>
+            <a:lvl1pPr algn="ctr" defTabSz="914400" rtl="0" eaLnBrk="1" latinLnBrk="0" hangingPunct="1">
+              <a:spcBef>
+                <a:spcPct val="0"/>
+              </a:spcBef>
+              <a:buNone/>
+              <a:defRPr sz="4400" kern="1200">
+                <a:solidFill>
+                  <a:schemeClr val="bg1"/>
+                </a:solidFill>
+                <a:latin typeface="+mj-lt"/>
+                <a:ea typeface="+mj-ea"/>
+                <a:cs typeface="+mj-cs"/>
+              </a:defRPr>
+            </a:lvl1pPr>
+          </a:lstStyle>
+          <a:p>
+            <a:pPr algn="l"/>
+            <a:r>
+              <a:rPr lang="en-CA" sz="2800" dirty="0"/>
+              <a:t>In this case, if you placed “spider.bmp” and 15, then you’d return 2</a:t>
+            </a:r>
+          </a:p>
+        </p:txBody>
+      </p:sp>
     </p:spTree>
+    <p:extLst>
+      <p:ext uri="{BB962C8B-B14F-4D97-AF65-F5344CB8AC3E}">
+        <p14:creationId xmlns:p14="http://schemas.microsoft.com/office/powerpoint/2010/main" val="1306428342"/>
+      </p:ext>
+    </p:extLst>
   </p:cSld>
   <p:clrMapOvr>
     <a:masterClrMapping/>
@@ -9855,360 +11869,78 @@
       </p:grpSpPr>
       <p:sp>
         <p:nvSpPr>
-          <p:cNvPr id="4" name="Rectangle 3"/>
-          <p:cNvSpPr/>
-          <p:nvPr/>
-        </p:nvSpPr>
-        <p:spPr>
-          <a:xfrm>
-            <a:off x="6553200" y="590550"/>
-            <a:ext cx="1828800" cy="4191000"/>
-          </a:xfrm>
-          <a:prstGeom prst="rect">
-            <a:avLst/>
-          </a:prstGeom>
-        </p:spPr>
-        <p:style>
-          <a:lnRef idx="2">
-            <a:schemeClr val="accent1">
-              <a:shade val="50000"/>
-            </a:schemeClr>
-          </a:lnRef>
-          <a:fillRef idx="1">
-            <a:schemeClr val="accent1"/>
-          </a:fillRef>
-          <a:effectRef idx="0">
-            <a:schemeClr val="accent1"/>
-          </a:effectRef>
-          <a:fontRef idx="minor">
-            <a:schemeClr val="lt1"/>
-          </a:fontRef>
-        </p:style>
-        <p:txBody>
-          <a:bodyPr rtlCol="0" anchor="ctr"/>
-          <a:lstStyle/>
-          <a:p>
-            <a:pPr algn="ctr"/>
-            <a:r>
-              <a:rPr lang="en-CA" dirty="0" err="1"/>
-              <a:t>vecObjects</a:t>
-            </a:r>
-            <a:endParaRPr lang="en-CA" dirty="0"/>
-          </a:p>
-          <a:p>
-            <a:pPr algn="ctr"/>
-            <a:endParaRPr lang="en-CA" dirty="0"/>
-          </a:p>
-          <a:p>
-            <a:pPr algn="ctr"/>
-            <a:endParaRPr lang="en-CA" dirty="0"/>
-          </a:p>
-          <a:p>
-            <a:pPr algn="ctr"/>
-            <a:endParaRPr lang="en-CA" dirty="0"/>
-          </a:p>
-          <a:p>
-            <a:pPr algn="ctr"/>
-            <a:endParaRPr lang="en-CA" dirty="0"/>
-          </a:p>
-          <a:p>
-            <a:pPr algn="ctr"/>
-            <a:endParaRPr lang="en-CA" dirty="0"/>
-          </a:p>
-          <a:p>
-            <a:pPr algn="ctr"/>
-            <a:endParaRPr lang="en-CA" dirty="0"/>
-          </a:p>
-          <a:p>
-            <a:pPr algn="ctr"/>
-            <a:endParaRPr lang="en-CA" dirty="0"/>
-          </a:p>
-          <a:p>
-            <a:pPr algn="ctr"/>
-            <a:endParaRPr lang="en-CA" dirty="0"/>
-          </a:p>
-          <a:p>
-            <a:pPr algn="ctr"/>
-            <a:endParaRPr lang="en-CA" dirty="0"/>
-          </a:p>
-          <a:p>
-            <a:pPr algn="ctr"/>
-            <a:endParaRPr lang="en-CA" dirty="0"/>
-          </a:p>
-          <a:p>
-            <a:pPr algn="ctr"/>
-            <a:endParaRPr lang="en-CA" dirty="0"/>
-          </a:p>
-          <a:p>
-            <a:pPr algn="ctr"/>
-            <a:endParaRPr lang="en-CA" dirty="0"/>
-          </a:p>
-          <a:p>
-            <a:pPr algn="ctr"/>
-            <a:endParaRPr lang="en-CA" dirty="0"/>
-          </a:p>
-          <a:p>
-            <a:pPr algn="ctr"/>
-            <a:endParaRPr lang="en-CA" dirty="0"/>
-          </a:p>
-        </p:txBody>
-      </p:sp>
-      <p:sp>
-        <p:nvSpPr>
-          <p:cNvPr id="5" name="Smiley Face 4"/>
-          <p:cNvSpPr/>
-          <p:nvPr/>
-        </p:nvSpPr>
-        <p:spPr>
-          <a:xfrm>
-            <a:off x="6096000" y="935356"/>
-            <a:ext cx="914400" cy="685800"/>
-          </a:xfrm>
-          <a:prstGeom prst="smileyFace">
-            <a:avLst/>
-          </a:prstGeom>
-        </p:spPr>
-        <p:style>
-          <a:lnRef idx="2">
-            <a:schemeClr val="accent6">
-              <a:shade val="50000"/>
-            </a:schemeClr>
-          </a:lnRef>
-          <a:fillRef idx="1">
-            <a:schemeClr val="accent6"/>
-          </a:fillRef>
-          <a:effectRef idx="0">
-            <a:schemeClr val="accent6"/>
-          </a:effectRef>
-          <a:fontRef idx="minor">
-            <a:schemeClr val="lt1"/>
-          </a:fontRef>
-        </p:style>
-        <p:txBody>
-          <a:bodyPr rtlCol="0" anchor="ctr"/>
-          <a:lstStyle/>
-          <a:p>
-            <a:pPr algn="ctr"/>
-            <a:endParaRPr lang="en-CA"/>
-          </a:p>
-        </p:txBody>
-      </p:sp>
-      <p:sp>
-        <p:nvSpPr>
-          <p:cNvPr id="6" name="Smiley Face 5"/>
-          <p:cNvSpPr/>
-          <p:nvPr/>
-        </p:nvSpPr>
-        <p:spPr>
-          <a:xfrm>
-            <a:off x="7086600" y="2038350"/>
-            <a:ext cx="914400" cy="685800"/>
-          </a:xfrm>
-          <a:prstGeom prst="smileyFace">
-            <a:avLst/>
-          </a:prstGeom>
-        </p:spPr>
-        <p:style>
-          <a:lnRef idx="2">
-            <a:schemeClr val="accent3">
-              <a:shade val="50000"/>
-            </a:schemeClr>
-          </a:lnRef>
-          <a:fillRef idx="1">
-            <a:schemeClr val="accent3"/>
-          </a:fillRef>
-          <a:effectRef idx="0">
-            <a:schemeClr val="accent3"/>
-          </a:effectRef>
-          <a:fontRef idx="minor">
-            <a:schemeClr val="lt1"/>
-          </a:fontRef>
-        </p:style>
-        <p:txBody>
-          <a:bodyPr rtlCol="0" anchor="ctr"/>
-          <a:lstStyle/>
-          <a:p>
-            <a:pPr algn="ctr"/>
-            <a:endParaRPr lang="en-CA"/>
-          </a:p>
-        </p:txBody>
-      </p:sp>
-      <p:sp>
-        <p:nvSpPr>
-          <p:cNvPr id="7" name="Smiley Face 6"/>
-          <p:cNvSpPr/>
-          <p:nvPr/>
-        </p:nvSpPr>
-        <p:spPr>
-          <a:xfrm>
-            <a:off x="6781800" y="2952750"/>
-            <a:ext cx="914400" cy="685800"/>
-          </a:xfrm>
-          <a:prstGeom prst="smileyFace">
-            <a:avLst/>
-          </a:prstGeom>
-        </p:spPr>
-        <p:style>
-          <a:lnRef idx="2">
-            <a:schemeClr val="accent6">
-              <a:shade val="50000"/>
-            </a:schemeClr>
-          </a:lnRef>
-          <a:fillRef idx="1">
-            <a:schemeClr val="accent6"/>
-          </a:fillRef>
-          <a:effectRef idx="0">
-            <a:schemeClr val="accent6"/>
-          </a:effectRef>
-          <a:fontRef idx="minor">
-            <a:schemeClr val="lt1"/>
-          </a:fontRef>
-        </p:style>
-        <p:txBody>
-          <a:bodyPr rtlCol="0" anchor="ctr"/>
-          <a:lstStyle/>
-          <a:p>
-            <a:pPr algn="ctr"/>
-            <a:endParaRPr lang="en-CA"/>
-          </a:p>
-        </p:txBody>
-      </p:sp>
-      <p:sp>
-        <p:nvSpPr>
-          <p:cNvPr id="8" name="Smiley Face 7"/>
-          <p:cNvSpPr/>
-          <p:nvPr/>
-        </p:nvSpPr>
-        <p:spPr>
-          <a:xfrm>
-            <a:off x="7315200" y="3943350"/>
-            <a:ext cx="914400" cy="685800"/>
-          </a:xfrm>
-          <a:prstGeom prst="smileyFace">
-            <a:avLst/>
-          </a:prstGeom>
-        </p:spPr>
-        <p:style>
-          <a:lnRef idx="2">
-            <a:schemeClr val="accent6">
-              <a:shade val="50000"/>
-            </a:schemeClr>
-          </a:lnRef>
-          <a:fillRef idx="1">
-            <a:schemeClr val="accent6"/>
-          </a:fillRef>
-          <a:effectRef idx="0">
-            <a:schemeClr val="accent6"/>
-          </a:effectRef>
-          <a:fontRef idx="minor">
-            <a:schemeClr val="lt1"/>
-          </a:fontRef>
-        </p:style>
-        <p:txBody>
-          <a:bodyPr rtlCol="0" anchor="ctr"/>
-          <a:lstStyle/>
-          <a:p>
-            <a:pPr algn="ctr"/>
-            <a:endParaRPr lang="en-CA"/>
-          </a:p>
-        </p:txBody>
-      </p:sp>
-      <p:sp>
-        <p:nvSpPr>
-          <p:cNvPr id="9" name="Plaque 8"/>
-          <p:cNvSpPr/>
-          <p:nvPr/>
-        </p:nvSpPr>
-        <p:spPr>
-          <a:xfrm>
-            <a:off x="609600" y="971550"/>
-            <a:ext cx="1905000" cy="1066800"/>
-          </a:xfrm>
-          <a:prstGeom prst="plaque">
-            <a:avLst/>
-          </a:prstGeom>
-        </p:spPr>
-        <p:style>
-          <a:lnRef idx="2">
-            <a:schemeClr val="accent1">
-              <a:shade val="50000"/>
-            </a:schemeClr>
-          </a:lnRef>
-          <a:fillRef idx="1">
-            <a:schemeClr val="accent1"/>
-          </a:fillRef>
-          <a:effectRef idx="0">
-            <a:schemeClr val="accent1"/>
-          </a:effectRef>
-          <a:fontRef idx="minor">
-            <a:schemeClr val="lt1"/>
-          </a:fontRef>
-        </p:style>
-        <p:txBody>
-          <a:bodyPr rtlCol="0" anchor="ctr"/>
-          <a:lstStyle/>
-          <a:p>
-            <a:pPr algn="ctr"/>
+          <p:cNvPr id="2" name="Title 1"/>
+          <p:cNvSpPr>
+            <a:spLocks noGrp="1"/>
+          </p:cNvSpPr>
+          <p:nvPr>
+            <p:ph type="title"/>
+          </p:nvPr>
+        </p:nvSpPr>
+        <p:spPr/>
+        <p:txBody>
+          <a:bodyPr/>
+          <a:lstStyle/>
+          <a:p>
+            <a:r>
+              <a:rPr lang="en-CA" dirty="0"/>
+              <a:t>Using </a:t>
+            </a:r>
             <a:r>
               <a:rPr lang="en-CA" dirty="0" err="1"/>
               <a:t>Lua</a:t>
             </a:r>
             <a:r>
               <a:rPr lang="en-CA" dirty="0"/>
-              <a:t> Instance </a:t>
-            </a:r>
-          </a:p>
-          <a:p>
-            <a:pPr algn="ctr"/>
+              <a:t> for control…</a:t>
+            </a:r>
+          </a:p>
+        </p:txBody>
+      </p:sp>
+      <p:sp>
+        <p:nvSpPr>
+          <p:cNvPr id="3" name="Content Placeholder 2"/>
+          <p:cNvSpPr>
+            <a:spLocks noGrp="1"/>
+          </p:cNvSpPr>
+          <p:nvPr>
+            <p:ph idx="1"/>
+          </p:nvPr>
+        </p:nvSpPr>
+        <p:spPr/>
+        <p:txBody>
+          <a:bodyPr>
+            <a:normAutofit fontScale="92500" lnSpcReduction="20000"/>
+          </a:bodyPr>
+          <a:lstStyle/>
+          <a:p>
             <a:r>
               <a:rPr lang="en-CA" dirty="0"/>
-              <a:t>“Brain”</a:t>
-            </a:r>
-          </a:p>
-        </p:txBody>
-      </p:sp>
-      <p:cxnSp>
-        <p:nvCxnSpPr>
-          <p:cNvPr id="13" name="Straight Arrow Connector 12"/>
-          <p:cNvCxnSpPr>
-            <a:stCxn id="9" idx="3"/>
-            <a:endCxn id="5" idx="2"/>
-          </p:cNvCxnSpPr>
-          <p:nvPr/>
-        </p:nvCxnSpPr>
-        <p:spPr>
-          <a:xfrm flipV="1">
-            <a:off x="2514600" y="1278256"/>
-            <a:ext cx="3581400" cy="226694"/>
-          </a:xfrm>
-          <a:prstGeom prst="straightConnector1">
-            <a:avLst/>
-          </a:prstGeom>
-          <a:ln>
-            <a:tailEnd type="arrow"/>
-          </a:ln>
-        </p:spPr>
-        <p:style>
-          <a:lnRef idx="1">
-            <a:schemeClr val="accent1"/>
-          </a:lnRef>
-          <a:fillRef idx="0">
-            <a:schemeClr val="accent1"/>
-          </a:fillRef>
-          <a:effectRef idx="0">
-            <a:schemeClr val="accent1"/>
-          </a:effectRef>
-          <a:fontRef idx="minor">
-            <a:schemeClr val="tx1"/>
-          </a:fontRef>
-        </p:style>
-      </p:cxnSp>
+              <a:t>Luau is a “C” API, so can only integrate to a “function”, not a “method”</a:t>
+            </a:r>
+          </a:p>
+          <a:p>
+            <a:r>
+              <a:rPr lang="en-CA" dirty="0"/>
+              <a:t>What’s the difference? </a:t>
+            </a:r>
+          </a:p>
+          <a:p>
+            <a:pPr lvl="1"/>
+            <a:r>
+              <a:rPr lang="en-CA" dirty="0"/>
+              <a:t>A “function” is known at compile time, where a “method” isn’t (though it depends)</a:t>
+            </a:r>
+          </a:p>
+          <a:p>
+            <a:r>
+              <a:rPr lang="en-CA" dirty="0"/>
+              <a:t>A “static method” can be used, though, as it’s known at compile time (but there’s only 1 shared among all class instances)</a:t>
+            </a:r>
+          </a:p>
+        </p:txBody>
+      </p:sp>
     </p:spTree>
-    <p:extLst>
-      <p:ext uri="{BB962C8B-B14F-4D97-AF65-F5344CB8AC3E}">
-        <p14:creationId xmlns:p14="http://schemas.microsoft.com/office/powerpoint/2010/main" val="1056831820"/>
-      </p:ext>
-    </p:extLst>
   </p:cSld>
   <p:clrMapOvr>
     <a:masterClrMapping/>
@@ -10371,7 +12103,7 @@
             <a:pPr algn="ctr"/>
             <a:r>
               <a:rPr lang="en-CA" dirty="0"/>
-              <a:t>ID:2</a:t>
+              <a:t>75</a:t>
             </a:r>
           </a:p>
         </p:txBody>
@@ -10385,6 +12117,49 @@
         <p:spPr>
           <a:xfrm>
             <a:off x="7086600" y="2038350"/>
+            <a:ext cx="914400" cy="685800"/>
+          </a:xfrm>
+          <a:prstGeom prst="smileyFace">
+            <a:avLst/>
+          </a:prstGeom>
+        </p:spPr>
+        <p:style>
+          <a:lnRef idx="2">
+            <a:schemeClr val="accent3">
+              <a:shade val="50000"/>
+            </a:schemeClr>
+          </a:lnRef>
+          <a:fillRef idx="1">
+            <a:schemeClr val="accent3"/>
+          </a:fillRef>
+          <a:effectRef idx="0">
+            <a:schemeClr val="accent3"/>
+          </a:effectRef>
+          <a:fontRef idx="minor">
+            <a:schemeClr val="lt1"/>
+          </a:fontRef>
+        </p:style>
+        <p:txBody>
+          <a:bodyPr rtlCol="0" anchor="ctr"/>
+          <a:lstStyle/>
+          <a:p>
+            <a:pPr algn="ctr"/>
+            <a:r>
+              <a:rPr lang="en-CA" dirty="0"/>
+              <a:t>56</a:t>
+            </a:r>
+          </a:p>
+        </p:txBody>
+      </p:sp>
+      <p:sp>
+        <p:nvSpPr>
+          <p:cNvPr id="7" name="Smiley Face 6"/>
+          <p:cNvSpPr/>
+          <p:nvPr/>
+        </p:nvSpPr>
+        <p:spPr>
+          <a:xfrm>
+            <a:off x="6781800" y="2952750"/>
             <a:ext cx="914400" cy="685800"/>
           </a:xfrm>
           <a:prstGeom prst="smileyFace">
@@ -10412,19 +12187,22 @@
           <a:lstStyle/>
           <a:p>
             <a:pPr algn="ctr"/>
-            <a:endParaRPr lang="en-CA"/>
-          </a:p>
-        </p:txBody>
-      </p:sp>
-      <p:sp>
-        <p:nvSpPr>
-          <p:cNvPr id="7" name="Smiley Face 6"/>
+            <a:r>
+              <a:rPr lang="en-CA" dirty="0"/>
+              <a:t>34</a:t>
+            </a:r>
+          </a:p>
+        </p:txBody>
+      </p:sp>
+      <p:sp>
+        <p:nvSpPr>
+          <p:cNvPr id="8" name="Smiley Face 7"/>
           <p:cNvSpPr/>
           <p:nvPr/>
         </p:nvSpPr>
         <p:spPr>
           <a:xfrm>
-            <a:off x="6781800" y="2952750"/>
+            <a:off x="7315200" y="3943350"/>
             <a:ext cx="914400" cy="685800"/>
           </a:xfrm>
           <a:prstGeom prst="smileyFace">
@@ -10454,48 +12232,8 @@
             <a:pPr algn="ctr"/>
             <a:r>
               <a:rPr lang="en-CA" dirty="0"/>
-              <a:t>ID:5</a:t>
-            </a:r>
-          </a:p>
-        </p:txBody>
-      </p:sp>
-      <p:sp>
-        <p:nvSpPr>
-          <p:cNvPr id="8" name="Smiley Face 7"/>
-          <p:cNvSpPr/>
-          <p:nvPr/>
-        </p:nvSpPr>
-        <p:spPr>
-          <a:xfrm>
-            <a:off x="7315200" y="3943350"/>
-            <a:ext cx="914400" cy="685800"/>
-          </a:xfrm>
-          <a:prstGeom prst="smileyFace">
-            <a:avLst/>
-          </a:prstGeom>
-        </p:spPr>
-        <p:style>
-          <a:lnRef idx="2">
-            <a:schemeClr val="accent6">
-              <a:shade val="50000"/>
-            </a:schemeClr>
-          </a:lnRef>
-          <a:fillRef idx="1">
-            <a:schemeClr val="accent6"/>
-          </a:fillRef>
-          <a:effectRef idx="0">
-            <a:schemeClr val="accent6"/>
-          </a:effectRef>
-          <a:fontRef idx="minor">
-            <a:schemeClr val="lt1"/>
-          </a:fontRef>
-        </p:style>
-        <p:txBody>
-          <a:bodyPr rtlCol="0" anchor="ctr"/>
-          <a:lstStyle/>
-          <a:p>
-            <a:pPr algn="ctr"/>
-            <a:endParaRPr lang="en-CA"/>
+              <a:t>16</a:t>
+            </a:r>
           </a:p>
         </p:txBody>
       </p:sp>
@@ -10507,7 +12245,7 @@
         </p:nvSpPr>
         <p:spPr>
           <a:xfrm>
-            <a:off x="457200" y="462030"/>
+            <a:off x="609600" y="1200150"/>
             <a:ext cx="1905000" cy="1066800"/>
           </a:xfrm>
           <a:prstGeom prst="plaque">
@@ -10551,21 +12289,6 @@
               <a:t>“Brain”</a:t>
             </a:r>
           </a:p>
-          <a:p>
-            <a:pPr algn="ctr"/>
-            <a:r>
-              <a:rPr lang="en-CA" dirty="0"/>
-              <a:t>(</a:t>
-            </a:r>
-            <a:r>
-              <a:rPr lang="en-CA" dirty="0" err="1"/>
-              <a:t>ObjectID</a:t>
-            </a:r>
-            <a:r>
-              <a:rPr lang="en-CA" dirty="0"/>
-              <a:t> = 2)</a:t>
-            </a:r>
-          </a:p>
         </p:txBody>
       </p:sp>
       <p:sp>
@@ -10576,7 +12299,7 @@
         </p:nvSpPr>
         <p:spPr>
           <a:xfrm>
-            <a:off x="3276600" y="1490730"/>
+            <a:off x="3276600" y="1123950"/>
             <a:ext cx="2133600" cy="457200"/>
           </a:xfrm>
           <a:prstGeom prst="rect">
@@ -10610,19 +12333,7 @@
             </a:r>
             <a:r>
               <a:rPr lang="en-CA" dirty="0"/>
-              <a:t>(</a:t>
-            </a:r>
-            <a:r>
-              <a:rPr lang="en-CA" u="sng" dirty="0">
-                <a:solidFill>
-                  <a:srgbClr val="FF0000"/>
-                </a:solidFill>
-              </a:rPr>
-              <a:t>ID</a:t>
-            </a:r>
-            <a:r>
-              <a:rPr lang="en-CA" dirty="0"/>
-              <a:t>)</a:t>
+              <a:t>(ID)</a:t>
             </a:r>
           </a:p>
         </p:txBody>
@@ -10635,7 +12346,7 @@
         </p:nvSpPr>
         <p:spPr>
           <a:xfrm>
-            <a:off x="3276600" y="2176530"/>
+            <a:off x="3276600" y="1962150"/>
             <a:ext cx="2133600" cy="457200"/>
           </a:xfrm>
           <a:prstGeom prst="rect">
@@ -10684,9 +12395,9 @@
           <p:nvPr/>
         </p:nvCxnSpPr>
         <p:spPr>
-          <a:xfrm>
-            <a:off x="2362200" y="995430"/>
-            <a:ext cx="914400" cy="723900"/>
+          <a:xfrm flipV="1">
+            <a:off x="2514600" y="1352550"/>
+            <a:ext cx="762000" cy="381000"/>
           </a:xfrm>
           <a:prstGeom prst="straightConnector1">
             <a:avLst/>
@@ -10721,8 +12432,8 @@
         </p:nvCxnSpPr>
         <p:spPr>
           <a:xfrm>
-            <a:off x="2362200" y="995430"/>
-            <a:ext cx="914400" cy="1409700"/>
+            <a:off x="2514600" y="1733550"/>
+            <a:ext cx="762000" cy="457200"/>
           </a:xfrm>
           <a:prstGeom prst="straightConnector1">
             <a:avLst/>
@@ -10756,7 +12467,7 @@
         </p:nvCxnSpPr>
         <p:spPr>
           <a:xfrm>
-            <a:off x="5410200" y="1719330"/>
+            <a:off x="5410200" y="1352550"/>
             <a:ext cx="1143000" cy="0"/>
           </a:xfrm>
           <a:prstGeom prst="straightConnector1">
@@ -10791,7 +12502,7 @@
         </p:nvCxnSpPr>
         <p:spPr>
           <a:xfrm>
-            <a:off x="5410200" y="2405130"/>
+            <a:off x="5410200" y="2190750"/>
             <a:ext cx="1143000" cy="0"/>
           </a:xfrm>
           <a:prstGeom prst="straightConnector1">
@@ -10810,211 +12521,6 @@
           </a:fillRef>
           <a:effectRef idx="0">
             <a:schemeClr val="accent1"/>
-          </a:effectRef>
-          <a:fontRef idx="minor">
-            <a:schemeClr val="tx1"/>
-          </a:fontRef>
-        </p:style>
-      </p:cxnSp>
-      <p:sp>
-        <p:nvSpPr>
-          <p:cNvPr id="26" name="Plaque 25"/>
-          <p:cNvSpPr/>
-          <p:nvPr/>
-        </p:nvSpPr>
-        <p:spPr>
-          <a:xfrm>
-            <a:off x="457200" y="2680952"/>
-            <a:ext cx="1905000" cy="1066800"/>
-          </a:xfrm>
-          <a:prstGeom prst="plaque">
-            <a:avLst/>
-          </a:prstGeom>
-        </p:spPr>
-        <p:style>
-          <a:lnRef idx="2">
-            <a:schemeClr val="accent1">
-              <a:shade val="50000"/>
-            </a:schemeClr>
-          </a:lnRef>
-          <a:fillRef idx="1">
-            <a:schemeClr val="accent1"/>
-          </a:fillRef>
-          <a:effectRef idx="0">
-            <a:schemeClr val="accent1"/>
-          </a:effectRef>
-          <a:fontRef idx="minor">
-            <a:schemeClr val="lt1"/>
-          </a:fontRef>
-        </p:style>
-        <p:txBody>
-          <a:bodyPr rtlCol="0" anchor="ctr"/>
-          <a:lstStyle/>
-          <a:p>
-            <a:pPr algn="ctr"/>
-            <a:r>
-              <a:rPr lang="en-CA" dirty="0" err="1"/>
-              <a:t>Lua</a:t>
-            </a:r>
-            <a:r>
-              <a:rPr lang="en-CA" dirty="0"/>
-              <a:t> Instance </a:t>
-            </a:r>
-          </a:p>
-          <a:p>
-            <a:pPr algn="ctr"/>
-            <a:r>
-              <a:rPr lang="en-CA" dirty="0"/>
-              <a:t>“Brain”</a:t>
-            </a:r>
-          </a:p>
-          <a:p>
-            <a:pPr algn="ctr"/>
-            <a:r>
-              <a:rPr lang="en-CA" dirty="0"/>
-              <a:t>(for object 5)</a:t>
-            </a:r>
-          </a:p>
-        </p:txBody>
-      </p:sp>
-      <p:cxnSp>
-        <p:nvCxnSpPr>
-          <p:cNvPr id="30" name="Straight Arrow Connector 29"/>
-          <p:cNvCxnSpPr>
-            <a:stCxn id="26" idx="3"/>
-            <a:endCxn id="10" idx="1"/>
-          </p:cNvCxnSpPr>
-          <p:nvPr/>
-        </p:nvCxnSpPr>
-        <p:spPr>
-          <a:xfrm flipV="1">
-            <a:off x="2362200" y="1719330"/>
-            <a:ext cx="914400" cy="1495022"/>
-          </a:xfrm>
-          <a:prstGeom prst="straightConnector1">
-            <a:avLst/>
-          </a:prstGeom>
-          <a:ln>
-            <a:tailEnd type="arrow"/>
-          </a:ln>
-        </p:spPr>
-        <p:style>
-          <a:lnRef idx="1">
-            <a:schemeClr val="accent1"/>
-          </a:lnRef>
-          <a:fillRef idx="0">
-            <a:schemeClr val="accent1"/>
-          </a:fillRef>
-          <a:effectRef idx="0">
-            <a:schemeClr val="accent1"/>
-          </a:effectRef>
-          <a:fontRef idx="minor">
-            <a:schemeClr val="tx1"/>
-          </a:fontRef>
-        </p:style>
-      </p:cxnSp>
-      <p:cxnSp>
-        <p:nvCxnSpPr>
-          <p:cNvPr id="32" name="Straight Arrow Connector 31"/>
-          <p:cNvCxnSpPr>
-            <a:stCxn id="26" idx="3"/>
-            <a:endCxn id="11" idx="1"/>
-          </p:cNvCxnSpPr>
-          <p:nvPr/>
-        </p:nvCxnSpPr>
-        <p:spPr>
-          <a:xfrm flipV="1">
-            <a:off x="2362200" y="2405130"/>
-            <a:ext cx="914400" cy="809222"/>
-          </a:xfrm>
-          <a:prstGeom prst="straightConnector1">
-            <a:avLst/>
-          </a:prstGeom>
-          <a:ln>
-            <a:tailEnd type="arrow"/>
-          </a:ln>
-        </p:spPr>
-        <p:style>
-          <a:lnRef idx="1">
-            <a:schemeClr val="accent1"/>
-          </a:lnRef>
-          <a:fillRef idx="0">
-            <a:schemeClr val="accent1"/>
-          </a:fillRef>
-          <a:effectRef idx="0">
-            <a:schemeClr val="accent1"/>
-          </a:effectRef>
-          <a:fontRef idx="minor">
-            <a:schemeClr val="tx1"/>
-          </a:fontRef>
-        </p:style>
-      </p:cxnSp>
-      <p:cxnSp>
-        <p:nvCxnSpPr>
-          <p:cNvPr id="34" name="Straight Connector 33"/>
-          <p:cNvCxnSpPr>
-            <a:stCxn id="9" idx="3"/>
-            <a:endCxn id="5" idx="1"/>
-          </p:cNvCxnSpPr>
-          <p:nvPr/>
-        </p:nvCxnSpPr>
-        <p:spPr>
-          <a:xfrm>
-            <a:off x="2362200" y="995430"/>
-            <a:ext cx="4782111" cy="76553"/>
-          </a:xfrm>
-          <a:prstGeom prst="line">
-            <a:avLst/>
-          </a:prstGeom>
-          <a:ln>
-            <a:prstDash val="dash"/>
-          </a:ln>
-        </p:spPr>
-        <p:style>
-          <a:lnRef idx="3">
-            <a:schemeClr val="accent6"/>
-          </a:lnRef>
-          <a:fillRef idx="0">
-            <a:schemeClr val="accent6"/>
-          </a:fillRef>
-          <a:effectRef idx="2">
-            <a:schemeClr val="accent6"/>
-          </a:effectRef>
-          <a:fontRef idx="minor">
-            <a:schemeClr val="tx1"/>
-          </a:fontRef>
-        </p:style>
-      </p:cxnSp>
-      <p:cxnSp>
-        <p:nvCxnSpPr>
-          <p:cNvPr id="35" name="Straight Connector 34"/>
-          <p:cNvCxnSpPr>
-            <a:stCxn id="26" idx="3"/>
-            <a:endCxn id="7" idx="2"/>
-          </p:cNvCxnSpPr>
-          <p:nvPr/>
-        </p:nvCxnSpPr>
-        <p:spPr>
-          <a:xfrm>
-            <a:off x="2362200" y="3214352"/>
-            <a:ext cx="4419600" cy="81298"/>
-          </a:xfrm>
-          <a:prstGeom prst="line">
-            <a:avLst/>
-          </a:prstGeom>
-          <a:ln>
-            <a:prstDash val="dash"/>
-          </a:ln>
-        </p:spPr>
-        <p:style>
-          <a:lnRef idx="3">
-            <a:schemeClr val="accent6"/>
-          </a:lnRef>
-          <a:fillRef idx="0">
-            <a:schemeClr val="accent6"/>
-          </a:fillRef>
-          <a:effectRef idx="2">
-            <a:schemeClr val="accent6"/>
           </a:effectRef>
           <a:fontRef idx="minor">
             <a:schemeClr val="tx1"/>
@@ -11054,7 +12560,7 @@
         </p:nvSpPr>
         <p:spPr>
           <a:xfrm>
-            <a:off x="838200" y="438150"/>
+            <a:off x="6553200" y="590550"/>
             <a:ext cx="1828800" cy="4191000"/>
           </a:xfrm>
           <a:prstGeom prst="rect">
@@ -11154,7 +12660,7 @@
         </p:nvSpPr>
         <p:spPr>
           <a:xfrm>
-            <a:off x="1295400" y="819150"/>
+            <a:off x="6096000" y="935356"/>
             <a:ext cx="914400" cy="685800"/>
           </a:xfrm>
           <a:prstGeom prst="smileyFace">
@@ -11194,7 +12700,47 @@
         </p:nvSpPr>
         <p:spPr>
           <a:xfrm>
-            <a:off x="1371600" y="1885950"/>
+            <a:off x="7086600" y="2038350"/>
+            <a:ext cx="914400" cy="685800"/>
+          </a:xfrm>
+          <a:prstGeom prst="smileyFace">
+            <a:avLst/>
+          </a:prstGeom>
+        </p:spPr>
+        <p:style>
+          <a:lnRef idx="2">
+            <a:schemeClr val="accent3">
+              <a:shade val="50000"/>
+            </a:schemeClr>
+          </a:lnRef>
+          <a:fillRef idx="1">
+            <a:schemeClr val="accent3"/>
+          </a:fillRef>
+          <a:effectRef idx="0">
+            <a:schemeClr val="accent3"/>
+          </a:effectRef>
+          <a:fontRef idx="minor">
+            <a:schemeClr val="lt1"/>
+          </a:fontRef>
+        </p:style>
+        <p:txBody>
+          <a:bodyPr rtlCol="0" anchor="ctr"/>
+          <a:lstStyle/>
+          <a:p>
+            <a:pPr algn="ctr"/>
+            <a:endParaRPr lang="en-CA"/>
+          </a:p>
+        </p:txBody>
+      </p:sp>
+      <p:sp>
+        <p:nvSpPr>
+          <p:cNvPr id="7" name="Smiley Face 6"/>
+          <p:cNvSpPr/>
+          <p:nvPr/>
+        </p:nvSpPr>
+        <p:spPr>
+          <a:xfrm>
+            <a:off x="6781800" y="2952750"/>
             <a:ext cx="914400" cy="685800"/>
           </a:xfrm>
           <a:prstGeom prst="smileyFace">
@@ -11228,13 +12774,13 @@
       </p:sp>
       <p:sp>
         <p:nvSpPr>
-          <p:cNvPr id="7" name="Smiley Face 6"/>
+          <p:cNvPr id="8" name="Smiley Face 7"/>
           <p:cNvSpPr/>
           <p:nvPr/>
         </p:nvSpPr>
         <p:spPr>
           <a:xfrm>
-            <a:off x="1066800" y="2800350"/>
+            <a:off x="7315200" y="3943350"/>
             <a:ext cx="914400" cy="685800"/>
           </a:xfrm>
           <a:prstGeom prst="smileyFace">
@@ -11268,54 +12814,14 @@
       </p:sp>
       <p:sp>
         <p:nvSpPr>
-          <p:cNvPr id="8" name="Smiley Face 7"/>
-          <p:cNvSpPr/>
-          <p:nvPr/>
-        </p:nvSpPr>
-        <p:spPr>
-          <a:xfrm>
-            <a:off x="1600200" y="3790950"/>
-            <a:ext cx="914400" cy="685800"/>
-          </a:xfrm>
-          <a:prstGeom prst="smileyFace">
-            <a:avLst/>
-          </a:prstGeom>
-        </p:spPr>
-        <p:style>
-          <a:lnRef idx="2">
-            <a:schemeClr val="accent6">
-              <a:shade val="50000"/>
-            </a:schemeClr>
-          </a:lnRef>
-          <a:fillRef idx="1">
-            <a:schemeClr val="accent6"/>
-          </a:fillRef>
-          <a:effectRef idx="0">
-            <a:schemeClr val="accent6"/>
-          </a:effectRef>
-          <a:fontRef idx="minor">
-            <a:schemeClr val="lt1"/>
-          </a:fontRef>
-        </p:style>
-        <p:txBody>
-          <a:bodyPr rtlCol="0" anchor="ctr"/>
-          <a:lstStyle/>
-          <a:p>
-            <a:pPr algn="ctr"/>
-            <a:endParaRPr lang="en-CA"/>
-          </a:p>
-        </p:txBody>
-      </p:sp>
-      <p:sp>
-        <p:nvSpPr>
           <p:cNvPr id="9" name="Plaque 8"/>
           <p:cNvSpPr/>
           <p:nvPr/>
         </p:nvSpPr>
         <p:spPr>
           <a:xfrm>
-            <a:off x="6210300" y="198120"/>
-            <a:ext cx="1905000" cy="762000"/>
+            <a:off x="609600" y="971550"/>
+            <a:ext cx="1905000" cy="1066800"/>
           </a:xfrm>
           <a:prstGeom prst="plaque">
             <a:avLst/>
@@ -11362,147 +12868,17 @@
       </p:sp>
       <p:cxnSp>
         <p:nvCxnSpPr>
-          <p:cNvPr id="20" name="Straight Connector 19"/>
+          <p:cNvPr id="13" name="Straight Arrow Connector 12"/>
           <p:cNvCxnSpPr>
-            <a:stCxn id="5" idx="6"/>
-            <a:endCxn id="9" idx="1"/>
+            <a:stCxn id="9" idx="3"/>
+            <a:endCxn id="5" idx="2"/>
           </p:cNvCxnSpPr>
           <p:nvPr/>
         </p:nvCxnSpPr>
         <p:spPr>
           <a:xfrm flipV="1">
-            <a:off x="2209800" y="579120"/>
-            <a:ext cx="4000500" cy="582930"/>
-          </a:xfrm>
-          <a:prstGeom prst="line">
-            <a:avLst/>
-          </a:prstGeom>
-          <a:ln>
-            <a:prstDash val="dash"/>
-          </a:ln>
-        </p:spPr>
-        <p:style>
-          <a:lnRef idx="3">
-            <a:schemeClr val="accent3"/>
-          </a:lnRef>
-          <a:fillRef idx="0">
-            <a:schemeClr val="accent3"/>
-          </a:fillRef>
-          <a:effectRef idx="2">
-            <a:schemeClr val="accent3"/>
-          </a:effectRef>
-          <a:fontRef idx="minor">
-            <a:schemeClr val="tx1"/>
-          </a:fontRef>
-        </p:style>
-      </p:cxnSp>
-      <p:sp>
-        <p:nvSpPr>
-          <p:cNvPr id="28" name="Rectangle 27"/>
-          <p:cNvSpPr/>
-          <p:nvPr/>
-        </p:nvSpPr>
-        <p:spPr>
-          <a:xfrm>
-            <a:off x="3733800" y="1123950"/>
-            <a:ext cx="2133600" cy="457200"/>
-          </a:xfrm>
-          <a:prstGeom prst="rect">
-            <a:avLst/>
-          </a:prstGeom>
-        </p:spPr>
-        <p:style>
-          <a:lnRef idx="2">
-            <a:schemeClr val="accent1">
-              <a:shade val="50000"/>
-            </a:schemeClr>
-          </a:lnRef>
-          <a:fillRef idx="1">
-            <a:schemeClr val="accent1"/>
-          </a:fillRef>
-          <a:effectRef idx="0">
-            <a:schemeClr val="accent1"/>
-          </a:effectRef>
-          <a:fontRef idx="minor">
-            <a:schemeClr val="lt1"/>
-          </a:fontRef>
-        </p:style>
-        <p:txBody>
-          <a:bodyPr rtlCol="0" anchor="ctr"/>
-          <a:lstStyle/>
-          <a:p>
-            <a:pPr algn="ctr"/>
-            <a:r>
-              <a:rPr lang="en-CA" dirty="0" err="1"/>
-              <a:t>GetObjectState</a:t>
-            </a:r>
-            <a:r>
-              <a:rPr lang="en-CA" dirty="0"/>
-              <a:t>()</a:t>
-            </a:r>
-          </a:p>
-        </p:txBody>
-      </p:sp>
-      <p:sp>
-        <p:nvSpPr>
-          <p:cNvPr id="29" name="Rectangle 28"/>
-          <p:cNvSpPr/>
-          <p:nvPr/>
-        </p:nvSpPr>
-        <p:spPr>
-          <a:xfrm>
-            <a:off x="3733800" y="1657350"/>
-            <a:ext cx="2133600" cy="457200"/>
-          </a:xfrm>
-          <a:prstGeom prst="rect">
-            <a:avLst/>
-          </a:prstGeom>
-        </p:spPr>
-        <p:style>
-          <a:lnRef idx="2">
-            <a:schemeClr val="accent1">
-              <a:shade val="50000"/>
-            </a:schemeClr>
-          </a:lnRef>
-          <a:fillRef idx="1">
-            <a:schemeClr val="accent1"/>
-          </a:fillRef>
-          <a:effectRef idx="0">
-            <a:schemeClr val="accent1"/>
-          </a:effectRef>
-          <a:fontRef idx="minor">
-            <a:schemeClr val="lt1"/>
-          </a:fontRef>
-        </p:style>
-        <p:txBody>
-          <a:bodyPr rtlCol="0" anchor="ctr"/>
-          <a:lstStyle/>
-          <a:p>
-            <a:pPr algn="ctr"/>
-            <a:r>
-              <a:rPr lang="en-CA" dirty="0" err="1"/>
-              <a:t>SetObjectState</a:t>
-            </a:r>
-            <a:r>
-              <a:rPr lang="en-CA" dirty="0"/>
-              <a:t>()</a:t>
-            </a:r>
-          </a:p>
-        </p:txBody>
-      </p:sp>
-      <p:cxnSp>
-        <p:nvCxnSpPr>
-          <p:cNvPr id="33" name="Straight Arrow Connector 32"/>
-          <p:cNvCxnSpPr>
-            <a:stCxn id="28" idx="1"/>
-            <a:endCxn id="5" idx="6"/>
-          </p:cNvCxnSpPr>
-          <p:nvPr/>
-        </p:nvCxnSpPr>
-        <p:spPr>
-          <a:xfrm flipH="1" flipV="1">
-            <a:off x="2209800" y="1162050"/>
-            <a:ext cx="1524000" cy="190500"/>
+            <a:off x="2514600" y="1278256"/>
+            <a:ext cx="3581400" cy="226694"/>
           </a:xfrm>
           <a:prstGeom prst="straightConnector1">
             <a:avLst/>
@@ -11512,448 +12888,14 @@
           </a:ln>
         </p:spPr>
         <p:style>
-          <a:lnRef idx="3">
-            <a:schemeClr val="accent4"/>
+          <a:lnRef idx="1">
+            <a:schemeClr val="accent1"/>
           </a:lnRef>
           <a:fillRef idx="0">
-            <a:schemeClr val="accent4"/>
-          </a:fillRef>
-          <a:effectRef idx="2">
-            <a:schemeClr val="accent4"/>
-          </a:effectRef>
-          <a:fontRef idx="minor">
-            <a:schemeClr val="tx1"/>
-          </a:fontRef>
-        </p:style>
-      </p:cxnSp>
-      <p:cxnSp>
-        <p:nvCxnSpPr>
-          <p:cNvPr id="34" name="Straight Arrow Connector 33"/>
-          <p:cNvCxnSpPr>
-            <a:stCxn id="29" idx="1"/>
-          </p:cNvCxnSpPr>
-          <p:nvPr/>
-        </p:nvCxnSpPr>
-        <p:spPr>
-          <a:xfrm flipH="1" flipV="1">
-            <a:off x="2209800" y="1200150"/>
-            <a:ext cx="1524000" cy="685800"/>
-          </a:xfrm>
-          <a:prstGeom prst="straightConnector1">
-            <a:avLst/>
-          </a:prstGeom>
-          <a:ln>
-            <a:tailEnd type="arrow"/>
-          </a:ln>
-        </p:spPr>
-        <p:style>
-          <a:lnRef idx="3">
-            <a:schemeClr val="accent4"/>
-          </a:lnRef>
-          <a:fillRef idx="0">
-            <a:schemeClr val="accent4"/>
-          </a:fillRef>
-          <a:effectRef idx="2">
-            <a:schemeClr val="accent4"/>
-          </a:effectRef>
-          <a:fontRef idx="minor">
-            <a:schemeClr val="tx1"/>
-          </a:fontRef>
-        </p:style>
-      </p:cxnSp>
-      <p:cxnSp>
-        <p:nvCxnSpPr>
-          <p:cNvPr id="38" name="Straight Arrow Connector 37"/>
-          <p:cNvCxnSpPr>
-            <a:stCxn id="9" idx="2"/>
-            <a:endCxn id="28" idx="3"/>
-          </p:cNvCxnSpPr>
-          <p:nvPr/>
-        </p:nvCxnSpPr>
-        <p:spPr>
-          <a:xfrm flipH="1">
-            <a:off x="5867400" y="960120"/>
-            <a:ext cx="1295400" cy="392430"/>
-          </a:xfrm>
-          <a:prstGeom prst="straightConnector1">
-            <a:avLst/>
-          </a:prstGeom>
-          <a:ln>
-            <a:tailEnd type="arrow"/>
-          </a:ln>
-        </p:spPr>
-        <p:style>
-          <a:lnRef idx="3">
-            <a:schemeClr val="accent4"/>
-          </a:lnRef>
-          <a:fillRef idx="0">
-            <a:schemeClr val="accent4"/>
-          </a:fillRef>
-          <a:effectRef idx="2">
-            <a:schemeClr val="accent4"/>
-          </a:effectRef>
-          <a:fontRef idx="minor">
-            <a:schemeClr val="tx1"/>
-          </a:fontRef>
-        </p:style>
-      </p:cxnSp>
-      <p:cxnSp>
-        <p:nvCxnSpPr>
-          <p:cNvPr id="46" name="Straight Arrow Connector 45"/>
-          <p:cNvCxnSpPr>
-            <a:stCxn id="9" idx="2"/>
-            <a:endCxn id="29" idx="3"/>
-          </p:cNvCxnSpPr>
-          <p:nvPr/>
-        </p:nvCxnSpPr>
-        <p:spPr>
-          <a:xfrm flipH="1">
-            <a:off x="5867400" y="960120"/>
-            <a:ext cx="1295400" cy="925830"/>
-          </a:xfrm>
-          <a:prstGeom prst="straightConnector1">
-            <a:avLst/>
-          </a:prstGeom>
-          <a:ln>
-            <a:tailEnd type="arrow"/>
-          </a:ln>
-        </p:spPr>
-        <p:style>
-          <a:lnRef idx="3">
-            <a:schemeClr val="accent4"/>
-          </a:lnRef>
-          <a:fillRef idx="0">
-            <a:schemeClr val="accent4"/>
-          </a:fillRef>
-          <a:effectRef idx="2">
-            <a:schemeClr val="accent4"/>
-          </a:effectRef>
-          <a:fontRef idx="minor">
-            <a:schemeClr val="tx1"/>
-          </a:fontRef>
-        </p:style>
-      </p:cxnSp>
-      <p:sp>
-        <p:nvSpPr>
-          <p:cNvPr id="49" name="Plaque 48"/>
-          <p:cNvSpPr/>
-          <p:nvPr/>
-        </p:nvSpPr>
-        <p:spPr>
-          <a:xfrm>
-            <a:off x="6324600" y="1962150"/>
-            <a:ext cx="1905000" cy="762000"/>
-          </a:xfrm>
-          <a:prstGeom prst="plaque">
-            <a:avLst/>
-          </a:prstGeom>
-        </p:spPr>
-        <p:style>
-          <a:lnRef idx="2">
-            <a:schemeClr val="accent1">
-              <a:shade val="50000"/>
-            </a:schemeClr>
-          </a:lnRef>
-          <a:fillRef idx="1">
             <a:schemeClr val="accent1"/>
           </a:fillRef>
           <a:effectRef idx="0">
             <a:schemeClr val="accent1"/>
-          </a:effectRef>
-          <a:fontRef idx="minor">
-            <a:schemeClr val="lt1"/>
-          </a:fontRef>
-        </p:style>
-        <p:txBody>
-          <a:bodyPr rtlCol="0" anchor="ctr"/>
-          <a:lstStyle/>
-          <a:p>
-            <a:pPr algn="ctr"/>
-            <a:r>
-              <a:rPr lang="en-CA" dirty="0" err="1"/>
-              <a:t>Lua</a:t>
-            </a:r>
-            <a:r>
-              <a:rPr lang="en-CA" dirty="0"/>
-              <a:t> Instance </a:t>
-            </a:r>
-          </a:p>
-          <a:p>
-            <a:pPr algn="ctr"/>
-            <a:r>
-              <a:rPr lang="en-CA" dirty="0"/>
-              <a:t>“Brain”</a:t>
-            </a:r>
-          </a:p>
-        </p:txBody>
-      </p:sp>
-      <p:cxnSp>
-        <p:nvCxnSpPr>
-          <p:cNvPr id="50" name="Straight Connector 49"/>
-          <p:cNvCxnSpPr>
-            <a:endCxn id="49" idx="1"/>
-          </p:cNvCxnSpPr>
-          <p:nvPr/>
-        </p:nvCxnSpPr>
-        <p:spPr>
-          <a:xfrm flipV="1">
-            <a:off x="2057400" y="2343150"/>
-            <a:ext cx="4267200" cy="762000"/>
-          </a:xfrm>
-          <a:prstGeom prst="line">
-            <a:avLst/>
-          </a:prstGeom>
-          <a:ln>
-            <a:prstDash val="dash"/>
-          </a:ln>
-        </p:spPr>
-        <p:style>
-          <a:lnRef idx="3">
-            <a:schemeClr val="accent3"/>
-          </a:lnRef>
-          <a:fillRef idx="0">
-            <a:schemeClr val="accent3"/>
-          </a:fillRef>
-          <a:effectRef idx="2">
-            <a:schemeClr val="accent3"/>
-          </a:effectRef>
-          <a:fontRef idx="minor">
-            <a:schemeClr val="tx1"/>
-          </a:fontRef>
-        </p:style>
-      </p:cxnSp>
-      <p:sp>
-        <p:nvSpPr>
-          <p:cNvPr id="51" name="Rectangle 50"/>
-          <p:cNvSpPr/>
-          <p:nvPr/>
-        </p:nvSpPr>
-        <p:spPr>
-          <a:xfrm>
-            <a:off x="4114800" y="2952750"/>
-            <a:ext cx="2133600" cy="457200"/>
-          </a:xfrm>
-          <a:prstGeom prst="rect">
-            <a:avLst/>
-          </a:prstGeom>
-        </p:spPr>
-        <p:style>
-          <a:lnRef idx="2">
-            <a:schemeClr val="accent1">
-              <a:shade val="50000"/>
-            </a:schemeClr>
-          </a:lnRef>
-          <a:fillRef idx="1">
-            <a:schemeClr val="accent1"/>
-          </a:fillRef>
-          <a:effectRef idx="0">
-            <a:schemeClr val="accent1"/>
-          </a:effectRef>
-          <a:fontRef idx="minor">
-            <a:schemeClr val="lt1"/>
-          </a:fontRef>
-        </p:style>
-        <p:txBody>
-          <a:bodyPr rtlCol="0" anchor="ctr"/>
-          <a:lstStyle/>
-          <a:p>
-            <a:pPr algn="ctr"/>
-            <a:r>
-              <a:rPr lang="en-CA" dirty="0" err="1"/>
-              <a:t>GetObjectState</a:t>
-            </a:r>
-            <a:r>
-              <a:rPr lang="en-CA" dirty="0"/>
-              <a:t>()</a:t>
-            </a:r>
-          </a:p>
-        </p:txBody>
-      </p:sp>
-      <p:sp>
-        <p:nvSpPr>
-          <p:cNvPr id="52" name="Rectangle 51"/>
-          <p:cNvSpPr/>
-          <p:nvPr/>
-        </p:nvSpPr>
-        <p:spPr>
-          <a:xfrm>
-            <a:off x="4114800" y="3486150"/>
-            <a:ext cx="2133600" cy="457200"/>
-          </a:xfrm>
-          <a:prstGeom prst="rect">
-            <a:avLst/>
-          </a:prstGeom>
-        </p:spPr>
-        <p:style>
-          <a:lnRef idx="2">
-            <a:schemeClr val="accent1">
-              <a:shade val="50000"/>
-            </a:schemeClr>
-          </a:lnRef>
-          <a:fillRef idx="1">
-            <a:schemeClr val="accent1"/>
-          </a:fillRef>
-          <a:effectRef idx="0">
-            <a:schemeClr val="accent1"/>
-          </a:effectRef>
-          <a:fontRef idx="minor">
-            <a:schemeClr val="lt1"/>
-          </a:fontRef>
-        </p:style>
-        <p:txBody>
-          <a:bodyPr rtlCol="0" anchor="ctr"/>
-          <a:lstStyle/>
-          <a:p>
-            <a:pPr algn="ctr"/>
-            <a:r>
-              <a:rPr lang="en-CA" dirty="0" err="1"/>
-              <a:t>SetObjectState</a:t>
-            </a:r>
-            <a:r>
-              <a:rPr lang="en-CA" dirty="0"/>
-              <a:t>()</a:t>
-            </a:r>
-          </a:p>
-        </p:txBody>
-      </p:sp>
-      <p:cxnSp>
-        <p:nvCxnSpPr>
-          <p:cNvPr id="53" name="Straight Arrow Connector 52"/>
-          <p:cNvCxnSpPr>
-            <a:stCxn id="51" idx="1"/>
-            <a:endCxn id="7" idx="6"/>
-          </p:cNvCxnSpPr>
-          <p:nvPr/>
-        </p:nvCxnSpPr>
-        <p:spPr>
-          <a:xfrm flipH="1" flipV="1">
-            <a:off x="1981200" y="3143250"/>
-            <a:ext cx="2133600" cy="38100"/>
-          </a:xfrm>
-          <a:prstGeom prst="straightConnector1">
-            <a:avLst/>
-          </a:prstGeom>
-          <a:ln>
-            <a:tailEnd type="arrow"/>
-          </a:ln>
-        </p:spPr>
-        <p:style>
-          <a:lnRef idx="3">
-            <a:schemeClr val="accent4"/>
-          </a:lnRef>
-          <a:fillRef idx="0">
-            <a:schemeClr val="accent4"/>
-          </a:fillRef>
-          <a:effectRef idx="2">
-            <a:schemeClr val="accent4"/>
-          </a:effectRef>
-          <a:fontRef idx="minor">
-            <a:schemeClr val="tx1"/>
-          </a:fontRef>
-        </p:style>
-      </p:cxnSp>
-      <p:cxnSp>
-        <p:nvCxnSpPr>
-          <p:cNvPr id="54" name="Straight Arrow Connector 53"/>
-          <p:cNvCxnSpPr>
-            <a:stCxn id="52" idx="1"/>
-            <a:endCxn id="7" idx="6"/>
-          </p:cNvCxnSpPr>
-          <p:nvPr/>
-        </p:nvCxnSpPr>
-        <p:spPr>
-          <a:xfrm flipH="1" flipV="1">
-            <a:off x="1981200" y="3143250"/>
-            <a:ext cx="2133600" cy="571500"/>
-          </a:xfrm>
-          <a:prstGeom prst="straightConnector1">
-            <a:avLst/>
-          </a:prstGeom>
-          <a:ln>
-            <a:tailEnd type="arrow"/>
-          </a:ln>
-        </p:spPr>
-        <p:style>
-          <a:lnRef idx="3">
-            <a:schemeClr val="accent4"/>
-          </a:lnRef>
-          <a:fillRef idx="0">
-            <a:schemeClr val="accent4"/>
-          </a:fillRef>
-          <a:effectRef idx="2">
-            <a:schemeClr val="accent4"/>
-          </a:effectRef>
-          <a:fontRef idx="minor">
-            <a:schemeClr val="tx1"/>
-          </a:fontRef>
-        </p:style>
-      </p:cxnSp>
-      <p:cxnSp>
-        <p:nvCxnSpPr>
-          <p:cNvPr id="55" name="Straight Arrow Connector 54"/>
-          <p:cNvCxnSpPr>
-            <a:stCxn id="49" idx="2"/>
-            <a:endCxn id="51" idx="3"/>
-          </p:cNvCxnSpPr>
-          <p:nvPr/>
-        </p:nvCxnSpPr>
-        <p:spPr>
-          <a:xfrm flipH="1">
-            <a:off x="6248400" y="2724150"/>
-            <a:ext cx="1028700" cy="457200"/>
-          </a:xfrm>
-          <a:prstGeom prst="straightConnector1">
-            <a:avLst/>
-          </a:prstGeom>
-          <a:ln>
-            <a:tailEnd type="arrow"/>
-          </a:ln>
-        </p:spPr>
-        <p:style>
-          <a:lnRef idx="3">
-            <a:schemeClr val="accent4"/>
-          </a:lnRef>
-          <a:fillRef idx="0">
-            <a:schemeClr val="accent4"/>
-          </a:fillRef>
-          <a:effectRef idx="2">
-            <a:schemeClr val="accent4"/>
-          </a:effectRef>
-          <a:fontRef idx="minor">
-            <a:schemeClr val="tx1"/>
-          </a:fontRef>
-        </p:style>
-      </p:cxnSp>
-      <p:cxnSp>
-        <p:nvCxnSpPr>
-          <p:cNvPr id="56" name="Straight Arrow Connector 55"/>
-          <p:cNvCxnSpPr>
-            <a:stCxn id="49" idx="2"/>
-            <a:endCxn id="52" idx="3"/>
-          </p:cNvCxnSpPr>
-          <p:nvPr/>
-        </p:nvCxnSpPr>
-        <p:spPr>
-          <a:xfrm flipH="1">
-            <a:off x="6248400" y="2724150"/>
-            <a:ext cx="1028700" cy="990600"/>
-          </a:xfrm>
-          <a:prstGeom prst="straightConnector1">
-            <a:avLst/>
-          </a:prstGeom>
-          <a:ln>
-            <a:tailEnd type="arrow"/>
-          </a:ln>
-        </p:spPr>
-        <p:style>
-          <a:lnRef idx="3">
-            <a:schemeClr val="accent4"/>
-          </a:lnRef>
-          <a:fillRef idx="0">
-            <a:schemeClr val="accent4"/>
-          </a:fillRef>
-          <a:effectRef idx="2">
-            <a:schemeClr val="accent4"/>
           </a:effectRef>
           <a:fontRef idx="minor">
             <a:schemeClr val="tx1"/>
@@ -11961,6 +12903,11 @@
         </p:style>
       </p:cxnSp>
     </p:spTree>
+    <p:extLst>
+      <p:ext uri="{BB962C8B-B14F-4D97-AF65-F5344CB8AC3E}">
+        <p14:creationId xmlns:p14="http://schemas.microsoft.com/office/powerpoint/2010/main" val="1056831820"/>
+      </p:ext>
+    </p:extLst>
   </p:cSld>
   <p:clrMapOvr>
     <a:masterClrMapping/>
@@ -11987,135 +12934,14 @@
       </p:grpSpPr>
       <p:sp>
         <p:nvSpPr>
-          <p:cNvPr id="2" name="Title 1"/>
-          <p:cNvSpPr>
-            <a:spLocks noGrp="1"/>
-          </p:cNvSpPr>
-          <p:nvPr>
-            <p:ph type="title"/>
-          </p:nvPr>
-        </p:nvSpPr>
-        <p:spPr>
-          <a:xfrm>
-            <a:off x="457200" y="205979"/>
-            <a:ext cx="8229600" cy="613171"/>
-          </a:xfrm>
-        </p:spPr>
-        <p:txBody>
-          <a:bodyPr>
-            <a:normAutofit fontScale="90000"/>
-          </a:bodyPr>
-          <a:lstStyle/>
-          <a:p>
-            <a:r>
-              <a:rPr lang="en-CA" dirty="0" err="1"/>
-              <a:t>Lua</a:t>
-            </a:r>
-            <a:r>
-              <a:rPr lang="en-CA" dirty="0"/>
-              <a:t> tables</a:t>
-            </a:r>
-          </a:p>
-        </p:txBody>
-      </p:sp>
-      <p:sp>
-        <p:nvSpPr>
-          <p:cNvPr id="3" name="Content Placeholder 2"/>
-          <p:cNvSpPr>
-            <a:spLocks noGrp="1"/>
-          </p:cNvSpPr>
-          <p:nvPr>
-            <p:ph idx="1"/>
-          </p:nvPr>
-        </p:nvSpPr>
-        <p:spPr>
-          <a:xfrm>
-            <a:off x="457200" y="895351"/>
-            <a:ext cx="8229600" cy="2286000"/>
-          </a:xfrm>
-        </p:spPr>
-        <p:txBody>
-          <a:bodyPr>
-            <a:normAutofit/>
-          </a:bodyPr>
-          <a:lstStyle/>
-          <a:p>
-            <a:r>
-              <a:rPr lang="en-US" dirty="0"/>
-              <a:t>Only “container” type, can mimic almost any other common container</a:t>
-            </a:r>
-          </a:p>
-          <a:p>
-            <a:r>
-              <a:rPr lang="en-US" dirty="0"/>
-              <a:t>They are “associative arrays”:</a:t>
-            </a:r>
-          </a:p>
-          <a:p>
-            <a:pPr lvl="1"/>
-            <a:r>
-              <a:rPr lang="en-US" dirty="0"/>
-              <a:t>Arrays that use anything as an index (like PHP)</a:t>
-            </a:r>
-          </a:p>
-          <a:p>
-            <a:pPr>
-              <a:buNone/>
-            </a:pPr>
-            <a:endParaRPr lang="en-CA" dirty="0"/>
-          </a:p>
-          <a:p>
-            <a:endParaRPr lang="en-CA" dirty="0"/>
-          </a:p>
-        </p:txBody>
-      </p:sp>
-      <p:sp>
-        <p:nvSpPr>
-          <p:cNvPr id="4" name="AutoShape 6"/>
-          <p:cNvSpPr>
-            <a:spLocks noChangeArrowheads="1"/>
-          </p:cNvSpPr>
-          <p:nvPr/>
-        </p:nvSpPr>
-        <p:spPr bwMode="auto">
-          <a:xfrm>
-            <a:off x="8534400" y="4800600"/>
-            <a:ext cx="609600" cy="342900"/>
-          </a:xfrm>
-          <a:prstGeom prst="rightArrow">
-            <a:avLst>
-              <a:gd name="adj1" fmla="val 50000"/>
-              <a:gd name="adj2" fmla="val 33333"/>
-            </a:avLst>
-          </a:prstGeom>
-          <a:noFill/>
-          <a:ln w="19050">
-            <a:solidFill>
-              <a:srgbClr val="969696"/>
-            </a:solidFill>
-            <a:miter lim="800000"/>
-            <a:headEnd/>
-            <a:tailEnd/>
-          </a:ln>
-        </p:spPr>
-        <p:txBody>
-          <a:bodyPr wrap="none" anchor="ctr"/>
-          <a:lstStyle/>
-          <a:p>
-            <a:endParaRPr lang="en-CA" dirty="0"/>
-          </a:p>
-        </p:txBody>
-      </p:sp>
-      <p:sp>
-        <p:nvSpPr>
-          <p:cNvPr id="7" name="Rectangle 6"/>
+          <p:cNvPr id="4" name="Rectangle 3"/>
           <p:cNvSpPr/>
           <p:nvPr/>
         </p:nvSpPr>
         <p:spPr>
           <a:xfrm>
-            <a:off x="533400" y="3181350"/>
-            <a:ext cx="2362200" cy="1524000"/>
+            <a:off x="6553200" y="590550"/>
+            <a:ext cx="1828800" cy="4191000"/>
           </a:xfrm>
           <a:prstGeom prst="rect">
             <a:avLst/>
@@ -12138,44 +12964,252 @@
           </a:fontRef>
         </p:style>
         <p:txBody>
-          <a:bodyPr rtlCol="0" anchor="ctr" anchorCtr="0"/>
-          <a:lstStyle/>
-          <a:p>
-            <a:pPr algn="ctr"/>
-            <a:r>
-              <a:rPr lang="en-US" dirty="0"/>
-              <a:t>a = {}</a:t>
-            </a:r>
-          </a:p>
-          <a:p>
-            <a:pPr algn="ctr"/>
-            <a:r>
-              <a:rPr lang="en-US" dirty="0"/>
-              <a:t>K = a</a:t>
-            </a:r>
-          </a:p>
-          <a:p>
-            <a:pPr algn="ctr"/>
-            <a:r>
-              <a:rPr lang="en-US" dirty="0"/>
-              <a:t>a = nil</a:t>
+          <a:bodyPr rtlCol="0" anchor="ctr"/>
+          <a:lstStyle/>
+          <a:p>
+            <a:pPr algn="ctr"/>
+            <a:r>
+              <a:rPr lang="en-CA" dirty="0" err="1"/>
+              <a:t>vecObjects</a:t>
             </a:r>
             <a:endParaRPr lang="en-CA" dirty="0"/>
           </a:p>
-        </p:txBody>
-      </p:sp>
-      <p:sp>
-        <p:nvSpPr>
-          <p:cNvPr id="10" name="Rectangle 9"/>
+          <a:p>
+            <a:pPr algn="ctr"/>
+            <a:endParaRPr lang="en-CA" dirty="0"/>
+          </a:p>
+          <a:p>
+            <a:pPr algn="ctr"/>
+            <a:endParaRPr lang="en-CA" dirty="0"/>
+          </a:p>
+          <a:p>
+            <a:pPr algn="ctr"/>
+            <a:endParaRPr lang="en-CA" dirty="0"/>
+          </a:p>
+          <a:p>
+            <a:pPr algn="ctr"/>
+            <a:endParaRPr lang="en-CA" dirty="0"/>
+          </a:p>
+          <a:p>
+            <a:pPr algn="ctr"/>
+            <a:endParaRPr lang="en-CA" dirty="0"/>
+          </a:p>
+          <a:p>
+            <a:pPr algn="ctr"/>
+            <a:endParaRPr lang="en-CA" dirty="0"/>
+          </a:p>
+          <a:p>
+            <a:pPr algn="ctr"/>
+            <a:endParaRPr lang="en-CA" dirty="0"/>
+          </a:p>
+          <a:p>
+            <a:pPr algn="ctr"/>
+            <a:endParaRPr lang="en-CA" dirty="0"/>
+          </a:p>
+          <a:p>
+            <a:pPr algn="ctr"/>
+            <a:endParaRPr lang="en-CA" dirty="0"/>
+          </a:p>
+          <a:p>
+            <a:pPr algn="ctr"/>
+            <a:endParaRPr lang="en-CA" dirty="0"/>
+          </a:p>
+          <a:p>
+            <a:pPr algn="ctr"/>
+            <a:endParaRPr lang="en-CA" dirty="0"/>
+          </a:p>
+          <a:p>
+            <a:pPr algn="ctr"/>
+            <a:endParaRPr lang="en-CA" dirty="0"/>
+          </a:p>
+          <a:p>
+            <a:pPr algn="ctr"/>
+            <a:endParaRPr lang="en-CA" dirty="0"/>
+          </a:p>
+          <a:p>
+            <a:pPr algn="ctr"/>
+            <a:endParaRPr lang="en-CA" dirty="0"/>
+          </a:p>
+        </p:txBody>
+      </p:sp>
+      <p:sp>
+        <p:nvSpPr>
+          <p:cNvPr id="5" name="Smiley Face 4"/>
           <p:cNvSpPr/>
           <p:nvPr/>
         </p:nvSpPr>
         <p:spPr>
           <a:xfrm>
-            <a:off x="3276600" y="3181350"/>
-            <a:ext cx="2438400" cy="1524000"/>
-          </a:xfrm>
-          <a:prstGeom prst="rect">
+            <a:off x="7010400" y="971550"/>
+            <a:ext cx="914400" cy="685800"/>
+          </a:xfrm>
+          <a:prstGeom prst="smileyFace">
+            <a:avLst/>
+          </a:prstGeom>
+        </p:spPr>
+        <p:style>
+          <a:lnRef idx="2">
+            <a:schemeClr val="accent6">
+              <a:shade val="50000"/>
+            </a:schemeClr>
+          </a:lnRef>
+          <a:fillRef idx="1">
+            <a:schemeClr val="accent6"/>
+          </a:fillRef>
+          <a:effectRef idx="0">
+            <a:schemeClr val="accent6"/>
+          </a:effectRef>
+          <a:fontRef idx="minor">
+            <a:schemeClr val="lt1"/>
+          </a:fontRef>
+        </p:style>
+        <p:txBody>
+          <a:bodyPr rtlCol="0" anchor="ctr"/>
+          <a:lstStyle/>
+          <a:p>
+            <a:pPr algn="ctr"/>
+            <a:r>
+              <a:rPr lang="en-CA" dirty="0"/>
+              <a:t>ID:2</a:t>
+            </a:r>
+          </a:p>
+        </p:txBody>
+      </p:sp>
+      <p:sp>
+        <p:nvSpPr>
+          <p:cNvPr id="6" name="Smiley Face 5"/>
+          <p:cNvSpPr/>
+          <p:nvPr/>
+        </p:nvSpPr>
+        <p:spPr>
+          <a:xfrm>
+            <a:off x="7086600" y="2038350"/>
+            <a:ext cx="914400" cy="685800"/>
+          </a:xfrm>
+          <a:prstGeom prst="smileyFace">
+            <a:avLst/>
+          </a:prstGeom>
+        </p:spPr>
+        <p:style>
+          <a:lnRef idx="2">
+            <a:schemeClr val="accent6">
+              <a:shade val="50000"/>
+            </a:schemeClr>
+          </a:lnRef>
+          <a:fillRef idx="1">
+            <a:schemeClr val="accent6"/>
+          </a:fillRef>
+          <a:effectRef idx="0">
+            <a:schemeClr val="accent6"/>
+          </a:effectRef>
+          <a:fontRef idx="minor">
+            <a:schemeClr val="lt1"/>
+          </a:fontRef>
+        </p:style>
+        <p:txBody>
+          <a:bodyPr rtlCol="0" anchor="ctr"/>
+          <a:lstStyle/>
+          <a:p>
+            <a:pPr algn="ctr"/>
+            <a:endParaRPr lang="en-CA"/>
+          </a:p>
+        </p:txBody>
+      </p:sp>
+      <p:sp>
+        <p:nvSpPr>
+          <p:cNvPr id="7" name="Smiley Face 6"/>
+          <p:cNvSpPr/>
+          <p:nvPr/>
+        </p:nvSpPr>
+        <p:spPr>
+          <a:xfrm>
+            <a:off x="6781800" y="2952750"/>
+            <a:ext cx="914400" cy="685800"/>
+          </a:xfrm>
+          <a:prstGeom prst="smileyFace">
+            <a:avLst/>
+          </a:prstGeom>
+        </p:spPr>
+        <p:style>
+          <a:lnRef idx="2">
+            <a:schemeClr val="accent6">
+              <a:shade val="50000"/>
+            </a:schemeClr>
+          </a:lnRef>
+          <a:fillRef idx="1">
+            <a:schemeClr val="accent6"/>
+          </a:fillRef>
+          <a:effectRef idx="0">
+            <a:schemeClr val="accent6"/>
+          </a:effectRef>
+          <a:fontRef idx="minor">
+            <a:schemeClr val="lt1"/>
+          </a:fontRef>
+        </p:style>
+        <p:txBody>
+          <a:bodyPr rtlCol="0" anchor="ctr"/>
+          <a:lstStyle/>
+          <a:p>
+            <a:pPr algn="ctr"/>
+            <a:r>
+              <a:rPr lang="en-CA" dirty="0"/>
+              <a:t>ID:5</a:t>
+            </a:r>
+          </a:p>
+        </p:txBody>
+      </p:sp>
+      <p:sp>
+        <p:nvSpPr>
+          <p:cNvPr id="8" name="Smiley Face 7"/>
+          <p:cNvSpPr/>
+          <p:nvPr/>
+        </p:nvSpPr>
+        <p:spPr>
+          <a:xfrm>
+            <a:off x="7315200" y="3943350"/>
+            <a:ext cx="914400" cy="685800"/>
+          </a:xfrm>
+          <a:prstGeom prst="smileyFace">
+            <a:avLst/>
+          </a:prstGeom>
+        </p:spPr>
+        <p:style>
+          <a:lnRef idx="2">
+            <a:schemeClr val="accent6">
+              <a:shade val="50000"/>
+            </a:schemeClr>
+          </a:lnRef>
+          <a:fillRef idx="1">
+            <a:schemeClr val="accent6"/>
+          </a:fillRef>
+          <a:effectRef idx="0">
+            <a:schemeClr val="accent6"/>
+          </a:effectRef>
+          <a:fontRef idx="minor">
+            <a:schemeClr val="lt1"/>
+          </a:fontRef>
+        </p:style>
+        <p:txBody>
+          <a:bodyPr rtlCol="0" anchor="ctr"/>
+          <a:lstStyle/>
+          <a:p>
+            <a:pPr algn="ctr"/>
+            <a:endParaRPr lang="en-CA"/>
+          </a:p>
+        </p:txBody>
+      </p:sp>
+      <p:sp>
+        <p:nvSpPr>
+          <p:cNvPr id="9" name="Plaque 8"/>
+          <p:cNvSpPr/>
+          <p:nvPr/>
+        </p:nvSpPr>
+        <p:spPr>
+          <a:xfrm>
+            <a:off x="457200" y="462030"/>
+            <a:ext cx="1905000" cy="1066800"/>
+          </a:xfrm>
+          <a:prstGeom prst="plaque">
             <a:avLst/>
           </a:prstGeom>
         </p:spPr>
@@ -12196,41 +13230,53 @@
           </a:fontRef>
         </p:style>
         <p:txBody>
-          <a:bodyPr rtlCol="0" anchor="ctr" anchorCtr="0"/>
-          <a:lstStyle/>
-          <a:p>
-            <a:pPr algn="ctr"/>
-            <a:r>
-              <a:rPr lang="en-US" dirty="0"/>
-              <a:t>a[5] = 10</a:t>
-            </a:r>
-          </a:p>
-          <a:p>
-            <a:pPr algn="ctr"/>
-            <a:r>
-              <a:rPr lang="en-US" dirty="0"/>
-              <a:t>a[5]  = “Yolo”</a:t>
-            </a:r>
-          </a:p>
-          <a:p>
-            <a:pPr algn="ctr"/>
-            <a:r>
-              <a:rPr lang="en-US" dirty="0"/>
-              <a:t>a[“5”] = 10</a:t>
-            </a:r>
-          </a:p>
-        </p:txBody>
-      </p:sp>
-      <p:sp>
-        <p:nvSpPr>
-          <p:cNvPr id="12" name="Rectangle 11"/>
+          <a:bodyPr rtlCol="0" anchor="ctr"/>
+          <a:lstStyle/>
+          <a:p>
+            <a:pPr algn="ctr"/>
+            <a:r>
+              <a:rPr lang="en-CA" dirty="0" err="1"/>
+              <a:t>Lua</a:t>
+            </a:r>
+            <a:r>
+              <a:rPr lang="en-CA" dirty="0"/>
+              <a:t> Instance </a:t>
+            </a:r>
+          </a:p>
+          <a:p>
+            <a:pPr algn="ctr"/>
+            <a:r>
+              <a:rPr lang="en-CA" dirty="0"/>
+              <a:t>“Brain”</a:t>
+            </a:r>
+          </a:p>
+          <a:p>
+            <a:pPr algn="ctr"/>
+            <a:r>
+              <a:rPr lang="en-CA" dirty="0"/>
+              <a:t>(</a:t>
+            </a:r>
+            <a:r>
+              <a:rPr lang="en-CA" dirty="0" err="1"/>
+              <a:t>ObjectID</a:t>
+            </a:r>
+            <a:r>
+              <a:rPr lang="en-CA" dirty="0"/>
+              <a:t> = 2)</a:t>
+            </a:r>
+          </a:p>
+        </p:txBody>
+      </p:sp>
+      <p:sp>
+        <p:nvSpPr>
+          <p:cNvPr id="10" name="Rectangle 9"/>
           <p:cNvSpPr/>
           <p:nvPr/>
         </p:nvSpPr>
         <p:spPr>
           <a:xfrm>
-            <a:off x="6019800" y="3181350"/>
-            <a:ext cx="2819400" cy="1524000"/>
+            <a:off x="3276600" y="1490730"/>
+            <a:ext cx="2133600" cy="457200"/>
           </a:xfrm>
           <a:prstGeom prst="rect">
             <a:avLst/>
@@ -12253,282 +13299,432 @@
           </a:fontRef>
         </p:style>
         <p:txBody>
-          <a:bodyPr rtlCol="0" anchor="ctr" anchorCtr="0"/>
-          <a:lstStyle/>
-          <a:p>
-            <a:pPr algn="ctr"/>
-            <a:r>
-              <a:rPr lang="en-US" dirty="0"/>
-              <a:t>a[“Yolo”] = 17</a:t>
-            </a:r>
-          </a:p>
-          <a:p>
-            <a:pPr algn="ctr"/>
-            <a:r>
-              <a:rPr lang="en-US" dirty="0"/>
-              <a:t>A[“Yolo”] = a[“Yolo”] + 1</a:t>
-            </a:r>
-            <a:endParaRPr lang="en-CA" dirty="0"/>
-          </a:p>
-        </p:txBody>
-      </p:sp>
+          <a:bodyPr rtlCol="0" anchor="ctr"/>
+          <a:lstStyle/>
+          <a:p>
+            <a:pPr algn="ctr"/>
+            <a:r>
+              <a:rPr lang="en-CA" dirty="0" err="1"/>
+              <a:t>GetObjectState</a:t>
+            </a:r>
+            <a:r>
+              <a:rPr lang="en-CA" dirty="0"/>
+              <a:t>(</a:t>
+            </a:r>
+            <a:r>
+              <a:rPr lang="en-CA" u="sng" dirty="0">
+                <a:solidFill>
+                  <a:srgbClr val="FF0000"/>
+                </a:solidFill>
+              </a:rPr>
+              <a:t>ID</a:t>
+            </a:r>
+            <a:r>
+              <a:rPr lang="en-CA" dirty="0"/>
+              <a:t>)</a:t>
+            </a:r>
+          </a:p>
+        </p:txBody>
+      </p:sp>
+      <p:sp>
+        <p:nvSpPr>
+          <p:cNvPr id="11" name="Rectangle 10"/>
+          <p:cNvSpPr/>
+          <p:nvPr/>
+        </p:nvSpPr>
+        <p:spPr>
+          <a:xfrm>
+            <a:off x="3276600" y="2176530"/>
+            <a:ext cx="2133600" cy="457200"/>
+          </a:xfrm>
+          <a:prstGeom prst="rect">
+            <a:avLst/>
+          </a:prstGeom>
+        </p:spPr>
+        <p:style>
+          <a:lnRef idx="2">
+            <a:schemeClr val="accent1">
+              <a:shade val="50000"/>
+            </a:schemeClr>
+          </a:lnRef>
+          <a:fillRef idx="1">
+            <a:schemeClr val="accent1"/>
+          </a:fillRef>
+          <a:effectRef idx="0">
+            <a:schemeClr val="accent1"/>
+          </a:effectRef>
+          <a:fontRef idx="minor">
+            <a:schemeClr val="lt1"/>
+          </a:fontRef>
+        </p:style>
+        <p:txBody>
+          <a:bodyPr rtlCol="0" anchor="ctr"/>
+          <a:lstStyle/>
+          <a:p>
+            <a:pPr algn="ctr"/>
+            <a:r>
+              <a:rPr lang="en-CA" dirty="0" err="1"/>
+              <a:t>SetObjectState</a:t>
+            </a:r>
+            <a:r>
+              <a:rPr lang="en-CA" dirty="0"/>
+              <a:t>(ID)</a:t>
+            </a:r>
+          </a:p>
+        </p:txBody>
+      </p:sp>
+      <p:cxnSp>
+        <p:nvCxnSpPr>
+          <p:cNvPr id="13" name="Straight Arrow Connector 12"/>
+          <p:cNvCxnSpPr>
+            <a:stCxn id="9" idx="3"/>
+            <a:endCxn id="10" idx="1"/>
+          </p:cNvCxnSpPr>
+          <p:nvPr/>
+        </p:nvCxnSpPr>
+        <p:spPr>
+          <a:xfrm>
+            <a:off x="2362200" y="995430"/>
+            <a:ext cx="914400" cy="723900"/>
+          </a:xfrm>
+          <a:prstGeom prst="straightConnector1">
+            <a:avLst/>
+          </a:prstGeom>
+          <a:ln>
+            <a:tailEnd type="arrow"/>
+          </a:ln>
+        </p:spPr>
+        <p:style>
+          <a:lnRef idx="1">
+            <a:schemeClr val="accent1"/>
+          </a:lnRef>
+          <a:fillRef idx="0">
+            <a:schemeClr val="accent1"/>
+          </a:fillRef>
+          <a:effectRef idx="0">
+            <a:schemeClr val="accent1"/>
+          </a:effectRef>
+          <a:fontRef idx="minor">
+            <a:schemeClr val="tx1"/>
+          </a:fontRef>
+        </p:style>
+      </p:cxnSp>
+      <p:cxnSp>
+        <p:nvCxnSpPr>
+          <p:cNvPr id="15" name="Straight Arrow Connector 14"/>
+          <p:cNvCxnSpPr>
+            <a:stCxn id="9" idx="3"/>
+            <a:endCxn id="11" idx="1"/>
+          </p:cNvCxnSpPr>
+          <p:nvPr/>
+        </p:nvCxnSpPr>
+        <p:spPr>
+          <a:xfrm>
+            <a:off x="2362200" y="995430"/>
+            <a:ext cx="914400" cy="1409700"/>
+          </a:xfrm>
+          <a:prstGeom prst="straightConnector1">
+            <a:avLst/>
+          </a:prstGeom>
+          <a:ln>
+            <a:tailEnd type="arrow"/>
+          </a:ln>
+        </p:spPr>
+        <p:style>
+          <a:lnRef idx="1">
+            <a:schemeClr val="accent1"/>
+          </a:lnRef>
+          <a:fillRef idx="0">
+            <a:schemeClr val="accent1"/>
+          </a:fillRef>
+          <a:effectRef idx="0">
+            <a:schemeClr val="accent1"/>
+          </a:effectRef>
+          <a:fontRef idx="minor">
+            <a:schemeClr val="tx1"/>
+          </a:fontRef>
+        </p:style>
+      </p:cxnSp>
+      <p:cxnSp>
+        <p:nvCxnSpPr>
+          <p:cNvPr id="17" name="Straight Arrow Connector 16"/>
+          <p:cNvCxnSpPr>
+            <a:stCxn id="10" idx="3"/>
+          </p:cNvCxnSpPr>
+          <p:nvPr/>
+        </p:nvCxnSpPr>
+        <p:spPr>
+          <a:xfrm>
+            <a:off x="5410200" y="1719330"/>
+            <a:ext cx="1143000" cy="0"/>
+          </a:xfrm>
+          <a:prstGeom prst="straightConnector1">
+            <a:avLst/>
+          </a:prstGeom>
+          <a:ln>
+            <a:tailEnd type="arrow"/>
+          </a:ln>
+        </p:spPr>
+        <p:style>
+          <a:lnRef idx="1">
+            <a:schemeClr val="accent1"/>
+          </a:lnRef>
+          <a:fillRef idx="0">
+            <a:schemeClr val="accent1"/>
+          </a:fillRef>
+          <a:effectRef idx="0">
+            <a:schemeClr val="accent1"/>
+          </a:effectRef>
+          <a:fontRef idx="minor">
+            <a:schemeClr val="tx1"/>
+          </a:fontRef>
+        </p:style>
+      </p:cxnSp>
+      <p:cxnSp>
+        <p:nvCxnSpPr>
+          <p:cNvPr id="19" name="Straight Arrow Connector 18"/>
+          <p:cNvCxnSpPr>
+            <a:stCxn id="11" idx="3"/>
+          </p:cNvCxnSpPr>
+          <p:nvPr/>
+        </p:nvCxnSpPr>
+        <p:spPr>
+          <a:xfrm>
+            <a:off x="5410200" y="2405130"/>
+            <a:ext cx="1143000" cy="0"/>
+          </a:xfrm>
+          <a:prstGeom prst="straightConnector1">
+            <a:avLst/>
+          </a:prstGeom>
+          <a:ln>
+            <a:tailEnd type="arrow"/>
+          </a:ln>
+        </p:spPr>
+        <p:style>
+          <a:lnRef idx="1">
+            <a:schemeClr val="accent1"/>
+          </a:lnRef>
+          <a:fillRef idx="0">
+            <a:schemeClr val="accent1"/>
+          </a:fillRef>
+          <a:effectRef idx="0">
+            <a:schemeClr val="accent1"/>
+          </a:effectRef>
+          <a:fontRef idx="minor">
+            <a:schemeClr val="tx1"/>
+          </a:fontRef>
+        </p:style>
+      </p:cxnSp>
+      <p:sp>
+        <p:nvSpPr>
+          <p:cNvPr id="26" name="Plaque 25"/>
+          <p:cNvSpPr/>
+          <p:nvPr/>
+        </p:nvSpPr>
+        <p:spPr>
+          <a:xfrm>
+            <a:off x="457200" y="2680952"/>
+            <a:ext cx="1905000" cy="1066800"/>
+          </a:xfrm>
+          <a:prstGeom prst="plaque">
+            <a:avLst/>
+          </a:prstGeom>
+        </p:spPr>
+        <p:style>
+          <a:lnRef idx="2">
+            <a:schemeClr val="accent1">
+              <a:shade val="50000"/>
+            </a:schemeClr>
+          </a:lnRef>
+          <a:fillRef idx="1">
+            <a:schemeClr val="accent1"/>
+          </a:fillRef>
+          <a:effectRef idx="0">
+            <a:schemeClr val="accent1"/>
+          </a:effectRef>
+          <a:fontRef idx="minor">
+            <a:schemeClr val="lt1"/>
+          </a:fontRef>
+        </p:style>
+        <p:txBody>
+          <a:bodyPr rtlCol="0" anchor="ctr"/>
+          <a:lstStyle/>
+          <a:p>
+            <a:pPr algn="ctr"/>
+            <a:r>
+              <a:rPr lang="en-CA" dirty="0" err="1"/>
+              <a:t>Lua</a:t>
+            </a:r>
+            <a:r>
+              <a:rPr lang="en-CA" dirty="0"/>
+              <a:t> Instance </a:t>
+            </a:r>
+          </a:p>
+          <a:p>
+            <a:pPr algn="ctr"/>
+            <a:r>
+              <a:rPr lang="en-CA" dirty="0"/>
+              <a:t>“Brain”</a:t>
+            </a:r>
+          </a:p>
+          <a:p>
+            <a:pPr algn="ctr"/>
+            <a:r>
+              <a:rPr lang="en-CA" dirty="0"/>
+              <a:t>(for object 5)</a:t>
+            </a:r>
+          </a:p>
+        </p:txBody>
+      </p:sp>
+      <p:cxnSp>
+        <p:nvCxnSpPr>
+          <p:cNvPr id="30" name="Straight Arrow Connector 29"/>
+          <p:cNvCxnSpPr>
+            <a:stCxn id="26" idx="3"/>
+            <a:endCxn id="10" idx="1"/>
+          </p:cNvCxnSpPr>
+          <p:nvPr/>
+        </p:nvCxnSpPr>
+        <p:spPr>
+          <a:xfrm flipV="1">
+            <a:off x="2362200" y="1719330"/>
+            <a:ext cx="914400" cy="1495022"/>
+          </a:xfrm>
+          <a:prstGeom prst="straightConnector1">
+            <a:avLst/>
+          </a:prstGeom>
+          <a:ln>
+            <a:tailEnd type="arrow"/>
+          </a:ln>
+        </p:spPr>
+        <p:style>
+          <a:lnRef idx="1">
+            <a:schemeClr val="accent1"/>
+          </a:lnRef>
+          <a:fillRef idx="0">
+            <a:schemeClr val="accent1"/>
+          </a:fillRef>
+          <a:effectRef idx="0">
+            <a:schemeClr val="accent1"/>
+          </a:effectRef>
+          <a:fontRef idx="minor">
+            <a:schemeClr val="tx1"/>
+          </a:fontRef>
+        </p:style>
+      </p:cxnSp>
+      <p:cxnSp>
+        <p:nvCxnSpPr>
+          <p:cNvPr id="32" name="Straight Arrow Connector 31"/>
+          <p:cNvCxnSpPr>
+            <a:stCxn id="26" idx="3"/>
+            <a:endCxn id="11" idx="1"/>
+          </p:cNvCxnSpPr>
+          <p:nvPr/>
+        </p:nvCxnSpPr>
+        <p:spPr>
+          <a:xfrm flipV="1">
+            <a:off x="2362200" y="2405130"/>
+            <a:ext cx="914400" cy="809222"/>
+          </a:xfrm>
+          <a:prstGeom prst="straightConnector1">
+            <a:avLst/>
+          </a:prstGeom>
+          <a:ln>
+            <a:tailEnd type="arrow"/>
+          </a:ln>
+        </p:spPr>
+        <p:style>
+          <a:lnRef idx="1">
+            <a:schemeClr val="accent1"/>
+          </a:lnRef>
+          <a:fillRef idx="0">
+            <a:schemeClr val="accent1"/>
+          </a:fillRef>
+          <a:effectRef idx="0">
+            <a:schemeClr val="accent1"/>
+          </a:effectRef>
+          <a:fontRef idx="minor">
+            <a:schemeClr val="tx1"/>
+          </a:fontRef>
+        </p:style>
+      </p:cxnSp>
+      <p:cxnSp>
+        <p:nvCxnSpPr>
+          <p:cNvPr id="34" name="Straight Connector 33"/>
+          <p:cNvCxnSpPr>
+            <a:stCxn id="9" idx="3"/>
+            <a:endCxn id="5" idx="1"/>
+          </p:cNvCxnSpPr>
+          <p:nvPr/>
+        </p:nvCxnSpPr>
+        <p:spPr>
+          <a:xfrm>
+            <a:off x="2362200" y="995430"/>
+            <a:ext cx="4782111" cy="76553"/>
+          </a:xfrm>
+          <a:prstGeom prst="line">
+            <a:avLst/>
+          </a:prstGeom>
+          <a:ln>
+            <a:prstDash val="dash"/>
+          </a:ln>
+        </p:spPr>
+        <p:style>
+          <a:lnRef idx="3">
+            <a:schemeClr val="accent6"/>
+          </a:lnRef>
+          <a:fillRef idx="0">
+            <a:schemeClr val="accent6"/>
+          </a:fillRef>
+          <a:effectRef idx="2">
+            <a:schemeClr val="accent6"/>
+          </a:effectRef>
+          <a:fontRef idx="minor">
+            <a:schemeClr val="tx1"/>
+          </a:fontRef>
+        </p:style>
+      </p:cxnSp>
+      <p:cxnSp>
+        <p:nvCxnSpPr>
+          <p:cNvPr id="35" name="Straight Connector 34"/>
+          <p:cNvCxnSpPr>
+            <a:stCxn id="26" idx="3"/>
+            <a:endCxn id="7" idx="2"/>
+          </p:cNvCxnSpPr>
+          <p:nvPr/>
+        </p:nvCxnSpPr>
+        <p:spPr>
+          <a:xfrm>
+            <a:off x="2362200" y="3214352"/>
+            <a:ext cx="4419600" cy="81298"/>
+          </a:xfrm>
+          <a:prstGeom prst="line">
+            <a:avLst/>
+          </a:prstGeom>
+          <a:ln>
+            <a:prstDash val="dash"/>
+          </a:ln>
+        </p:spPr>
+        <p:style>
+          <a:lnRef idx="3">
+            <a:schemeClr val="accent6"/>
+          </a:lnRef>
+          <a:fillRef idx="0">
+            <a:schemeClr val="accent6"/>
+          </a:fillRef>
+          <a:effectRef idx="2">
+            <a:schemeClr val="accent6"/>
+          </a:effectRef>
+          <a:fontRef idx="minor">
+            <a:schemeClr val="tx1"/>
+          </a:fontRef>
+        </p:style>
+      </p:cxnSp>
     </p:spTree>
   </p:cSld>
   <p:clrMapOvr>
     <a:masterClrMapping/>
   </p:clrMapOvr>
-  <p:timing>
-    <p:tnLst>
-      <p:par>
-        <p:cTn id="1" dur="indefinite" restart="never" nodeType="tmRoot">
-          <p:childTnLst>
-            <p:seq concurrent="1" nextAc="seek">
-              <p:cTn id="2" dur="indefinite" nodeType="mainSeq">
-                <p:childTnLst>
-                  <p:par>
-                    <p:cTn id="3" fill="hold">
-                      <p:stCondLst>
-                        <p:cond delay="indefinite"/>
-                      </p:stCondLst>
-                      <p:childTnLst>
-                        <p:par>
-                          <p:cTn id="4" fill="hold">
-                            <p:stCondLst>
-                              <p:cond delay="0"/>
-                            </p:stCondLst>
-                            <p:childTnLst>
-                              <p:par>
-                                <p:cTn id="5" presetID="5" presetClass="entr" presetSubtype="10" fill="hold" grpId="0" nodeType="clickEffect">
-                                  <p:stCondLst>
-                                    <p:cond delay="0"/>
-                                  </p:stCondLst>
-                                  <p:childTnLst>
-                                    <p:set>
-                                      <p:cBhvr>
-                                        <p:cTn id="6" dur="1" fill="hold">
-                                          <p:stCondLst>
-                                            <p:cond delay="0"/>
-                                          </p:stCondLst>
-                                        </p:cTn>
-                                        <p:tgtEl>
-                                          <p:spTgt spid="3">
-                                            <p:txEl>
-                                              <p:pRg st="0" end="0"/>
-                                            </p:txEl>
-                                          </p:spTgt>
-                                        </p:tgtEl>
-                                        <p:attrNameLst>
-                                          <p:attrName>style.visibility</p:attrName>
-                                        </p:attrNameLst>
-                                      </p:cBhvr>
-                                      <p:to>
-                                        <p:strVal val="visible"/>
-                                      </p:to>
-                                    </p:set>
-                                    <p:animEffect transition="in" filter="checkerboard(across)">
-                                      <p:cBhvr>
-                                        <p:cTn id="7" dur="500"/>
-                                        <p:tgtEl>
-                                          <p:spTgt spid="3">
-                                            <p:txEl>
-                                              <p:pRg st="0" end="0"/>
-                                            </p:txEl>
-                                          </p:spTgt>
-                                        </p:tgtEl>
-                                      </p:cBhvr>
-                                    </p:animEffect>
-                                  </p:childTnLst>
-                                </p:cTn>
-                              </p:par>
-                            </p:childTnLst>
-                          </p:cTn>
-                        </p:par>
-                      </p:childTnLst>
-                    </p:cTn>
-                  </p:par>
-                  <p:par>
-                    <p:cTn id="8" fill="hold">
-                      <p:stCondLst>
-                        <p:cond delay="indefinite"/>
-                      </p:stCondLst>
-                      <p:childTnLst>
-                        <p:par>
-                          <p:cTn id="9" fill="hold">
-                            <p:stCondLst>
-                              <p:cond delay="0"/>
-                            </p:stCondLst>
-                            <p:childTnLst>
-                              <p:par>
-                                <p:cTn id="10" presetID="5" presetClass="entr" presetSubtype="10" fill="hold" grpId="0" nodeType="clickEffect">
-                                  <p:stCondLst>
-                                    <p:cond delay="0"/>
-                                  </p:stCondLst>
-                                  <p:childTnLst>
-                                    <p:set>
-                                      <p:cBhvr>
-                                        <p:cTn id="11" dur="1" fill="hold">
-                                          <p:stCondLst>
-                                            <p:cond delay="0"/>
-                                          </p:stCondLst>
-                                        </p:cTn>
-                                        <p:tgtEl>
-                                          <p:spTgt spid="3">
-                                            <p:txEl>
-                                              <p:pRg st="1" end="1"/>
-                                            </p:txEl>
-                                          </p:spTgt>
-                                        </p:tgtEl>
-                                        <p:attrNameLst>
-                                          <p:attrName>style.visibility</p:attrName>
-                                        </p:attrNameLst>
-                                      </p:cBhvr>
-                                      <p:to>
-                                        <p:strVal val="visible"/>
-                                      </p:to>
-                                    </p:set>
-                                    <p:animEffect transition="in" filter="checkerboard(across)">
-                                      <p:cBhvr>
-                                        <p:cTn id="12" dur="500"/>
-                                        <p:tgtEl>
-                                          <p:spTgt spid="3">
-                                            <p:txEl>
-                                              <p:pRg st="1" end="1"/>
-                                            </p:txEl>
-                                          </p:spTgt>
-                                        </p:tgtEl>
-                                      </p:cBhvr>
-                                    </p:animEffect>
-                                  </p:childTnLst>
-                                </p:cTn>
-                              </p:par>
-                              <p:par>
-                                <p:cTn id="13" presetID="5" presetClass="entr" presetSubtype="10" fill="hold" grpId="0" nodeType="withEffect">
-                                  <p:stCondLst>
-                                    <p:cond delay="0"/>
-                                  </p:stCondLst>
-                                  <p:childTnLst>
-                                    <p:set>
-                                      <p:cBhvr>
-                                        <p:cTn id="14" dur="1" fill="hold">
-                                          <p:stCondLst>
-                                            <p:cond delay="0"/>
-                                          </p:stCondLst>
-                                        </p:cTn>
-                                        <p:tgtEl>
-                                          <p:spTgt spid="3">
-                                            <p:txEl>
-                                              <p:pRg st="2" end="2"/>
-                                            </p:txEl>
-                                          </p:spTgt>
-                                        </p:tgtEl>
-                                        <p:attrNameLst>
-                                          <p:attrName>style.visibility</p:attrName>
-                                        </p:attrNameLst>
-                                      </p:cBhvr>
-                                      <p:to>
-                                        <p:strVal val="visible"/>
-                                      </p:to>
-                                    </p:set>
-                                    <p:animEffect transition="in" filter="checkerboard(across)">
-                                      <p:cBhvr>
-                                        <p:cTn id="15" dur="500"/>
-                                        <p:tgtEl>
-                                          <p:spTgt spid="3">
-                                            <p:txEl>
-                                              <p:pRg st="2" end="2"/>
-                                            </p:txEl>
-                                          </p:spTgt>
-                                        </p:tgtEl>
-                                      </p:cBhvr>
-                                    </p:animEffect>
-                                  </p:childTnLst>
-                                </p:cTn>
-                              </p:par>
-                            </p:childTnLst>
-                          </p:cTn>
-                        </p:par>
-                      </p:childTnLst>
-                    </p:cTn>
-                  </p:par>
-                  <p:par>
-                    <p:cTn id="16" fill="hold">
-                      <p:stCondLst>
-                        <p:cond delay="indefinite"/>
-                      </p:stCondLst>
-                      <p:childTnLst>
-                        <p:par>
-                          <p:cTn id="17" fill="hold">
-                            <p:stCondLst>
-                              <p:cond delay="0"/>
-                            </p:stCondLst>
-                            <p:childTnLst>
-                              <p:par>
-                                <p:cTn id="18" presetID="10" presetClass="entr" presetSubtype="0" fill="hold" grpId="0" nodeType="clickEffect">
-                                  <p:stCondLst>
-                                    <p:cond delay="0"/>
-                                  </p:stCondLst>
-                                  <p:childTnLst>
-                                    <p:set>
-                                      <p:cBhvr>
-                                        <p:cTn id="19" dur="1" fill="hold">
-                                          <p:stCondLst>
-                                            <p:cond delay="0"/>
-                                          </p:stCondLst>
-                                        </p:cTn>
-                                        <p:tgtEl>
-                                          <p:spTgt spid="4"/>
-                                        </p:tgtEl>
-                                        <p:attrNameLst>
-                                          <p:attrName>style.visibility</p:attrName>
-                                        </p:attrNameLst>
-                                      </p:cBhvr>
-                                      <p:to>
-                                        <p:strVal val="visible"/>
-                                      </p:to>
-                                    </p:set>
-                                    <p:animEffect transition="in" filter="fade">
-                                      <p:cBhvr>
-                                        <p:cTn id="20" dur="500"/>
-                                        <p:tgtEl>
-                                          <p:spTgt spid="4"/>
-                                        </p:tgtEl>
-                                      </p:cBhvr>
-                                    </p:animEffect>
-                                  </p:childTnLst>
-                                </p:cTn>
-                              </p:par>
-                            </p:childTnLst>
-                          </p:cTn>
-                        </p:par>
-                      </p:childTnLst>
-                    </p:cTn>
-                  </p:par>
-                </p:childTnLst>
-              </p:cTn>
-              <p:prevCondLst>
-                <p:cond evt="onPrev" delay="0">
-                  <p:tgtEl>
-                    <p:sldTgt/>
-                  </p:tgtEl>
-                </p:cond>
-              </p:prevCondLst>
-              <p:nextCondLst>
-                <p:cond evt="onNext" delay="0">
-                  <p:tgtEl>
-                    <p:sldTgt/>
-                  </p:tgtEl>
-                </p:cond>
-              </p:nextCondLst>
-            </p:seq>
-          </p:childTnLst>
-        </p:cTn>
-      </p:par>
-    </p:tnLst>
-    <p:bldLst>
-      <p:bldP spid="3" grpId="0" build="p"/>
-      <p:bldP spid="4" grpId="0" animBg="1"/>
-    </p:bldLst>
-  </p:timing>
 </p:sld>
 </file>
 
